--- a/ECML-2024/Slides/part3_clustering.pptx
+++ b/ECML-2024/Slides/part3_clustering.pptx
@@ -2756,7 +2756,7 @@
           <a:p>
             <a:fld id="{A208CC58-AEBA-4B81-AD4F-648E402612BD}" type="datetimeFigureOut">
               <a:rPr lang="en-GB" smtClean="0"/>
-              <a:t>01/09/2024</a:t>
+              <a:t>03/09/2024</a:t>
             </a:fld>
             <a:endParaRPr lang="en-GB"/>
           </a:p>
@@ -3173,7 +3173,7 @@
           <a:p>
             <a:fld id="{EDEC158B-FB0A-43FC-87BA-79B801717EB2}" type="datetimeFigureOut">
               <a:rPr lang="en-AU" smtClean="0"/>
-              <a:t>1/09/2024</a:t>
+              <a:t>3/09/2024</a:t>
             </a:fld>
             <a:endParaRPr lang="en-AU"/>
           </a:p>
@@ -3373,7 +3373,7 @@
           <a:p>
             <a:fld id="{EDEC158B-FB0A-43FC-87BA-79B801717EB2}" type="datetimeFigureOut">
               <a:rPr lang="en-AU" smtClean="0"/>
-              <a:t>1/09/2024</a:t>
+              <a:t>3/09/2024</a:t>
             </a:fld>
             <a:endParaRPr lang="en-AU"/>
           </a:p>
@@ -3583,7 +3583,7 @@
           <a:p>
             <a:fld id="{EDEC158B-FB0A-43FC-87BA-79B801717EB2}" type="datetimeFigureOut">
               <a:rPr lang="en-AU" smtClean="0"/>
-              <a:t>1/09/2024</a:t>
+              <a:t>3/09/2024</a:t>
             </a:fld>
             <a:endParaRPr lang="en-AU"/>
           </a:p>
@@ -3783,7 +3783,7 @@
           <a:p>
             <a:fld id="{EDEC158B-FB0A-43FC-87BA-79B801717EB2}" type="datetimeFigureOut">
               <a:rPr lang="en-AU" smtClean="0"/>
-              <a:t>1/09/2024</a:t>
+              <a:t>3/09/2024</a:t>
             </a:fld>
             <a:endParaRPr lang="en-AU"/>
           </a:p>
@@ -4059,7 +4059,7 @@
           <a:p>
             <a:fld id="{EDEC158B-FB0A-43FC-87BA-79B801717EB2}" type="datetimeFigureOut">
               <a:rPr lang="en-AU" smtClean="0"/>
-              <a:t>1/09/2024</a:t>
+              <a:t>3/09/2024</a:t>
             </a:fld>
             <a:endParaRPr lang="en-AU"/>
           </a:p>
@@ -4327,7 +4327,7 @@
           <a:p>
             <a:fld id="{EDEC158B-FB0A-43FC-87BA-79B801717EB2}" type="datetimeFigureOut">
               <a:rPr lang="en-AU" smtClean="0"/>
-              <a:t>1/09/2024</a:t>
+              <a:t>3/09/2024</a:t>
             </a:fld>
             <a:endParaRPr lang="en-AU"/>
           </a:p>
@@ -4742,7 +4742,7 @@
           <a:p>
             <a:fld id="{EDEC158B-FB0A-43FC-87BA-79B801717EB2}" type="datetimeFigureOut">
               <a:rPr lang="en-AU" smtClean="0"/>
-              <a:t>1/09/2024</a:t>
+              <a:t>3/09/2024</a:t>
             </a:fld>
             <a:endParaRPr lang="en-AU"/>
           </a:p>
@@ -4884,7 +4884,7 @@
           <a:p>
             <a:fld id="{EDEC158B-FB0A-43FC-87BA-79B801717EB2}" type="datetimeFigureOut">
               <a:rPr lang="en-AU" smtClean="0"/>
-              <a:t>1/09/2024</a:t>
+              <a:t>3/09/2024</a:t>
             </a:fld>
             <a:endParaRPr lang="en-AU"/>
           </a:p>
@@ -4997,7 +4997,7 @@
           <a:p>
             <a:fld id="{EDEC158B-FB0A-43FC-87BA-79B801717EB2}" type="datetimeFigureOut">
               <a:rPr lang="en-AU" smtClean="0"/>
-              <a:t>1/09/2024</a:t>
+              <a:t>3/09/2024</a:t>
             </a:fld>
             <a:endParaRPr lang="en-AU"/>
           </a:p>
@@ -5310,7 +5310,7 @@
           <a:p>
             <a:fld id="{EDEC158B-FB0A-43FC-87BA-79B801717EB2}" type="datetimeFigureOut">
               <a:rPr lang="en-AU" smtClean="0"/>
-              <a:t>1/09/2024</a:t>
+              <a:t>3/09/2024</a:t>
             </a:fld>
             <a:endParaRPr lang="en-AU"/>
           </a:p>
@@ -5599,7 +5599,7 @@
           <a:p>
             <a:fld id="{EDEC158B-FB0A-43FC-87BA-79B801717EB2}" type="datetimeFigureOut">
               <a:rPr lang="en-AU" smtClean="0"/>
-              <a:t>1/09/2024</a:t>
+              <a:t>3/09/2024</a:t>
             </a:fld>
             <a:endParaRPr lang="en-AU"/>
           </a:p>
@@ -5842,7 +5842,7 @@
           <a:p>
             <a:fld id="{EDEC158B-FB0A-43FC-87BA-79B801717EB2}" type="datetimeFigureOut">
               <a:rPr lang="en-AU" smtClean="0"/>
-              <a:t>1/09/2024</a:t>
+              <a:t>3/09/2024</a:t>
             </a:fld>
             <a:endParaRPr lang="en-AU"/>
           </a:p>
@@ -6289,7 +6289,7 @@
           <a:p>
             <a:r>
               <a:rPr lang="en-US" dirty="0"/>
-              <a:t>Time series classification and regression</a:t>
+              <a:t>Time series clustering</a:t>
             </a:r>
             <a:endParaRPr lang="en-AU" dirty="0"/>
           </a:p>
@@ -6331,72 +6331,2696 @@
           </a:p>
         </p:txBody>
       </p:sp>
-      <p:pic>
-        <p:nvPicPr>
-          <p:cNvPr id="5" name="Picture 4">
+      <p:grpSp>
+        <p:nvGrpSpPr>
+          <p:cNvPr id="9" name="Group 6">
             <a:extLst>
               <a:ext uri="{FF2B5EF4-FFF2-40B4-BE49-F238E27FC236}">
-                <a16:creationId xmlns:a16="http://schemas.microsoft.com/office/drawing/2014/main" id="{1784E04B-44BA-2F3D-6734-D381F291F4BE}"/>
+                <a16:creationId xmlns:a16="http://schemas.microsoft.com/office/drawing/2014/main" id="{04B54010-ACD1-8B76-23A6-28FEB91B19B0}"/>
               </a:ext>
             </a:extLst>
           </p:cNvPr>
-          <p:cNvPicPr>
-            <a:picLocks noChangeAspect="1"/>
-          </p:cNvPicPr>
+          <p:cNvGrpSpPr>
+            <a:grpSpLocks/>
+          </p:cNvGrpSpPr>
           <p:nvPr/>
-        </p:nvPicPr>
-        <p:blipFill>
-          <a:blip r:embed="rId2"/>
-          <a:stretch>
-            <a:fillRect/>
-          </a:stretch>
-        </p:blipFill>
-        <p:spPr>
+        </p:nvGrpSpPr>
+        <p:grpSpPr bwMode="auto">
           <a:xfrm>
-            <a:off x="7749513" y="3819594"/>
-            <a:ext cx="2496126" cy="792786"/>
+            <a:off x="409735" y="2483104"/>
+            <a:ext cx="7124589" cy="3297800"/>
+            <a:chOff x="279" y="892"/>
+            <a:chExt cx="1776" cy="1051"/>
           </a:xfrm>
-          <a:prstGeom prst="rect">
-            <a:avLst/>
-          </a:prstGeom>
-        </p:spPr>
-      </p:pic>
-      <p:pic>
-        <p:nvPicPr>
-          <p:cNvPr id="11" name="Picture 10">
+        </p:grpSpPr>
+        <p:sp>
+          <p:nvSpPr>
+            <p:cNvPr id="10" name="Freeform 7">
+              <a:extLst>
+                <a:ext uri="{FF2B5EF4-FFF2-40B4-BE49-F238E27FC236}">
+                  <a16:creationId xmlns:a16="http://schemas.microsoft.com/office/drawing/2014/main" id="{3131D05F-CFEB-33E9-1077-9A7FE93BE204}"/>
+                </a:ext>
+              </a:extLst>
+            </p:cNvPr>
+            <p:cNvSpPr>
+              <a:spLocks noChangeAspect="1"/>
+            </p:cNvSpPr>
+            <p:nvPr/>
+          </p:nvSpPr>
+          <p:spPr bwMode="auto">
+            <a:xfrm>
+              <a:off x="279" y="1701"/>
+              <a:ext cx="969" cy="242"/>
+            </a:xfrm>
+            <a:custGeom>
+              <a:avLst/>
+              <a:gdLst>
+                <a:gd name="T0" fmla="*/ 45 w 2566"/>
+                <a:gd name="T1" fmla="*/ 975 h 975"/>
+                <a:gd name="T2" fmla="*/ 105 w 2566"/>
+                <a:gd name="T3" fmla="*/ 975 h 975"/>
+                <a:gd name="T4" fmla="*/ 165 w 2566"/>
+                <a:gd name="T5" fmla="*/ 975 h 975"/>
+                <a:gd name="T6" fmla="*/ 240 w 2566"/>
+                <a:gd name="T7" fmla="*/ 975 h 975"/>
+                <a:gd name="T8" fmla="*/ 300 w 2566"/>
+                <a:gd name="T9" fmla="*/ 975 h 975"/>
+                <a:gd name="T10" fmla="*/ 360 w 2566"/>
+                <a:gd name="T11" fmla="*/ 885 h 975"/>
+                <a:gd name="T12" fmla="*/ 435 w 2566"/>
+                <a:gd name="T13" fmla="*/ 780 h 975"/>
+                <a:gd name="T14" fmla="*/ 495 w 2566"/>
+                <a:gd name="T15" fmla="*/ 735 h 975"/>
+                <a:gd name="T16" fmla="*/ 555 w 2566"/>
+                <a:gd name="T17" fmla="*/ 690 h 975"/>
+                <a:gd name="T18" fmla="*/ 630 w 2566"/>
+                <a:gd name="T19" fmla="*/ 705 h 975"/>
+                <a:gd name="T20" fmla="*/ 690 w 2566"/>
+                <a:gd name="T21" fmla="*/ 585 h 975"/>
+                <a:gd name="T22" fmla="*/ 750 w 2566"/>
+                <a:gd name="T23" fmla="*/ 525 h 975"/>
+                <a:gd name="T24" fmla="*/ 825 w 2566"/>
+                <a:gd name="T25" fmla="*/ 540 h 975"/>
+                <a:gd name="T26" fmla="*/ 885 w 2566"/>
+                <a:gd name="T27" fmla="*/ 480 h 975"/>
+                <a:gd name="T28" fmla="*/ 945 w 2566"/>
+                <a:gd name="T29" fmla="*/ 435 h 975"/>
+                <a:gd name="T30" fmla="*/ 1020 w 2566"/>
+                <a:gd name="T31" fmla="*/ 405 h 975"/>
+                <a:gd name="T32" fmla="*/ 1080 w 2566"/>
+                <a:gd name="T33" fmla="*/ 360 h 975"/>
+                <a:gd name="T34" fmla="*/ 1140 w 2566"/>
+                <a:gd name="T35" fmla="*/ 315 h 975"/>
+                <a:gd name="T36" fmla="*/ 1215 w 2566"/>
+                <a:gd name="T37" fmla="*/ 330 h 975"/>
+                <a:gd name="T38" fmla="*/ 1275 w 2566"/>
+                <a:gd name="T39" fmla="*/ 285 h 975"/>
+                <a:gd name="T40" fmla="*/ 1335 w 2566"/>
+                <a:gd name="T41" fmla="*/ 255 h 975"/>
+                <a:gd name="T42" fmla="*/ 1410 w 2566"/>
+                <a:gd name="T43" fmla="*/ 195 h 975"/>
+                <a:gd name="T44" fmla="*/ 1470 w 2566"/>
+                <a:gd name="T45" fmla="*/ 165 h 975"/>
+                <a:gd name="T46" fmla="*/ 1530 w 2566"/>
+                <a:gd name="T47" fmla="*/ 150 h 975"/>
+                <a:gd name="T48" fmla="*/ 1605 w 2566"/>
+                <a:gd name="T49" fmla="*/ 105 h 975"/>
+                <a:gd name="T50" fmla="*/ 1665 w 2566"/>
+                <a:gd name="T51" fmla="*/ 75 h 975"/>
+                <a:gd name="T52" fmla="*/ 1725 w 2566"/>
+                <a:gd name="T53" fmla="*/ 30 h 975"/>
+                <a:gd name="T54" fmla="*/ 1801 w 2566"/>
+                <a:gd name="T55" fmla="*/ 15 h 975"/>
+                <a:gd name="T56" fmla="*/ 1861 w 2566"/>
+                <a:gd name="T57" fmla="*/ 0 h 975"/>
+                <a:gd name="T58" fmla="*/ 1921 w 2566"/>
+                <a:gd name="T59" fmla="*/ 0 h 975"/>
+                <a:gd name="T60" fmla="*/ 1996 w 2566"/>
+                <a:gd name="T61" fmla="*/ 30 h 975"/>
+                <a:gd name="T62" fmla="*/ 2056 w 2566"/>
+                <a:gd name="T63" fmla="*/ 75 h 975"/>
+                <a:gd name="T64" fmla="*/ 2116 w 2566"/>
+                <a:gd name="T65" fmla="*/ 180 h 975"/>
+                <a:gd name="T66" fmla="*/ 2191 w 2566"/>
+                <a:gd name="T67" fmla="*/ 510 h 975"/>
+                <a:gd name="T68" fmla="*/ 2251 w 2566"/>
+                <a:gd name="T69" fmla="*/ 975 h 975"/>
+                <a:gd name="T70" fmla="*/ 2311 w 2566"/>
+                <a:gd name="T71" fmla="*/ 975 h 975"/>
+                <a:gd name="T72" fmla="*/ 2371 w 2566"/>
+                <a:gd name="T73" fmla="*/ 975 h 975"/>
+                <a:gd name="T74" fmla="*/ 2446 w 2566"/>
+                <a:gd name="T75" fmla="*/ 975 h 975"/>
+                <a:gd name="T76" fmla="*/ 2506 w 2566"/>
+                <a:gd name="T77" fmla="*/ 975 h 975"/>
+                <a:gd name="T78" fmla="*/ 2566 w 2566"/>
+                <a:gd name="T79" fmla="*/ 975 h 975"/>
+              </a:gdLst>
+              <a:ahLst/>
+              <a:cxnLst>
+                <a:cxn ang="0">
+                  <a:pos x="T0" y="T1"/>
+                </a:cxn>
+                <a:cxn ang="0">
+                  <a:pos x="T2" y="T3"/>
+                </a:cxn>
+                <a:cxn ang="0">
+                  <a:pos x="T4" y="T5"/>
+                </a:cxn>
+                <a:cxn ang="0">
+                  <a:pos x="T6" y="T7"/>
+                </a:cxn>
+                <a:cxn ang="0">
+                  <a:pos x="T8" y="T9"/>
+                </a:cxn>
+                <a:cxn ang="0">
+                  <a:pos x="T10" y="T11"/>
+                </a:cxn>
+                <a:cxn ang="0">
+                  <a:pos x="T12" y="T13"/>
+                </a:cxn>
+                <a:cxn ang="0">
+                  <a:pos x="T14" y="T15"/>
+                </a:cxn>
+                <a:cxn ang="0">
+                  <a:pos x="T16" y="T17"/>
+                </a:cxn>
+                <a:cxn ang="0">
+                  <a:pos x="T18" y="T19"/>
+                </a:cxn>
+                <a:cxn ang="0">
+                  <a:pos x="T20" y="T21"/>
+                </a:cxn>
+                <a:cxn ang="0">
+                  <a:pos x="T22" y="T23"/>
+                </a:cxn>
+                <a:cxn ang="0">
+                  <a:pos x="T24" y="T25"/>
+                </a:cxn>
+                <a:cxn ang="0">
+                  <a:pos x="T26" y="T27"/>
+                </a:cxn>
+                <a:cxn ang="0">
+                  <a:pos x="T28" y="T29"/>
+                </a:cxn>
+                <a:cxn ang="0">
+                  <a:pos x="T30" y="T31"/>
+                </a:cxn>
+                <a:cxn ang="0">
+                  <a:pos x="T32" y="T33"/>
+                </a:cxn>
+                <a:cxn ang="0">
+                  <a:pos x="T34" y="T35"/>
+                </a:cxn>
+                <a:cxn ang="0">
+                  <a:pos x="T36" y="T37"/>
+                </a:cxn>
+                <a:cxn ang="0">
+                  <a:pos x="T38" y="T39"/>
+                </a:cxn>
+                <a:cxn ang="0">
+                  <a:pos x="T40" y="T41"/>
+                </a:cxn>
+                <a:cxn ang="0">
+                  <a:pos x="T42" y="T43"/>
+                </a:cxn>
+                <a:cxn ang="0">
+                  <a:pos x="T44" y="T45"/>
+                </a:cxn>
+                <a:cxn ang="0">
+                  <a:pos x="T46" y="T47"/>
+                </a:cxn>
+                <a:cxn ang="0">
+                  <a:pos x="T48" y="T49"/>
+                </a:cxn>
+                <a:cxn ang="0">
+                  <a:pos x="T50" y="T51"/>
+                </a:cxn>
+                <a:cxn ang="0">
+                  <a:pos x="T52" y="T53"/>
+                </a:cxn>
+                <a:cxn ang="0">
+                  <a:pos x="T54" y="T55"/>
+                </a:cxn>
+                <a:cxn ang="0">
+                  <a:pos x="T56" y="T57"/>
+                </a:cxn>
+                <a:cxn ang="0">
+                  <a:pos x="T58" y="T59"/>
+                </a:cxn>
+                <a:cxn ang="0">
+                  <a:pos x="T60" y="T61"/>
+                </a:cxn>
+                <a:cxn ang="0">
+                  <a:pos x="T62" y="T63"/>
+                </a:cxn>
+                <a:cxn ang="0">
+                  <a:pos x="T64" y="T65"/>
+                </a:cxn>
+                <a:cxn ang="0">
+                  <a:pos x="T66" y="T67"/>
+                </a:cxn>
+                <a:cxn ang="0">
+                  <a:pos x="T68" y="T69"/>
+                </a:cxn>
+                <a:cxn ang="0">
+                  <a:pos x="T70" y="T71"/>
+                </a:cxn>
+                <a:cxn ang="0">
+                  <a:pos x="T72" y="T73"/>
+                </a:cxn>
+                <a:cxn ang="0">
+                  <a:pos x="T74" y="T75"/>
+                </a:cxn>
+                <a:cxn ang="0">
+                  <a:pos x="T76" y="T77"/>
+                </a:cxn>
+                <a:cxn ang="0">
+                  <a:pos x="T78" y="T79"/>
+                </a:cxn>
+              </a:cxnLst>
+              <a:rect l="0" t="0" r="r" b="b"/>
+              <a:pathLst>
+                <a:path w="2566" h="975">
+                  <a:moveTo>
+                    <a:pt x="0" y="975"/>
+                  </a:moveTo>
+                  <a:lnTo>
+                    <a:pt x="45" y="975"/>
+                  </a:lnTo>
+                  <a:lnTo>
+                    <a:pt x="75" y="975"/>
+                  </a:lnTo>
+                  <a:lnTo>
+                    <a:pt x="105" y="975"/>
+                  </a:lnTo>
+                  <a:lnTo>
+                    <a:pt x="135" y="975"/>
+                  </a:lnTo>
+                  <a:lnTo>
+                    <a:pt x="165" y="975"/>
+                  </a:lnTo>
+                  <a:lnTo>
+                    <a:pt x="195" y="975"/>
+                  </a:lnTo>
+                  <a:lnTo>
+                    <a:pt x="240" y="975"/>
+                  </a:lnTo>
+                  <a:lnTo>
+                    <a:pt x="270" y="885"/>
+                  </a:lnTo>
+                  <a:lnTo>
+                    <a:pt x="300" y="975"/>
+                  </a:lnTo>
+                  <a:lnTo>
+                    <a:pt x="330" y="975"/>
+                  </a:lnTo>
+                  <a:lnTo>
+                    <a:pt x="360" y="885"/>
+                  </a:lnTo>
+                  <a:lnTo>
+                    <a:pt x="390" y="885"/>
+                  </a:lnTo>
+                  <a:lnTo>
+                    <a:pt x="435" y="780"/>
+                  </a:lnTo>
+                  <a:lnTo>
+                    <a:pt x="465" y="780"/>
+                  </a:lnTo>
+                  <a:lnTo>
+                    <a:pt x="495" y="735"/>
+                  </a:lnTo>
+                  <a:lnTo>
+                    <a:pt x="525" y="780"/>
+                  </a:lnTo>
+                  <a:lnTo>
+                    <a:pt x="555" y="690"/>
+                  </a:lnTo>
+                  <a:lnTo>
+                    <a:pt x="585" y="750"/>
+                  </a:lnTo>
+                  <a:lnTo>
+                    <a:pt x="630" y="705"/>
+                  </a:lnTo>
+                  <a:lnTo>
+                    <a:pt x="660" y="630"/>
+                  </a:lnTo>
+                  <a:lnTo>
+                    <a:pt x="690" y="585"/>
+                  </a:lnTo>
+                  <a:lnTo>
+                    <a:pt x="720" y="600"/>
+                  </a:lnTo>
+                  <a:lnTo>
+                    <a:pt x="750" y="525"/>
+                  </a:lnTo>
+                  <a:lnTo>
+                    <a:pt x="780" y="585"/>
+                  </a:lnTo>
+                  <a:lnTo>
+                    <a:pt x="825" y="540"/>
+                  </a:lnTo>
+                  <a:lnTo>
+                    <a:pt x="855" y="495"/>
+                  </a:lnTo>
+                  <a:lnTo>
+                    <a:pt x="885" y="480"/>
+                  </a:lnTo>
+                  <a:lnTo>
+                    <a:pt x="915" y="465"/>
+                  </a:lnTo>
+                  <a:lnTo>
+                    <a:pt x="945" y="435"/>
+                  </a:lnTo>
+                  <a:lnTo>
+                    <a:pt x="975" y="450"/>
+                  </a:lnTo>
+                  <a:lnTo>
+                    <a:pt x="1020" y="405"/>
+                  </a:lnTo>
+                  <a:lnTo>
+                    <a:pt x="1050" y="405"/>
+                  </a:lnTo>
+                  <a:lnTo>
+                    <a:pt x="1080" y="360"/>
+                  </a:lnTo>
+                  <a:lnTo>
+                    <a:pt x="1110" y="375"/>
+                  </a:lnTo>
+                  <a:lnTo>
+                    <a:pt x="1140" y="315"/>
+                  </a:lnTo>
+                  <a:lnTo>
+                    <a:pt x="1170" y="345"/>
+                  </a:lnTo>
+                  <a:lnTo>
+                    <a:pt x="1215" y="330"/>
+                  </a:lnTo>
+                  <a:lnTo>
+                    <a:pt x="1245" y="285"/>
+                  </a:lnTo>
+                  <a:lnTo>
+                    <a:pt x="1275" y="285"/>
+                  </a:lnTo>
+                  <a:lnTo>
+                    <a:pt x="1305" y="255"/>
+                  </a:lnTo>
+                  <a:lnTo>
+                    <a:pt x="1335" y="255"/>
+                  </a:lnTo>
+                  <a:lnTo>
+                    <a:pt x="1365" y="225"/>
+                  </a:lnTo>
+                  <a:lnTo>
+                    <a:pt x="1410" y="195"/>
+                  </a:lnTo>
+                  <a:lnTo>
+                    <a:pt x="1440" y="180"/>
+                  </a:lnTo>
+                  <a:lnTo>
+                    <a:pt x="1470" y="165"/>
+                  </a:lnTo>
+                  <a:lnTo>
+                    <a:pt x="1500" y="165"/>
+                  </a:lnTo>
+                  <a:lnTo>
+                    <a:pt x="1530" y="150"/>
+                  </a:lnTo>
+                  <a:lnTo>
+                    <a:pt x="1560" y="120"/>
+                  </a:lnTo>
+                  <a:lnTo>
+                    <a:pt x="1605" y="105"/>
+                  </a:lnTo>
+                  <a:lnTo>
+                    <a:pt x="1635" y="90"/>
+                  </a:lnTo>
+                  <a:lnTo>
+                    <a:pt x="1665" y="75"/>
+                  </a:lnTo>
+                  <a:lnTo>
+                    <a:pt x="1695" y="45"/>
+                  </a:lnTo>
+                  <a:lnTo>
+                    <a:pt x="1725" y="30"/>
+                  </a:lnTo>
+                  <a:lnTo>
+                    <a:pt x="1755" y="30"/>
+                  </a:lnTo>
+                  <a:lnTo>
+                    <a:pt x="1801" y="15"/>
+                  </a:lnTo>
+                  <a:lnTo>
+                    <a:pt x="1831" y="0"/>
+                  </a:lnTo>
+                  <a:lnTo>
+                    <a:pt x="1861" y="0"/>
+                  </a:lnTo>
+                  <a:lnTo>
+                    <a:pt x="1891" y="0"/>
+                  </a:lnTo>
+                  <a:lnTo>
+                    <a:pt x="1921" y="0"/>
+                  </a:lnTo>
+                  <a:lnTo>
+                    <a:pt x="1951" y="0"/>
+                  </a:lnTo>
+                  <a:lnTo>
+                    <a:pt x="1996" y="30"/>
+                  </a:lnTo>
+                  <a:lnTo>
+                    <a:pt x="2026" y="30"/>
+                  </a:lnTo>
+                  <a:lnTo>
+                    <a:pt x="2056" y="75"/>
+                  </a:lnTo>
+                  <a:lnTo>
+                    <a:pt x="2086" y="105"/>
+                  </a:lnTo>
+                  <a:lnTo>
+                    <a:pt x="2116" y="180"/>
+                  </a:lnTo>
+                  <a:lnTo>
+                    <a:pt x="2146" y="300"/>
+                  </a:lnTo>
+                  <a:lnTo>
+                    <a:pt x="2191" y="510"/>
+                  </a:lnTo>
+                  <a:lnTo>
+                    <a:pt x="2221" y="645"/>
+                  </a:lnTo>
+                  <a:lnTo>
+                    <a:pt x="2251" y="975"/>
+                  </a:lnTo>
+                  <a:lnTo>
+                    <a:pt x="2281" y="975"/>
+                  </a:lnTo>
+                  <a:lnTo>
+                    <a:pt x="2311" y="975"/>
+                  </a:lnTo>
+                  <a:lnTo>
+                    <a:pt x="2341" y="975"/>
+                  </a:lnTo>
+                  <a:lnTo>
+                    <a:pt x="2371" y="975"/>
+                  </a:lnTo>
+                  <a:lnTo>
+                    <a:pt x="2416" y="975"/>
+                  </a:lnTo>
+                  <a:lnTo>
+                    <a:pt x="2446" y="975"/>
+                  </a:lnTo>
+                  <a:lnTo>
+                    <a:pt x="2476" y="975"/>
+                  </a:lnTo>
+                  <a:lnTo>
+                    <a:pt x="2506" y="975"/>
+                  </a:lnTo>
+                  <a:lnTo>
+                    <a:pt x="2536" y="975"/>
+                  </a:lnTo>
+                  <a:lnTo>
+                    <a:pt x="2566" y="975"/>
+                  </a:lnTo>
+                </a:path>
+              </a:pathLst>
+            </a:custGeom>
+            <a:noFill/>
+            <a:ln w="25400">
+              <a:solidFill>
+                <a:srgbClr val="993300"/>
+              </a:solidFill>
+              <a:prstDash val="solid"/>
+              <a:round/>
+              <a:headEnd/>
+              <a:tailEnd/>
+            </a:ln>
+            <a:extLst>
+              <a:ext uri="{909E8E84-426E-40DD-AFC4-6F175D3DCCD1}">
+                <a14:hiddenFill xmlns:a14="http://schemas.microsoft.com/office/drawing/2010/main">
+                  <a:solidFill>
+                    <a:srgbClr val="FFFFFF"/>
+                  </a:solidFill>
+                </a14:hiddenFill>
+              </a:ext>
+            </a:extLst>
+          </p:spPr>
+          <p:txBody>
+            <a:bodyPr/>
+            <a:lstStyle/>
+            <a:p>
+              <a:endParaRPr lang="en-GB"/>
+            </a:p>
+          </p:txBody>
+        </p:sp>
+        <p:sp>
+          <p:nvSpPr>
+            <p:cNvPr id="12" name="Freeform 8">
+              <a:extLst>
+                <a:ext uri="{FF2B5EF4-FFF2-40B4-BE49-F238E27FC236}">
+                  <a16:creationId xmlns:a16="http://schemas.microsoft.com/office/drawing/2014/main" id="{B433E812-8586-88AC-4408-AE28F55E4709}"/>
+                </a:ext>
+              </a:extLst>
+            </p:cNvPr>
+            <p:cNvSpPr>
+              <a:spLocks noChangeAspect="1"/>
+            </p:cNvSpPr>
+            <p:nvPr/>
+          </p:nvSpPr>
+          <p:spPr bwMode="auto">
+            <a:xfrm>
+              <a:off x="279" y="1431"/>
+              <a:ext cx="969" cy="245"/>
+            </a:xfrm>
+            <a:custGeom>
+              <a:avLst/>
+              <a:gdLst>
+                <a:gd name="T0" fmla="*/ 45 w 2566"/>
+                <a:gd name="T1" fmla="*/ 990 h 990"/>
+                <a:gd name="T2" fmla="*/ 105 w 2566"/>
+                <a:gd name="T3" fmla="*/ 840 h 990"/>
+                <a:gd name="T4" fmla="*/ 165 w 2566"/>
+                <a:gd name="T5" fmla="*/ 900 h 990"/>
+                <a:gd name="T6" fmla="*/ 240 w 2566"/>
+                <a:gd name="T7" fmla="*/ 900 h 990"/>
+                <a:gd name="T8" fmla="*/ 300 w 2566"/>
+                <a:gd name="T9" fmla="*/ 840 h 990"/>
+                <a:gd name="T10" fmla="*/ 360 w 2566"/>
+                <a:gd name="T11" fmla="*/ 780 h 990"/>
+                <a:gd name="T12" fmla="*/ 435 w 2566"/>
+                <a:gd name="T13" fmla="*/ 720 h 990"/>
+                <a:gd name="T14" fmla="*/ 495 w 2566"/>
+                <a:gd name="T15" fmla="*/ 720 h 990"/>
+                <a:gd name="T16" fmla="*/ 555 w 2566"/>
+                <a:gd name="T17" fmla="*/ 735 h 990"/>
+                <a:gd name="T18" fmla="*/ 630 w 2566"/>
+                <a:gd name="T19" fmla="*/ 630 h 990"/>
+                <a:gd name="T20" fmla="*/ 690 w 2566"/>
+                <a:gd name="T21" fmla="*/ 585 h 990"/>
+                <a:gd name="T22" fmla="*/ 750 w 2566"/>
+                <a:gd name="T23" fmla="*/ 555 h 990"/>
+                <a:gd name="T24" fmla="*/ 825 w 2566"/>
+                <a:gd name="T25" fmla="*/ 480 h 990"/>
+                <a:gd name="T26" fmla="*/ 885 w 2566"/>
+                <a:gd name="T27" fmla="*/ 450 h 990"/>
+                <a:gd name="T28" fmla="*/ 945 w 2566"/>
+                <a:gd name="T29" fmla="*/ 405 h 990"/>
+                <a:gd name="T30" fmla="*/ 1020 w 2566"/>
+                <a:gd name="T31" fmla="*/ 390 h 990"/>
+                <a:gd name="T32" fmla="*/ 1080 w 2566"/>
+                <a:gd name="T33" fmla="*/ 330 h 990"/>
+                <a:gd name="T34" fmla="*/ 1140 w 2566"/>
+                <a:gd name="T35" fmla="*/ 300 h 990"/>
+                <a:gd name="T36" fmla="*/ 1215 w 2566"/>
+                <a:gd name="T37" fmla="*/ 255 h 990"/>
+                <a:gd name="T38" fmla="*/ 1275 w 2566"/>
+                <a:gd name="T39" fmla="*/ 210 h 990"/>
+                <a:gd name="T40" fmla="*/ 1335 w 2566"/>
+                <a:gd name="T41" fmla="*/ 180 h 990"/>
+                <a:gd name="T42" fmla="*/ 1410 w 2566"/>
+                <a:gd name="T43" fmla="*/ 150 h 990"/>
+                <a:gd name="T44" fmla="*/ 1470 w 2566"/>
+                <a:gd name="T45" fmla="*/ 105 h 990"/>
+                <a:gd name="T46" fmla="*/ 1530 w 2566"/>
+                <a:gd name="T47" fmla="*/ 60 h 990"/>
+                <a:gd name="T48" fmla="*/ 1605 w 2566"/>
+                <a:gd name="T49" fmla="*/ 45 h 990"/>
+                <a:gd name="T50" fmla="*/ 1665 w 2566"/>
+                <a:gd name="T51" fmla="*/ 15 h 990"/>
+                <a:gd name="T52" fmla="*/ 1725 w 2566"/>
+                <a:gd name="T53" fmla="*/ 0 h 990"/>
+                <a:gd name="T54" fmla="*/ 1801 w 2566"/>
+                <a:gd name="T55" fmla="*/ 15 h 990"/>
+                <a:gd name="T56" fmla="*/ 1861 w 2566"/>
+                <a:gd name="T57" fmla="*/ 165 h 990"/>
+                <a:gd name="T58" fmla="*/ 1921 w 2566"/>
+                <a:gd name="T59" fmla="*/ 405 h 990"/>
+                <a:gd name="T60" fmla="*/ 1996 w 2566"/>
+                <a:gd name="T61" fmla="*/ 660 h 990"/>
+                <a:gd name="T62" fmla="*/ 2056 w 2566"/>
+                <a:gd name="T63" fmla="*/ 840 h 990"/>
+                <a:gd name="T64" fmla="*/ 2116 w 2566"/>
+                <a:gd name="T65" fmla="*/ 900 h 990"/>
+                <a:gd name="T66" fmla="*/ 2191 w 2566"/>
+                <a:gd name="T67" fmla="*/ 840 h 990"/>
+                <a:gd name="T68" fmla="*/ 2251 w 2566"/>
+                <a:gd name="T69" fmla="*/ 990 h 990"/>
+                <a:gd name="T70" fmla="*/ 2311 w 2566"/>
+                <a:gd name="T71" fmla="*/ 990 h 990"/>
+                <a:gd name="T72" fmla="*/ 2371 w 2566"/>
+                <a:gd name="T73" fmla="*/ 990 h 990"/>
+                <a:gd name="T74" fmla="*/ 2446 w 2566"/>
+                <a:gd name="T75" fmla="*/ 990 h 990"/>
+                <a:gd name="T76" fmla="*/ 2506 w 2566"/>
+                <a:gd name="T77" fmla="*/ 990 h 990"/>
+                <a:gd name="T78" fmla="*/ 2566 w 2566"/>
+                <a:gd name="T79" fmla="*/ 990 h 990"/>
+              </a:gdLst>
+              <a:ahLst/>
+              <a:cxnLst>
+                <a:cxn ang="0">
+                  <a:pos x="T0" y="T1"/>
+                </a:cxn>
+                <a:cxn ang="0">
+                  <a:pos x="T2" y="T3"/>
+                </a:cxn>
+                <a:cxn ang="0">
+                  <a:pos x="T4" y="T5"/>
+                </a:cxn>
+                <a:cxn ang="0">
+                  <a:pos x="T6" y="T7"/>
+                </a:cxn>
+                <a:cxn ang="0">
+                  <a:pos x="T8" y="T9"/>
+                </a:cxn>
+                <a:cxn ang="0">
+                  <a:pos x="T10" y="T11"/>
+                </a:cxn>
+                <a:cxn ang="0">
+                  <a:pos x="T12" y="T13"/>
+                </a:cxn>
+                <a:cxn ang="0">
+                  <a:pos x="T14" y="T15"/>
+                </a:cxn>
+                <a:cxn ang="0">
+                  <a:pos x="T16" y="T17"/>
+                </a:cxn>
+                <a:cxn ang="0">
+                  <a:pos x="T18" y="T19"/>
+                </a:cxn>
+                <a:cxn ang="0">
+                  <a:pos x="T20" y="T21"/>
+                </a:cxn>
+                <a:cxn ang="0">
+                  <a:pos x="T22" y="T23"/>
+                </a:cxn>
+                <a:cxn ang="0">
+                  <a:pos x="T24" y="T25"/>
+                </a:cxn>
+                <a:cxn ang="0">
+                  <a:pos x="T26" y="T27"/>
+                </a:cxn>
+                <a:cxn ang="0">
+                  <a:pos x="T28" y="T29"/>
+                </a:cxn>
+                <a:cxn ang="0">
+                  <a:pos x="T30" y="T31"/>
+                </a:cxn>
+                <a:cxn ang="0">
+                  <a:pos x="T32" y="T33"/>
+                </a:cxn>
+                <a:cxn ang="0">
+                  <a:pos x="T34" y="T35"/>
+                </a:cxn>
+                <a:cxn ang="0">
+                  <a:pos x="T36" y="T37"/>
+                </a:cxn>
+                <a:cxn ang="0">
+                  <a:pos x="T38" y="T39"/>
+                </a:cxn>
+                <a:cxn ang="0">
+                  <a:pos x="T40" y="T41"/>
+                </a:cxn>
+                <a:cxn ang="0">
+                  <a:pos x="T42" y="T43"/>
+                </a:cxn>
+                <a:cxn ang="0">
+                  <a:pos x="T44" y="T45"/>
+                </a:cxn>
+                <a:cxn ang="0">
+                  <a:pos x="T46" y="T47"/>
+                </a:cxn>
+                <a:cxn ang="0">
+                  <a:pos x="T48" y="T49"/>
+                </a:cxn>
+                <a:cxn ang="0">
+                  <a:pos x="T50" y="T51"/>
+                </a:cxn>
+                <a:cxn ang="0">
+                  <a:pos x="T52" y="T53"/>
+                </a:cxn>
+                <a:cxn ang="0">
+                  <a:pos x="T54" y="T55"/>
+                </a:cxn>
+                <a:cxn ang="0">
+                  <a:pos x="T56" y="T57"/>
+                </a:cxn>
+                <a:cxn ang="0">
+                  <a:pos x="T58" y="T59"/>
+                </a:cxn>
+                <a:cxn ang="0">
+                  <a:pos x="T60" y="T61"/>
+                </a:cxn>
+                <a:cxn ang="0">
+                  <a:pos x="T62" y="T63"/>
+                </a:cxn>
+                <a:cxn ang="0">
+                  <a:pos x="T64" y="T65"/>
+                </a:cxn>
+                <a:cxn ang="0">
+                  <a:pos x="T66" y="T67"/>
+                </a:cxn>
+                <a:cxn ang="0">
+                  <a:pos x="T68" y="T69"/>
+                </a:cxn>
+                <a:cxn ang="0">
+                  <a:pos x="T70" y="T71"/>
+                </a:cxn>
+                <a:cxn ang="0">
+                  <a:pos x="T72" y="T73"/>
+                </a:cxn>
+                <a:cxn ang="0">
+                  <a:pos x="T74" y="T75"/>
+                </a:cxn>
+                <a:cxn ang="0">
+                  <a:pos x="T76" y="T77"/>
+                </a:cxn>
+                <a:cxn ang="0">
+                  <a:pos x="T78" y="T79"/>
+                </a:cxn>
+              </a:cxnLst>
+              <a:rect l="0" t="0" r="r" b="b"/>
+              <a:pathLst>
+                <a:path w="2566" h="990">
+                  <a:moveTo>
+                    <a:pt x="0" y="900"/>
+                  </a:moveTo>
+                  <a:lnTo>
+                    <a:pt x="45" y="990"/>
+                  </a:lnTo>
+                  <a:lnTo>
+                    <a:pt x="75" y="990"/>
+                  </a:lnTo>
+                  <a:lnTo>
+                    <a:pt x="105" y="840"/>
+                  </a:lnTo>
+                  <a:lnTo>
+                    <a:pt x="135" y="990"/>
+                  </a:lnTo>
+                  <a:lnTo>
+                    <a:pt x="165" y="900"/>
+                  </a:lnTo>
+                  <a:lnTo>
+                    <a:pt x="195" y="990"/>
+                  </a:lnTo>
+                  <a:lnTo>
+                    <a:pt x="240" y="900"/>
+                  </a:lnTo>
+                  <a:lnTo>
+                    <a:pt x="270" y="735"/>
+                  </a:lnTo>
+                  <a:lnTo>
+                    <a:pt x="300" y="840"/>
+                  </a:lnTo>
+                  <a:lnTo>
+                    <a:pt x="330" y="810"/>
+                  </a:lnTo>
+                  <a:lnTo>
+                    <a:pt x="360" y="780"/>
+                  </a:lnTo>
+                  <a:lnTo>
+                    <a:pt x="390" y="840"/>
+                  </a:lnTo>
+                  <a:lnTo>
+                    <a:pt x="435" y="720"/>
+                  </a:lnTo>
+                  <a:lnTo>
+                    <a:pt x="465" y="750"/>
+                  </a:lnTo>
+                  <a:lnTo>
+                    <a:pt x="495" y="720"/>
+                  </a:lnTo>
+                  <a:lnTo>
+                    <a:pt x="525" y="675"/>
+                  </a:lnTo>
+                  <a:lnTo>
+                    <a:pt x="555" y="735"/>
+                  </a:lnTo>
+                  <a:lnTo>
+                    <a:pt x="585" y="645"/>
+                  </a:lnTo>
+                  <a:lnTo>
+                    <a:pt x="630" y="630"/>
+                  </a:lnTo>
+                  <a:lnTo>
+                    <a:pt x="660" y="600"/>
+                  </a:lnTo>
+                  <a:lnTo>
+                    <a:pt x="690" y="585"/>
+                  </a:lnTo>
+                  <a:lnTo>
+                    <a:pt x="720" y="525"/>
+                  </a:lnTo>
+                  <a:lnTo>
+                    <a:pt x="750" y="555"/>
+                  </a:lnTo>
+                  <a:lnTo>
+                    <a:pt x="780" y="510"/>
+                  </a:lnTo>
+                  <a:lnTo>
+                    <a:pt x="825" y="480"/>
+                  </a:lnTo>
+                  <a:lnTo>
+                    <a:pt x="855" y="510"/>
+                  </a:lnTo>
+                  <a:lnTo>
+                    <a:pt x="885" y="450"/>
+                  </a:lnTo>
+                  <a:lnTo>
+                    <a:pt x="915" y="450"/>
+                  </a:lnTo>
+                  <a:lnTo>
+                    <a:pt x="945" y="405"/>
+                  </a:lnTo>
+                  <a:lnTo>
+                    <a:pt x="975" y="405"/>
+                  </a:lnTo>
+                  <a:lnTo>
+                    <a:pt x="1020" y="390"/>
+                  </a:lnTo>
+                  <a:lnTo>
+                    <a:pt x="1050" y="360"/>
+                  </a:lnTo>
+                  <a:lnTo>
+                    <a:pt x="1080" y="330"/>
+                  </a:lnTo>
+                  <a:lnTo>
+                    <a:pt x="1110" y="315"/>
+                  </a:lnTo>
+                  <a:lnTo>
+                    <a:pt x="1140" y="300"/>
+                  </a:lnTo>
+                  <a:lnTo>
+                    <a:pt x="1170" y="270"/>
+                  </a:lnTo>
+                  <a:lnTo>
+                    <a:pt x="1215" y="255"/>
+                  </a:lnTo>
+                  <a:lnTo>
+                    <a:pt x="1245" y="240"/>
+                  </a:lnTo>
+                  <a:lnTo>
+                    <a:pt x="1275" y="210"/>
+                  </a:lnTo>
+                  <a:lnTo>
+                    <a:pt x="1305" y="195"/>
+                  </a:lnTo>
+                  <a:lnTo>
+                    <a:pt x="1335" y="180"/>
+                  </a:lnTo>
+                  <a:lnTo>
+                    <a:pt x="1365" y="165"/>
+                  </a:lnTo>
+                  <a:lnTo>
+                    <a:pt x="1410" y="150"/>
+                  </a:lnTo>
+                  <a:lnTo>
+                    <a:pt x="1440" y="135"/>
+                  </a:lnTo>
+                  <a:lnTo>
+                    <a:pt x="1470" y="105"/>
+                  </a:lnTo>
+                  <a:lnTo>
+                    <a:pt x="1500" y="90"/>
+                  </a:lnTo>
+                  <a:lnTo>
+                    <a:pt x="1530" y="60"/>
+                  </a:lnTo>
+                  <a:lnTo>
+                    <a:pt x="1560" y="60"/>
+                  </a:lnTo>
+                  <a:lnTo>
+                    <a:pt x="1605" y="45"/>
+                  </a:lnTo>
+                  <a:lnTo>
+                    <a:pt x="1635" y="30"/>
+                  </a:lnTo>
+                  <a:lnTo>
+                    <a:pt x="1665" y="15"/>
+                  </a:lnTo>
+                  <a:lnTo>
+                    <a:pt x="1695" y="15"/>
+                  </a:lnTo>
+                  <a:lnTo>
+                    <a:pt x="1725" y="0"/>
+                  </a:lnTo>
+                  <a:lnTo>
+                    <a:pt x="1755" y="0"/>
+                  </a:lnTo>
+                  <a:lnTo>
+                    <a:pt x="1801" y="15"/>
+                  </a:lnTo>
+                  <a:lnTo>
+                    <a:pt x="1831" y="60"/>
+                  </a:lnTo>
+                  <a:lnTo>
+                    <a:pt x="1861" y="165"/>
+                  </a:lnTo>
+                  <a:lnTo>
+                    <a:pt x="1891" y="285"/>
+                  </a:lnTo>
+                  <a:lnTo>
+                    <a:pt x="1921" y="405"/>
+                  </a:lnTo>
+                  <a:lnTo>
+                    <a:pt x="1951" y="510"/>
+                  </a:lnTo>
+                  <a:lnTo>
+                    <a:pt x="1996" y="660"/>
+                  </a:lnTo>
+                  <a:lnTo>
+                    <a:pt x="2026" y="735"/>
+                  </a:lnTo>
+                  <a:lnTo>
+                    <a:pt x="2056" y="840"/>
+                  </a:lnTo>
+                  <a:lnTo>
+                    <a:pt x="2086" y="900"/>
+                  </a:lnTo>
+                  <a:lnTo>
+                    <a:pt x="2116" y="900"/>
+                  </a:lnTo>
+                  <a:lnTo>
+                    <a:pt x="2146" y="900"/>
+                  </a:lnTo>
+                  <a:lnTo>
+                    <a:pt x="2191" y="840"/>
+                  </a:lnTo>
+                  <a:lnTo>
+                    <a:pt x="2221" y="990"/>
+                  </a:lnTo>
+                  <a:lnTo>
+                    <a:pt x="2251" y="990"/>
+                  </a:lnTo>
+                  <a:lnTo>
+                    <a:pt x="2281" y="840"/>
+                  </a:lnTo>
+                  <a:lnTo>
+                    <a:pt x="2311" y="990"/>
+                  </a:lnTo>
+                  <a:lnTo>
+                    <a:pt x="2341" y="990"/>
+                  </a:lnTo>
+                  <a:lnTo>
+                    <a:pt x="2371" y="990"/>
+                  </a:lnTo>
+                  <a:lnTo>
+                    <a:pt x="2416" y="990"/>
+                  </a:lnTo>
+                  <a:lnTo>
+                    <a:pt x="2446" y="990"/>
+                  </a:lnTo>
+                  <a:lnTo>
+                    <a:pt x="2476" y="990"/>
+                  </a:lnTo>
+                  <a:lnTo>
+                    <a:pt x="2506" y="990"/>
+                  </a:lnTo>
+                  <a:lnTo>
+                    <a:pt x="2536" y="990"/>
+                  </a:lnTo>
+                  <a:lnTo>
+                    <a:pt x="2566" y="990"/>
+                  </a:lnTo>
+                </a:path>
+              </a:pathLst>
+            </a:custGeom>
+            <a:noFill/>
+            <a:ln w="25400">
+              <a:solidFill>
+                <a:srgbClr val="FF6600"/>
+              </a:solidFill>
+              <a:prstDash val="solid"/>
+              <a:round/>
+              <a:headEnd/>
+              <a:tailEnd/>
+            </a:ln>
+            <a:extLst>
+              <a:ext uri="{909E8E84-426E-40DD-AFC4-6F175D3DCCD1}">
+                <a14:hiddenFill xmlns:a14="http://schemas.microsoft.com/office/drawing/2010/main">
+                  <a:solidFill>
+                    <a:srgbClr val="FFFFFF"/>
+                  </a:solidFill>
+                </a14:hiddenFill>
+              </a:ext>
+            </a:extLst>
+          </p:spPr>
+          <p:txBody>
+            <a:bodyPr/>
+            <a:lstStyle/>
+            <a:p>
+              <a:endParaRPr lang="en-GB"/>
+            </a:p>
+          </p:txBody>
+        </p:sp>
+        <p:sp>
+          <p:nvSpPr>
+            <p:cNvPr id="13" name="Freeform 9">
+              <a:extLst>
+                <a:ext uri="{FF2B5EF4-FFF2-40B4-BE49-F238E27FC236}">
+                  <a16:creationId xmlns:a16="http://schemas.microsoft.com/office/drawing/2014/main" id="{97800295-163B-407C-14B8-050304902560}"/>
+                </a:ext>
+              </a:extLst>
+            </p:cNvPr>
+            <p:cNvSpPr>
+              <a:spLocks noChangeAspect="1"/>
+            </p:cNvSpPr>
+            <p:nvPr/>
+          </p:nvSpPr>
+          <p:spPr bwMode="auto">
+            <a:xfrm>
+              <a:off x="279" y="1163"/>
+              <a:ext cx="969" cy="241"/>
+            </a:xfrm>
+            <a:custGeom>
+              <a:avLst/>
+              <a:gdLst>
+                <a:gd name="T0" fmla="*/ 45 w 2566"/>
+                <a:gd name="T1" fmla="*/ 975 h 975"/>
+                <a:gd name="T2" fmla="*/ 105 w 2566"/>
+                <a:gd name="T3" fmla="*/ 975 h 975"/>
+                <a:gd name="T4" fmla="*/ 165 w 2566"/>
+                <a:gd name="T5" fmla="*/ 870 h 975"/>
+                <a:gd name="T6" fmla="*/ 240 w 2566"/>
+                <a:gd name="T7" fmla="*/ 765 h 975"/>
+                <a:gd name="T8" fmla="*/ 300 w 2566"/>
+                <a:gd name="T9" fmla="*/ 765 h 975"/>
+                <a:gd name="T10" fmla="*/ 360 w 2566"/>
+                <a:gd name="T11" fmla="*/ 675 h 975"/>
+                <a:gd name="T12" fmla="*/ 435 w 2566"/>
+                <a:gd name="T13" fmla="*/ 570 h 975"/>
+                <a:gd name="T14" fmla="*/ 495 w 2566"/>
+                <a:gd name="T15" fmla="*/ 600 h 975"/>
+                <a:gd name="T16" fmla="*/ 555 w 2566"/>
+                <a:gd name="T17" fmla="*/ 540 h 975"/>
+                <a:gd name="T18" fmla="*/ 630 w 2566"/>
+                <a:gd name="T19" fmla="*/ 495 h 975"/>
+                <a:gd name="T20" fmla="*/ 690 w 2566"/>
+                <a:gd name="T21" fmla="*/ 405 h 975"/>
+                <a:gd name="T22" fmla="*/ 750 w 2566"/>
+                <a:gd name="T23" fmla="*/ 390 h 975"/>
+                <a:gd name="T24" fmla="*/ 825 w 2566"/>
+                <a:gd name="T25" fmla="*/ 285 h 975"/>
+                <a:gd name="T26" fmla="*/ 885 w 2566"/>
+                <a:gd name="T27" fmla="*/ 195 h 975"/>
+                <a:gd name="T28" fmla="*/ 945 w 2566"/>
+                <a:gd name="T29" fmla="*/ 165 h 975"/>
+                <a:gd name="T30" fmla="*/ 1020 w 2566"/>
+                <a:gd name="T31" fmla="*/ 60 h 975"/>
+                <a:gd name="T32" fmla="*/ 1080 w 2566"/>
+                <a:gd name="T33" fmla="*/ 15 h 975"/>
+                <a:gd name="T34" fmla="*/ 1140 w 2566"/>
+                <a:gd name="T35" fmla="*/ 15 h 975"/>
+                <a:gd name="T36" fmla="*/ 1215 w 2566"/>
+                <a:gd name="T37" fmla="*/ 15 h 975"/>
+                <a:gd name="T38" fmla="*/ 1275 w 2566"/>
+                <a:gd name="T39" fmla="*/ 0 h 975"/>
+                <a:gd name="T40" fmla="*/ 1335 w 2566"/>
+                <a:gd name="T41" fmla="*/ 30 h 975"/>
+                <a:gd name="T42" fmla="*/ 1410 w 2566"/>
+                <a:gd name="T43" fmla="*/ 255 h 975"/>
+                <a:gd name="T44" fmla="*/ 1470 w 2566"/>
+                <a:gd name="T45" fmla="*/ 570 h 975"/>
+                <a:gd name="T46" fmla="*/ 1530 w 2566"/>
+                <a:gd name="T47" fmla="*/ 660 h 975"/>
+                <a:gd name="T48" fmla="*/ 1605 w 2566"/>
+                <a:gd name="T49" fmla="*/ 735 h 975"/>
+                <a:gd name="T50" fmla="*/ 1665 w 2566"/>
+                <a:gd name="T51" fmla="*/ 810 h 975"/>
+                <a:gd name="T52" fmla="*/ 1725 w 2566"/>
+                <a:gd name="T53" fmla="*/ 870 h 975"/>
+                <a:gd name="T54" fmla="*/ 1801 w 2566"/>
+                <a:gd name="T55" fmla="*/ 870 h 975"/>
+                <a:gd name="T56" fmla="*/ 1861 w 2566"/>
+                <a:gd name="T57" fmla="*/ 975 h 975"/>
+                <a:gd name="T58" fmla="*/ 1921 w 2566"/>
+                <a:gd name="T59" fmla="*/ 975 h 975"/>
+                <a:gd name="T60" fmla="*/ 1996 w 2566"/>
+                <a:gd name="T61" fmla="*/ 975 h 975"/>
+                <a:gd name="T62" fmla="*/ 2056 w 2566"/>
+                <a:gd name="T63" fmla="*/ 975 h 975"/>
+                <a:gd name="T64" fmla="*/ 2116 w 2566"/>
+                <a:gd name="T65" fmla="*/ 975 h 975"/>
+                <a:gd name="T66" fmla="*/ 2191 w 2566"/>
+                <a:gd name="T67" fmla="*/ 975 h 975"/>
+                <a:gd name="T68" fmla="*/ 2251 w 2566"/>
+                <a:gd name="T69" fmla="*/ 975 h 975"/>
+                <a:gd name="T70" fmla="*/ 2311 w 2566"/>
+                <a:gd name="T71" fmla="*/ 975 h 975"/>
+                <a:gd name="T72" fmla="*/ 2371 w 2566"/>
+                <a:gd name="T73" fmla="*/ 975 h 975"/>
+                <a:gd name="T74" fmla="*/ 2446 w 2566"/>
+                <a:gd name="T75" fmla="*/ 975 h 975"/>
+                <a:gd name="T76" fmla="*/ 2506 w 2566"/>
+                <a:gd name="T77" fmla="*/ 975 h 975"/>
+                <a:gd name="T78" fmla="*/ 2566 w 2566"/>
+                <a:gd name="T79" fmla="*/ 975 h 975"/>
+              </a:gdLst>
+              <a:ahLst/>
+              <a:cxnLst>
+                <a:cxn ang="0">
+                  <a:pos x="T0" y="T1"/>
+                </a:cxn>
+                <a:cxn ang="0">
+                  <a:pos x="T2" y="T3"/>
+                </a:cxn>
+                <a:cxn ang="0">
+                  <a:pos x="T4" y="T5"/>
+                </a:cxn>
+                <a:cxn ang="0">
+                  <a:pos x="T6" y="T7"/>
+                </a:cxn>
+                <a:cxn ang="0">
+                  <a:pos x="T8" y="T9"/>
+                </a:cxn>
+                <a:cxn ang="0">
+                  <a:pos x="T10" y="T11"/>
+                </a:cxn>
+                <a:cxn ang="0">
+                  <a:pos x="T12" y="T13"/>
+                </a:cxn>
+                <a:cxn ang="0">
+                  <a:pos x="T14" y="T15"/>
+                </a:cxn>
+                <a:cxn ang="0">
+                  <a:pos x="T16" y="T17"/>
+                </a:cxn>
+                <a:cxn ang="0">
+                  <a:pos x="T18" y="T19"/>
+                </a:cxn>
+                <a:cxn ang="0">
+                  <a:pos x="T20" y="T21"/>
+                </a:cxn>
+                <a:cxn ang="0">
+                  <a:pos x="T22" y="T23"/>
+                </a:cxn>
+                <a:cxn ang="0">
+                  <a:pos x="T24" y="T25"/>
+                </a:cxn>
+                <a:cxn ang="0">
+                  <a:pos x="T26" y="T27"/>
+                </a:cxn>
+                <a:cxn ang="0">
+                  <a:pos x="T28" y="T29"/>
+                </a:cxn>
+                <a:cxn ang="0">
+                  <a:pos x="T30" y="T31"/>
+                </a:cxn>
+                <a:cxn ang="0">
+                  <a:pos x="T32" y="T33"/>
+                </a:cxn>
+                <a:cxn ang="0">
+                  <a:pos x="T34" y="T35"/>
+                </a:cxn>
+                <a:cxn ang="0">
+                  <a:pos x="T36" y="T37"/>
+                </a:cxn>
+                <a:cxn ang="0">
+                  <a:pos x="T38" y="T39"/>
+                </a:cxn>
+                <a:cxn ang="0">
+                  <a:pos x="T40" y="T41"/>
+                </a:cxn>
+                <a:cxn ang="0">
+                  <a:pos x="T42" y="T43"/>
+                </a:cxn>
+                <a:cxn ang="0">
+                  <a:pos x="T44" y="T45"/>
+                </a:cxn>
+                <a:cxn ang="0">
+                  <a:pos x="T46" y="T47"/>
+                </a:cxn>
+                <a:cxn ang="0">
+                  <a:pos x="T48" y="T49"/>
+                </a:cxn>
+                <a:cxn ang="0">
+                  <a:pos x="T50" y="T51"/>
+                </a:cxn>
+                <a:cxn ang="0">
+                  <a:pos x="T52" y="T53"/>
+                </a:cxn>
+                <a:cxn ang="0">
+                  <a:pos x="T54" y="T55"/>
+                </a:cxn>
+                <a:cxn ang="0">
+                  <a:pos x="T56" y="T57"/>
+                </a:cxn>
+                <a:cxn ang="0">
+                  <a:pos x="T58" y="T59"/>
+                </a:cxn>
+                <a:cxn ang="0">
+                  <a:pos x="T60" y="T61"/>
+                </a:cxn>
+                <a:cxn ang="0">
+                  <a:pos x="T62" y="T63"/>
+                </a:cxn>
+                <a:cxn ang="0">
+                  <a:pos x="T64" y="T65"/>
+                </a:cxn>
+                <a:cxn ang="0">
+                  <a:pos x="T66" y="T67"/>
+                </a:cxn>
+                <a:cxn ang="0">
+                  <a:pos x="T68" y="T69"/>
+                </a:cxn>
+                <a:cxn ang="0">
+                  <a:pos x="T70" y="T71"/>
+                </a:cxn>
+                <a:cxn ang="0">
+                  <a:pos x="T72" y="T73"/>
+                </a:cxn>
+                <a:cxn ang="0">
+                  <a:pos x="T74" y="T75"/>
+                </a:cxn>
+                <a:cxn ang="0">
+                  <a:pos x="T76" y="T77"/>
+                </a:cxn>
+                <a:cxn ang="0">
+                  <a:pos x="T78" y="T79"/>
+                </a:cxn>
+              </a:cxnLst>
+              <a:rect l="0" t="0" r="r" b="b"/>
+              <a:pathLst>
+                <a:path w="2566" h="975">
+                  <a:moveTo>
+                    <a:pt x="0" y="975"/>
+                  </a:moveTo>
+                  <a:lnTo>
+                    <a:pt x="45" y="975"/>
+                  </a:lnTo>
+                  <a:lnTo>
+                    <a:pt x="75" y="870"/>
+                  </a:lnTo>
+                  <a:lnTo>
+                    <a:pt x="105" y="975"/>
+                  </a:lnTo>
+                  <a:lnTo>
+                    <a:pt x="135" y="765"/>
+                  </a:lnTo>
+                  <a:lnTo>
+                    <a:pt x="165" y="870"/>
+                  </a:lnTo>
+                  <a:lnTo>
+                    <a:pt x="195" y="705"/>
+                  </a:lnTo>
+                  <a:lnTo>
+                    <a:pt x="240" y="765"/>
+                  </a:lnTo>
+                  <a:lnTo>
+                    <a:pt x="270" y="870"/>
+                  </a:lnTo>
+                  <a:lnTo>
+                    <a:pt x="300" y="765"/>
+                  </a:lnTo>
+                  <a:lnTo>
+                    <a:pt x="330" y="765"/>
+                  </a:lnTo>
+                  <a:lnTo>
+                    <a:pt x="360" y="675"/>
+                  </a:lnTo>
+                  <a:lnTo>
+                    <a:pt x="390" y="660"/>
+                  </a:lnTo>
+                  <a:lnTo>
+                    <a:pt x="435" y="570"/>
+                  </a:lnTo>
+                  <a:lnTo>
+                    <a:pt x="465" y="705"/>
+                  </a:lnTo>
+                  <a:lnTo>
+                    <a:pt x="495" y="600"/>
+                  </a:lnTo>
+                  <a:lnTo>
+                    <a:pt x="525" y="540"/>
+                  </a:lnTo>
+                  <a:lnTo>
+                    <a:pt x="555" y="540"/>
+                  </a:lnTo>
+                  <a:lnTo>
+                    <a:pt x="585" y="420"/>
+                  </a:lnTo>
+                  <a:lnTo>
+                    <a:pt x="630" y="495"/>
+                  </a:lnTo>
+                  <a:lnTo>
+                    <a:pt x="660" y="495"/>
+                  </a:lnTo>
+                  <a:lnTo>
+                    <a:pt x="690" y="405"/>
+                  </a:lnTo>
+                  <a:lnTo>
+                    <a:pt x="720" y="360"/>
+                  </a:lnTo>
+                  <a:lnTo>
+                    <a:pt x="750" y="390"/>
+                  </a:lnTo>
+                  <a:lnTo>
+                    <a:pt x="780" y="300"/>
+                  </a:lnTo>
+                  <a:lnTo>
+                    <a:pt x="825" y="285"/>
+                  </a:lnTo>
+                  <a:lnTo>
+                    <a:pt x="855" y="240"/>
+                  </a:lnTo>
+                  <a:lnTo>
+                    <a:pt x="885" y="195"/>
+                  </a:lnTo>
+                  <a:lnTo>
+                    <a:pt x="915" y="165"/>
+                  </a:lnTo>
+                  <a:lnTo>
+                    <a:pt x="945" y="165"/>
+                  </a:lnTo>
+                  <a:lnTo>
+                    <a:pt x="975" y="105"/>
+                  </a:lnTo>
+                  <a:lnTo>
+                    <a:pt x="1020" y="60"/>
+                  </a:lnTo>
+                  <a:lnTo>
+                    <a:pt x="1050" y="45"/>
+                  </a:lnTo>
+                  <a:lnTo>
+                    <a:pt x="1080" y="15"/>
+                  </a:lnTo>
+                  <a:lnTo>
+                    <a:pt x="1110" y="30"/>
+                  </a:lnTo>
+                  <a:lnTo>
+                    <a:pt x="1140" y="15"/>
+                  </a:lnTo>
+                  <a:lnTo>
+                    <a:pt x="1170" y="15"/>
+                  </a:lnTo>
+                  <a:lnTo>
+                    <a:pt x="1215" y="15"/>
+                  </a:lnTo>
+                  <a:lnTo>
+                    <a:pt x="1245" y="15"/>
+                  </a:lnTo>
+                  <a:lnTo>
+                    <a:pt x="1275" y="0"/>
+                  </a:lnTo>
+                  <a:lnTo>
+                    <a:pt x="1305" y="0"/>
+                  </a:lnTo>
+                  <a:lnTo>
+                    <a:pt x="1335" y="30"/>
+                  </a:lnTo>
+                  <a:lnTo>
+                    <a:pt x="1365" y="105"/>
+                  </a:lnTo>
+                  <a:lnTo>
+                    <a:pt x="1410" y="255"/>
+                  </a:lnTo>
+                  <a:lnTo>
+                    <a:pt x="1440" y="420"/>
+                  </a:lnTo>
+                  <a:lnTo>
+                    <a:pt x="1470" y="570"/>
+                  </a:lnTo>
+                  <a:lnTo>
+                    <a:pt x="1500" y="600"/>
+                  </a:lnTo>
+                  <a:lnTo>
+                    <a:pt x="1530" y="660"/>
+                  </a:lnTo>
+                  <a:lnTo>
+                    <a:pt x="1560" y="705"/>
+                  </a:lnTo>
+                  <a:lnTo>
+                    <a:pt x="1605" y="735"/>
+                  </a:lnTo>
+                  <a:lnTo>
+                    <a:pt x="1635" y="810"/>
+                  </a:lnTo>
+                  <a:lnTo>
+                    <a:pt x="1665" y="810"/>
+                  </a:lnTo>
+                  <a:lnTo>
+                    <a:pt x="1695" y="870"/>
+                  </a:lnTo>
+                  <a:lnTo>
+                    <a:pt x="1725" y="870"/>
+                  </a:lnTo>
+                  <a:lnTo>
+                    <a:pt x="1755" y="975"/>
+                  </a:lnTo>
+                  <a:lnTo>
+                    <a:pt x="1801" y="870"/>
+                  </a:lnTo>
+                  <a:lnTo>
+                    <a:pt x="1831" y="870"/>
+                  </a:lnTo>
+                  <a:lnTo>
+                    <a:pt x="1861" y="975"/>
+                  </a:lnTo>
+                  <a:lnTo>
+                    <a:pt x="1891" y="975"/>
+                  </a:lnTo>
+                  <a:lnTo>
+                    <a:pt x="1921" y="975"/>
+                  </a:lnTo>
+                  <a:lnTo>
+                    <a:pt x="1951" y="975"/>
+                  </a:lnTo>
+                  <a:lnTo>
+                    <a:pt x="1996" y="975"/>
+                  </a:lnTo>
+                  <a:lnTo>
+                    <a:pt x="2026" y="975"/>
+                  </a:lnTo>
+                  <a:lnTo>
+                    <a:pt x="2056" y="975"/>
+                  </a:lnTo>
+                  <a:lnTo>
+                    <a:pt x="2086" y="975"/>
+                  </a:lnTo>
+                  <a:lnTo>
+                    <a:pt x="2116" y="975"/>
+                  </a:lnTo>
+                  <a:lnTo>
+                    <a:pt x="2146" y="975"/>
+                  </a:lnTo>
+                  <a:lnTo>
+                    <a:pt x="2191" y="975"/>
+                  </a:lnTo>
+                  <a:lnTo>
+                    <a:pt x="2221" y="975"/>
+                  </a:lnTo>
+                  <a:lnTo>
+                    <a:pt x="2251" y="975"/>
+                  </a:lnTo>
+                  <a:lnTo>
+                    <a:pt x="2281" y="975"/>
+                  </a:lnTo>
+                  <a:lnTo>
+                    <a:pt x="2311" y="975"/>
+                  </a:lnTo>
+                  <a:lnTo>
+                    <a:pt x="2341" y="975"/>
+                  </a:lnTo>
+                  <a:lnTo>
+                    <a:pt x="2371" y="975"/>
+                  </a:lnTo>
+                  <a:lnTo>
+                    <a:pt x="2416" y="975"/>
+                  </a:lnTo>
+                  <a:lnTo>
+                    <a:pt x="2446" y="975"/>
+                  </a:lnTo>
+                  <a:lnTo>
+                    <a:pt x="2476" y="975"/>
+                  </a:lnTo>
+                  <a:lnTo>
+                    <a:pt x="2506" y="975"/>
+                  </a:lnTo>
+                  <a:lnTo>
+                    <a:pt x="2536" y="975"/>
+                  </a:lnTo>
+                  <a:lnTo>
+                    <a:pt x="2566" y="975"/>
+                  </a:lnTo>
+                </a:path>
+              </a:pathLst>
+            </a:custGeom>
+            <a:noFill/>
+            <a:ln w="25400">
+              <a:solidFill>
+                <a:srgbClr val="FF9900"/>
+              </a:solidFill>
+              <a:prstDash val="solid"/>
+              <a:round/>
+              <a:headEnd/>
+              <a:tailEnd/>
+            </a:ln>
+            <a:extLst>
+              <a:ext uri="{909E8E84-426E-40DD-AFC4-6F175D3DCCD1}">
+                <a14:hiddenFill xmlns:a14="http://schemas.microsoft.com/office/drawing/2010/main">
+                  <a:solidFill>
+                    <a:srgbClr val="FFFFFF"/>
+                  </a:solidFill>
+                </a14:hiddenFill>
+              </a:ext>
+            </a:extLst>
+          </p:spPr>
+          <p:txBody>
+            <a:bodyPr/>
+            <a:lstStyle/>
+            <a:p>
+              <a:endParaRPr lang="en-GB"/>
+            </a:p>
+          </p:txBody>
+        </p:sp>
+        <p:sp>
+          <p:nvSpPr>
+            <p:cNvPr id="16" name="Freeform 10">
+              <a:extLst>
+                <a:ext uri="{FF2B5EF4-FFF2-40B4-BE49-F238E27FC236}">
+                  <a16:creationId xmlns:a16="http://schemas.microsoft.com/office/drawing/2014/main" id="{BAC7C3C6-A7CD-345E-A8B9-AA558ADD667A}"/>
+                </a:ext>
+              </a:extLst>
+            </p:cNvPr>
+            <p:cNvSpPr>
+              <a:spLocks noChangeAspect="1"/>
+            </p:cNvSpPr>
+            <p:nvPr/>
+          </p:nvSpPr>
+          <p:spPr bwMode="auto">
+            <a:xfrm>
+              <a:off x="279" y="892"/>
+              <a:ext cx="969" cy="245"/>
+            </a:xfrm>
+            <a:custGeom>
+              <a:avLst/>
+              <a:gdLst>
+                <a:gd name="T0" fmla="*/ 45 w 2566"/>
+                <a:gd name="T1" fmla="*/ 15 h 990"/>
+                <a:gd name="T2" fmla="*/ 105 w 2566"/>
+                <a:gd name="T3" fmla="*/ 45 h 990"/>
+                <a:gd name="T4" fmla="*/ 165 w 2566"/>
+                <a:gd name="T5" fmla="*/ 60 h 990"/>
+                <a:gd name="T6" fmla="*/ 240 w 2566"/>
+                <a:gd name="T7" fmla="*/ 90 h 990"/>
+                <a:gd name="T8" fmla="*/ 300 w 2566"/>
+                <a:gd name="T9" fmla="*/ 120 h 990"/>
+                <a:gd name="T10" fmla="*/ 360 w 2566"/>
+                <a:gd name="T11" fmla="*/ 135 h 990"/>
+                <a:gd name="T12" fmla="*/ 435 w 2566"/>
+                <a:gd name="T13" fmla="*/ 165 h 990"/>
+                <a:gd name="T14" fmla="*/ 495 w 2566"/>
+                <a:gd name="T15" fmla="*/ 195 h 990"/>
+                <a:gd name="T16" fmla="*/ 555 w 2566"/>
+                <a:gd name="T17" fmla="*/ 210 h 990"/>
+                <a:gd name="T18" fmla="*/ 630 w 2566"/>
+                <a:gd name="T19" fmla="*/ 240 h 990"/>
+                <a:gd name="T20" fmla="*/ 690 w 2566"/>
+                <a:gd name="T21" fmla="*/ 270 h 990"/>
+                <a:gd name="T22" fmla="*/ 750 w 2566"/>
+                <a:gd name="T23" fmla="*/ 285 h 990"/>
+                <a:gd name="T24" fmla="*/ 825 w 2566"/>
+                <a:gd name="T25" fmla="*/ 315 h 990"/>
+                <a:gd name="T26" fmla="*/ 885 w 2566"/>
+                <a:gd name="T27" fmla="*/ 345 h 990"/>
+                <a:gd name="T28" fmla="*/ 945 w 2566"/>
+                <a:gd name="T29" fmla="*/ 360 h 990"/>
+                <a:gd name="T30" fmla="*/ 1020 w 2566"/>
+                <a:gd name="T31" fmla="*/ 390 h 990"/>
+                <a:gd name="T32" fmla="*/ 1080 w 2566"/>
+                <a:gd name="T33" fmla="*/ 420 h 990"/>
+                <a:gd name="T34" fmla="*/ 1140 w 2566"/>
+                <a:gd name="T35" fmla="*/ 435 h 990"/>
+                <a:gd name="T36" fmla="*/ 1215 w 2566"/>
+                <a:gd name="T37" fmla="*/ 465 h 990"/>
+                <a:gd name="T38" fmla="*/ 1275 w 2566"/>
+                <a:gd name="T39" fmla="*/ 480 h 990"/>
+                <a:gd name="T40" fmla="*/ 1335 w 2566"/>
+                <a:gd name="T41" fmla="*/ 510 h 990"/>
+                <a:gd name="T42" fmla="*/ 1410 w 2566"/>
+                <a:gd name="T43" fmla="*/ 540 h 990"/>
+                <a:gd name="T44" fmla="*/ 1470 w 2566"/>
+                <a:gd name="T45" fmla="*/ 555 h 990"/>
+                <a:gd name="T46" fmla="*/ 1530 w 2566"/>
+                <a:gd name="T47" fmla="*/ 585 h 990"/>
+                <a:gd name="T48" fmla="*/ 1605 w 2566"/>
+                <a:gd name="T49" fmla="*/ 615 h 990"/>
+                <a:gd name="T50" fmla="*/ 1665 w 2566"/>
+                <a:gd name="T51" fmla="*/ 630 h 990"/>
+                <a:gd name="T52" fmla="*/ 1725 w 2566"/>
+                <a:gd name="T53" fmla="*/ 660 h 990"/>
+                <a:gd name="T54" fmla="*/ 1801 w 2566"/>
+                <a:gd name="T55" fmla="*/ 690 h 990"/>
+                <a:gd name="T56" fmla="*/ 1861 w 2566"/>
+                <a:gd name="T57" fmla="*/ 705 h 990"/>
+                <a:gd name="T58" fmla="*/ 1921 w 2566"/>
+                <a:gd name="T59" fmla="*/ 735 h 990"/>
+                <a:gd name="T60" fmla="*/ 1996 w 2566"/>
+                <a:gd name="T61" fmla="*/ 765 h 990"/>
+                <a:gd name="T62" fmla="*/ 2056 w 2566"/>
+                <a:gd name="T63" fmla="*/ 780 h 990"/>
+                <a:gd name="T64" fmla="*/ 2116 w 2566"/>
+                <a:gd name="T65" fmla="*/ 810 h 990"/>
+                <a:gd name="T66" fmla="*/ 2191 w 2566"/>
+                <a:gd name="T67" fmla="*/ 840 h 990"/>
+                <a:gd name="T68" fmla="*/ 2251 w 2566"/>
+                <a:gd name="T69" fmla="*/ 855 h 990"/>
+                <a:gd name="T70" fmla="*/ 2311 w 2566"/>
+                <a:gd name="T71" fmla="*/ 885 h 990"/>
+                <a:gd name="T72" fmla="*/ 2371 w 2566"/>
+                <a:gd name="T73" fmla="*/ 915 h 990"/>
+                <a:gd name="T74" fmla="*/ 2446 w 2566"/>
+                <a:gd name="T75" fmla="*/ 930 h 990"/>
+                <a:gd name="T76" fmla="*/ 2506 w 2566"/>
+                <a:gd name="T77" fmla="*/ 960 h 990"/>
+                <a:gd name="T78" fmla="*/ 2566 w 2566"/>
+                <a:gd name="T79" fmla="*/ 990 h 990"/>
+              </a:gdLst>
+              <a:ahLst/>
+              <a:cxnLst>
+                <a:cxn ang="0">
+                  <a:pos x="T0" y="T1"/>
+                </a:cxn>
+                <a:cxn ang="0">
+                  <a:pos x="T2" y="T3"/>
+                </a:cxn>
+                <a:cxn ang="0">
+                  <a:pos x="T4" y="T5"/>
+                </a:cxn>
+                <a:cxn ang="0">
+                  <a:pos x="T6" y="T7"/>
+                </a:cxn>
+                <a:cxn ang="0">
+                  <a:pos x="T8" y="T9"/>
+                </a:cxn>
+                <a:cxn ang="0">
+                  <a:pos x="T10" y="T11"/>
+                </a:cxn>
+                <a:cxn ang="0">
+                  <a:pos x="T12" y="T13"/>
+                </a:cxn>
+                <a:cxn ang="0">
+                  <a:pos x="T14" y="T15"/>
+                </a:cxn>
+                <a:cxn ang="0">
+                  <a:pos x="T16" y="T17"/>
+                </a:cxn>
+                <a:cxn ang="0">
+                  <a:pos x="T18" y="T19"/>
+                </a:cxn>
+                <a:cxn ang="0">
+                  <a:pos x="T20" y="T21"/>
+                </a:cxn>
+                <a:cxn ang="0">
+                  <a:pos x="T22" y="T23"/>
+                </a:cxn>
+                <a:cxn ang="0">
+                  <a:pos x="T24" y="T25"/>
+                </a:cxn>
+                <a:cxn ang="0">
+                  <a:pos x="T26" y="T27"/>
+                </a:cxn>
+                <a:cxn ang="0">
+                  <a:pos x="T28" y="T29"/>
+                </a:cxn>
+                <a:cxn ang="0">
+                  <a:pos x="T30" y="T31"/>
+                </a:cxn>
+                <a:cxn ang="0">
+                  <a:pos x="T32" y="T33"/>
+                </a:cxn>
+                <a:cxn ang="0">
+                  <a:pos x="T34" y="T35"/>
+                </a:cxn>
+                <a:cxn ang="0">
+                  <a:pos x="T36" y="T37"/>
+                </a:cxn>
+                <a:cxn ang="0">
+                  <a:pos x="T38" y="T39"/>
+                </a:cxn>
+                <a:cxn ang="0">
+                  <a:pos x="T40" y="T41"/>
+                </a:cxn>
+                <a:cxn ang="0">
+                  <a:pos x="T42" y="T43"/>
+                </a:cxn>
+                <a:cxn ang="0">
+                  <a:pos x="T44" y="T45"/>
+                </a:cxn>
+                <a:cxn ang="0">
+                  <a:pos x="T46" y="T47"/>
+                </a:cxn>
+                <a:cxn ang="0">
+                  <a:pos x="T48" y="T49"/>
+                </a:cxn>
+                <a:cxn ang="0">
+                  <a:pos x="T50" y="T51"/>
+                </a:cxn>
+                <a:cxn ang="0">
+                  <a:pos x="T52" y="T53"/>
+                </a:cxn>
+                <a:cxn ang="0">
+                  <a:pos x="T54" y="T55"/>
+                </a:cxn>
+                <a:cxn ang="0">
+                  <a:pos x="T56" y="T57"/>
+                </a:cxn>
+                <a:cxn ang="0">
+                  <a:pos x="T58" y="T59"/>
+                </a:cxn>
+                <a:cxn ang="0">
+                  <a:pos x="T60" y="T61"/>
+                </a:cxn>
+                <a:cxn ang="0">
+                  <a:pos x="T62" y="T63"/>
+                </a:cxn>
+                <a:cxn ang="0">
+                  <a:pos x="T64" y="T65"/>
+                </a:cxn>
+                <a:cxn ang="0">
+                  <a:pos x="T66" y="T67"/>
+                </a:cxn>
+                <a:cxn ang="0">
+                  <a:pos x="T68" y="T69"/>
+                </a:cxn>
+                <a:cxn ang="0">
+                  <a:pos x="T70" y="T71"/>
+                </a:cxn>
+                <a:cxn ang="0">
+                  <a:pos x="T72" y="T73"/>
+                </a:cxn>
+                <a:cxn ang="0">
+                  <a:pos x="T74" y="T75"/>
+                </a:cxn>
+                <a:cxn ang="0">
+                  <a:pos x="T76" y="T77"/>
+                </a:cxn>
+                <a:cxn ang="0">
+                  <a:pos x="T78" y="T79"/>
+                </a:cxn>
+              </a:cxnLst>
+              <a:rect l="0" t="0" r="r" b="b"/>
+              <a:pathLst>
+                <a:path w="2566" h="990">
+                  <a:moveTo>
+                    <a:pt x="0" y="0"/>
+                  </a:moveTo>
+                  <a:lnTo>
+                    <a:pt x="45" y="15"/>
+                  </a:lnTo>
+                  <a:lnTo>
+                    <a:pt x="75" y="30"/>
+                  </a:lnTo>
+                  <a:lnTo>
+                    <a:pt x="105" y="45"/>
+                  </a:lnTo>
+                  <a:lnTo>
+                    <a:pt x="135" y="60"/>
+                  </a:lnTo>
+                  <a:lnTo>
+                    <a:pt x="165" y="60"/>
+                  </a:lnTo>
+                  <a:lnTo>
+                    <a:pt x="195" y="75"/>
+                  </a:lnTo>
+                  <a:lnTo>
+                    <a:pt x="240" y="90"/>
+                  </a:lnTo>
+                  <a:lnTo>
+                    <a:pt x="270" y="105"/>
+                  </a:lnTo>
+                  <a:lnTo>
+                    <a:pt x="300" y="120"/>
+                  </a:lnTo>
+                  <a:lnTo>
+                    <a:pt x="330" y="135"/>
+                  </a:lnTo>
+                  <a:lnTo>
+                    <a:pt x="360" y="135"/>
+                  </a:lnTo>
+                  <a:lnTo>
+                    <a:pt x="390" y="150"/>
+                  </a:lnTo>
+                  <a:lnTo>
+                    <a:pt x="435" y="165"/>
+                  </a:lnTo>
+                  <a:lnTo>
+                    <a:pt x="465" y="180"/>
+                  </a:lnTo>
+                  <a:lnTo>
+                    <a:pt x="495" y="195"/>
+                  </a:lnTo>
+                  <a:lnTo>
+                    <a:pt x="525" y="195"/>
+                  </a:lnTo>
+                  <a:lnTo>
+                    <a:pt x="555" y="210"/>
+                  </a:lnTo>
+                  <a:lnTo>
+                    <a:pt x="585" y="225"/>
+                  </a:lnTo>
+                  <a:lnTo>
+                    <a:pt x="630" y="240"/>
+                  </a:lnTo>
+                  <a:lnTo>
+                    <a:pt x="660" y="255"/>
+                  </a:lnTo>
+                  <a:lnTo>
+                    <a:pt x="690" y="270"/>
+                  </a:lnTo>
+                  <a:lnTo>
+                    <a:pt x="720" y="270"/>
+                  </a:lnTo>
+                  <a:lnTo>
+                    <a:pt x="750" y="285"/>
+                  </a:lnTo>
+                  <a:lnTo>
+                    <a:pt x="780" y="300"/>
+                  </a:lnTo>
+                  <a:lnTo>
+                    <a:pt x="825" y="315"/>
+                  </a:lnTo>
+                  <a:lnTo>
+                    <a:pt x="855" y="330"/>
+                  </a:lnTo>
+                  <a:lnTo>
+                    <a:pt x="885" y="345"/>
+                  </a:lnTo>
+                  <a:lnTo>
+                    <a:pt x="915" y="345"/>
+                  </a:lnTo>
+                  <a:lnTo>
+                    <a:pt x="945" y="360"/>
+                  </a:lnTo>
+                  <a:lnTo>
+                    <a:pt x="975" y="375"/>
+                  </a:lnTo>
+                  <a:lnTo>
+                    <a:pt x="1020" y="390"/>
+                  </a:lnTo>
+                  <a:lnTo>
+                    <a:pt x="1050" y="405"/>
+                  </a:lnTo>
+                  <a:lnTo>
+                    <a:pt x="1080" y="420"/>
+                  </a:lnTo>
+                  <a:lnTo>
+                    <a:pt x="1110" y="420"/>
+                  </a:lnTo>
+                  <a:lnTo>
+                    <a:pt x="1140" y="435"/>
+                  </a:lnTo>
+                  <a:lnTo>
+                    <a:pt x="1170" y="450"/>
+                  </a:lnTo>
+                  <a:lnTo>
+                    <a:pt x="1215" y="465"/>
+                  </a:lnTo>
+                  <a:lnTo>
+                    <a:pt x="1245" y="480"/>
+                  </a:lnTo>
+                  <a:lnTo>
+                    <a:pt x="1275" y="480"/>
+                  </a:lnTo>
+                  <a:lnTo>
+                    <a:pt x="1305" y="495"/>
+                  </a:lnTo>
+                  <a:lnTo>
+                    <a:pt x="1335" y="510"/>
+                  </a:lnTo>
+                  <a:lnTo>
+                    <a:pt x="1365" y="525"/>
+                  </a:lnTo>
+                  <a:lnTo>
+                    <a:pt x="1410" y="540"/>
+                  </a:lnTo>
+                  <a:lnTo>
+                    <a:pt x="1440" y="555"/>
+                  </a:lnTo>
+                  <a:lnTo>
+                    <a:pt x="1470" y="555"/>
+                  </a:lnTo>
+                  <a:lnTo>
+                    <a:pt x="1500" y="570"/>
+                  </a:lnTo>
+                  <a:lnTo>
+                    <a:pt x="1530" y="585"/>
+                  </a:lnTo>
+                  <a:lnTo>
+                    <a:pt x="1560" y="600"/>
+                  </a:lnTo>
+                  <a:lnTo>
+                    <a:pt x="1605" y="615"/>
+                  </a:lnTo>
+                  <a:lnTo>
+                    <a:pt x="1635" y="630"/>
+                  </a:lnTo>
+                  <a:lnTo>
+                    <a:pt x="1665" y="630"/>
+                  </a:lnTo>
+                  <a:lnTo>
+                    <a:pt x="1695" y="645"/>
+                  </a:lnTo>
+                  <a:lnTo>
+                    <a:pt x="1725" y="660"/>
+                  </a:lnTo>
+                  <a:lnTo>
+                    <a:pt x="1755" y="675"/>
+                  </a:lnTo>
+                  <a:lnTo>
+                    <a:pt x="1801" y="690"/>
+                  </a:lnTo>
+                  <a:lnTo>
+                    <a:pt x="1831" y="705"/>
+                  </a:lnTo>
+                  <a:lnTo>
+                    <a:pt x="1861" y="705"/>
+                  </a:lnTo>
+                  <a:lnTo>
+                    <a:pt x="1891" y="720"/>
+                  </a:lnTo>
+                  <a:lnTo>
+                    <a:pt x="1921" y="735"/>
+                  </a:lnTo>
+                  <a:lnTo>
+                    <a:pt x="1951" y="750"/>
+                  </a:lnTo>
+                  <a:lnTo>
+                    <a:pt x="1996" y="765"/>
+                  </a:lnTo>
+                  <a:lnTo>
+                    <a:pt x="2026" y="765"/>
+                  </a:lnTo>
+                  <a:lnTo>
+                    <a:pt x="2056" y="780"/>
+                  </a:lnTo>
+                  <a:lnTo>
+                    <a:pt x="2086" y="795"/>
+                  </a:lnTo>
+                  <a:lnTo>
+                    <a:pt x="2116" y="810"/>
+                  </a:lnTo>
+                  <a:lnTo>
+                    <a:pt x="2146" y="825"/>
+                  </a:lnTo>
+                  <a:lnTo>
+                    <a:pt x="2191" y="840"/>
+                  </a:lnTo>
+                  <a:lnTo>
+                    <a:pt x="2221" y="840"/>
+                  </a:lnTo>
+                  <a:lnTo>
+                    <a:pt x="2251" y="855"/>
+                  </a:lnTo>
+                  <a:lnTo>
+                    <a:pt x="2281" y="870"/>
+                  </a:lnTo>
+                  <a:lnTo>
+                    <a:pt x="2311" y="885"/>
+                  </a:lnTo>
+                  <a:lnTo>
+                    <a:pt x="2341" y="900"/>
+                  </a:lnTo>
+                  <a:lnTo>
+                    <a:pt x="2371" y="915"/>
+                  </a:lnTo>
+                  <a:lnTo>
+                    <a:pt x="2416" y="915"/>
+                  </a:lnTo>
+                  <a:lnTo>
+                    <a:pt x="2446" y="930"/>
+                  </a:lnTo>
+                  <a:lnTo>
+                    <a:pt x="2476" y="945"/>
+                  </a:lnTo>
+                  <a:lnTo>
+                    <a:pt x="2506" y="960"/>
+                  </a:lnTo>
+                  <a:lnTo>
+                    <a:pt x="2536" y="975"/>
+                  </a:lnTo>
+                  <a:lnTo>
+                    <a:pt x="2566" y="990"/>
+                  </a:lnTo>
+                </a:path>
+              </a:pathLst>
+            </a:custGeom>
+            <a:noFill/>
+            <a:ln w="25400">
+              <a:solidFill>
+                <a:schemeClr val="accent2"/>
+              </a:solidFill>
+              <a:prstDash val="solid"/>
+              <a:round/>
+              <a:headEnd/>
+              <a:tailEnd/>
+            </a:ln>
+            <a:extLst>
+              <a:ext uri="{909E8E84-426E-40DD-AFC4-6F175D3DCCD1}">
+                <a14:hiddenFill xmlns:a14="http://schemas.microsoft.com/office/drawing/2010/main">
+                  <a:solidFill>
+                    <a:srgbClr val="FFFFFF"/>
+                  </a:solidFill>
+                </a14:hiddenFill>
+              </a:ext>
+            </a:extLst>
+          </p:spPr>
+          <p:txBody>
+            <a:bodyPr/>
+            <a:lstStyle/>
+            <a:p>
+              <a:endParaRPr lang="en-GB"/>
+            </a:p>
+          </p:txBody>
+        </p:sp>
+        <p:grpSp>
+          <p:nvGrpSpPr>
+            <p:cNvPr id="17" name="Group 11">
+              <a:extLst>
+                <a:ext uri="{FF2B5EF4-FFF2-40B4-BE49-F238E27FC236}">
+                  <a16:creationId xmlns:a16="http://schemas.microsoft.com/office/drawing/2014/main" id="{24BD155F-7E68-F847-D63F-6AE2F7397E60}"/>
+                </a:ext>
+              </a:extLst>
+            </p:cNvPr>
+            <p:cNvGrpSpPr>
+              <a:grpSpLocks/>
+            </p:cNvGrpSpPr>
+            <p:nvPr/>
+          </p:nvGrpSpPr>
+          <p:grpSpPr bwMode="auto">
+            <a:xfrm>
+              <a:off x="1338" y="992"/>
+              <a:ext cx="717" cy="821"/>
+              <a:chOff x="3326" y="728"/>
+              <a:chExt cx="2058" cy="2427"/>
+            </a:xfrm>
+          </p:grpSpPr>
+          <p:sp>
+            <p:nvSpPr>
+              <p:cNvPr id="20" name="Oval 12">
+                <a:extLst>
+                  <a:ext uri="{FF2B5EF4-FFF2-40B4-BE49-F238E27FC236}">
+                    <a16:creationId xmlns:a16="http://schemas.microsoft.com/office/drawing/2014/main" id="{3543D0E5-FE36-CE8D-C0CB-9414C6FA49D2}"/>
+                  </a:ext>
+                </a:extLst>
+              </p:cNvPr>
+              <p:cNvSpPr>
+                <a:spLocks noChangeAspect="1" noChangeArrowheads="1"/>
+              </p:cNvSpPr>
+              <p:nvPr/>
+            </p:nvSpPr>
+            <p:spPr bwMode="auto">
+              <a:xfrm>
+                <a:off x="3326" y="3121"/>
+                <a:ext cx="34" cy="34"/>
+              </a:xfrm>
+              <a:prstGeom prst="ellipse">
+                <a:avLst/>
+              </a:prstGeom>
+              <a:solidFill>
+                <a:schemeClr val="tx1"/>
+              </a:solidFill>
+              <a:ln w="53975">
+                <a:solidFill>
+                  <a:srgbClr val="000000"/>
+                </a:solidFill>
+                <a:round/>
+                <a:headEnd/>
+                <a:tailEnd/>
+              </a:ln>
+            </p:spPr>
+            <p:txBody>
+              <a:bodyPr/>
+              <a:lstStyle/>
+              <a:p>
+                <a:endParaRPr lang="en-GB"/>
+              </a:p>
+            </p:txBody>
+          </p:sp>
+          <p:sp>
+            <p:nvSpPr>
+              <p:cNvPr id="21" name="Oval 13">
+                <a:extLst>
+                  <a:ext uri="{FF2B5EF4-FFF2-40B4-BE49-F238E27FC236}">
+                    <a16:creationId xmlns:a16="http://schemas.microsoft.com/office/drawing/2014/main" id="{042737DD-B8E2-C35F-EFE2-3DD90873D057}"/>
+                  </a:ext>
+                </a:extLst>
+              </p:cNvPr>
+              <p:cNvSpPr>
+                <a:spLocks noChangeAspect="1" noChangeArrowheads="1"/>
+              </p:cNvSpPr>
+              <p:nvPr/>
+            </p:nvSpPr>
+            <p:spPr bwMode="auto">
+              <a:xfrm>
+                <a:off x="3326" y="2321"/>
+                <a:ext cx="34" cy="32"/>
+              </a:xfrm>
+              <a:prstGeom prst="ellipse">
+                <a:avLst/>
+              </a:prstGeom>
+              <a:solidFill>
+                <a:schemeClr val="tx1"/>
+              </a:solidFill>
+              <a:ln w="53975">
+                <a:solidFill>
+                  <a:srgbClr val="000000"/>
+                </a:solidFill>
+                <a:round/>
+                <a:headEnd/>
+                <a:tailEnd/>
+              </a:ln>
+            </p:spPr>
+            <p:txBody>
+              <a:bodyPr/>
+              <a:lstStyle/>
+              <a:p>
+                <a:endParaRPr lang="en-GB"/>
+              </a:p>
+            </p:txBody>
+          </p:sp>
+          <p:sp>
+            <p:nvSpPr>
+              <p:cNvPr id="23" name="Oval 14">
+                <a:extLst>
+                  <a:ext uri="{FF2B5EF4-FFF2-40B4-BE49-F238E27FC236}">
+                    <a16:creationId xmlns:a16="http://schemas.microsoft.com/office/drawing/2014/main" id="{2B411049-7A68-EB8E-9842-C3EDA7B5B00D}"/>
+                  </a:ext>
+                </a:extLst>
+              </p:cNvPr>
+              <p:cNvSpPr>
+                <a:spLocks noChangeAspect="1" noChangeArrowheads="1"/>
+              </p:cNvSpPr>
+              <p:nvPr/>
+            </p:nvSpPr>
+            <p:spPr bwMode="auto">
+              <a:xfrm>
+                <a:off x="3326" y="1530"/>
+                <a:ext cx="34" cy="32"/>
+              </a:xfrm>
+              <a:prstGeom prst="ellipse">
+                <a:avLst/>
+              </a:prstGeom>
+              <a:solidFill>
+                <a:schemeClr val="tx1"/>
+              </a:solidFill>
+              <a:ln w="53975">
+                <a:solidFill>
+                  <a:srgbClr val="000000"/>
+                </a:solidFill>
+                <a:round/>
+                <a:headEnd/>
+                <a:tailEnd/>
+              </a:ln>
+            </p:spPr>
+            <p:txBody>
+              <a:bodyPr/>
+              <a:lstStyle/>
+              <a:p>
+                <a:endParaRPr lang="en-GB"/>
+              </a:p>
+            </p:txBody>
+          </p:sp>
+          <p:sp>
+            <p:nvSpPr>
+              <p:cNvPr id="25" name="Oval 15">
+                <a:extLst>
+                  <a:ext uri="{FF2B5EF4-FFF2-40B4-BE49-F238E27FC236}">
+                    <a16:creationId xmlns:a16="http://schemas.microsoft.com/office/drawing/2014/main" id="{BFE409D3-66C4-4B1A-CC1D-5E82861CF51D}"/>
+                  </a:ext>
+                </a:extLst>
+              </p:cNvPr>
+              <p:cNvSpPr>
+                <a:spLocks noChangeAspect="1" noChangeArrowheads="1"/>
+              </p:cNvSpPr>
+              <p:nvPr/>
+            </p:nvSpPr>
+            <p:spPr bwMode="auto">
+              <a:xfrm>
+                <a:off x="3326" y="728"/>
+                <a:ext cx="34" cy="34"/>
+              </a:xfrm>
+              <a:prstGeom prst="ellipse">
+                <a:avLst/>
+              </a:prstGeom>
+              <a:solidFill>
+                <a:schemeClr val="tx1"/>
+              </a:solidFill>
+              <a:ln w="53975">
+                <a:solidFill>
+                  <a:srgbClr val="000000"/>
+                </a:solidFill>
+                <a:round/>
+                <a:headEnd/>
+                <a:tailEnd/>
+              </a:ln>
+            </p:spPr>
+            <p:txBody>
+              <a:bodyPr/>
+              <a:lstStyle/>
+              <a:p>
+                <a:endParaRPr lang="en-GB"/>
+              </a:p>
+            </p:txBody>
+          </p:sp>
+          <p:sp>
+            <p:nvSpPr>
+              <p:cNvPr id="26" name="Line 16">
+                <a:extLst>
+                  <a:ext uri="{FF2B5EF4-FFF2-40B4-BE49-F238E27FC236}">
+                    <a16:creationId xmlns:a16="http://schemas.microsoft.com/office/drawing/2014/main" id="{4F579BC5-C3C2-9D50-B8A9-A49FA4B18579}"/>
+                  </a:ext>
+                </a:extLst>
+              </p:cNvPr>
+              <p:cNvSpPr>
+                <a:spLocks noChangeAspect="1" noChangeShapeType="1"/>
+              </p:cNvSpPr>
+              <p:nvPr/>
+            </p:nvSpPr>
+            <p:spPr bwMode="auto">
+              <a:xfrm>
+                <a:off x="3348" y="3143"/>
+                <a:ext cx="111" cy="2"/>
+              </a:xfrm>
+              <a:prstGeom prst="line">
+                <a:avLst/>
+              </a:prstGeom>
+              <a:noFill/>
+              <a:ln w="25400">
+                <a:solidFill>
+                  <a:srgbClr val="000000"/>
+                </a:solidFill>
+                <a:round/>
+                <a:headEnd/>
+                <a:tailEnd/>
+              </a:ln>
+              <a:extLst>
+                <a:ext uri="{909E8E84-426E-40DD-AFC4-6F175D3DCCD1}">
+                  <a14:hiddenFill xmlns:a14="http://schemas.microsoft.com/office/drawing/2010/main">
+                    <a:noFill/>
+                  </a14:hiddenFill>
+                </a:ext>
+              </a:extLst>
+            </p:spPr>
+            <p:txBody>
+              <a:bodyPr/>
+              <a:lstStyle/>
+              <a:p>
+                <a:endParaRPr lang="en-GB"/>
+              </a:p>
+            </p:txBody>
+          </p:sp>
+          <p:sp>
+            <p:nvSpPr>
+              <p:cNvPr id="27" name="Line 17">
+                <a:extLst>
+                  <a:ext uri="{FF2B5EF4-FFF2-40B4-BE49-F238E27FC236}">
+                    <a16:creationId xmlns:a16="http://schemas.microsoft.com/office/drawing/2014/main" id="{8A177BCC-9E2E-A6B9-6DA7-B262CE518432}"/>
+                  </a:ext>
+                </a:extLst>
+              </p:cNvPr>
+              <p:cNvSpPr>
+                <a:spLocks noChangeAspect="1" noChangeShapeType="1"/>
+              </p:cNvSpPr>
+              <p:nvPr/>
+            </p:nvSpPr>
+            <p:spPr bwMode="auto">
+              <a:xfrm>
+                <a:off x="3348" y="2343"/>
+                <a:ext cx="111" cy="0"/>
+              </a:xfrm>
+              <a:prstGeom prst="line">
+                <a:avLst/>
+              </a:prstGeom>
+              <a:noFill/>
+              <a:ln w="25400">
+                <a:solidFill>
+                  <a:srgbClr val="000000"/>
+                </a:solidFill>
+                <a:round/>
+                <a:headEnd/>
+                <a:tailEnd/>
+              </a:ln>
+              <a:extLst>
+                <a:ext uri="{909E8E84-426E-40DD-AFC4-6F175D3DCCD1}">
+                  <a14:hiddenFill xmlns:a14="http://schemas.microsoft.com/office/drawing/2010/main">
+                    <a:noFill/>
+                  </a14:hiddenFill>
+                </a:ext>
+              </a:extLst>
+            </p:spPr>
+            <p:txBody>
+              <a:bodyPr/>
+              <a:lstStyle/>
+              <a:p>
+                <a:endParaRPr lang="en-GB"/>
+              </a:p>
+            </p:txBody>
+          </p:sp>
+          <p:sp>
+            <p:nvSpPr>
+              <p:cNvPr id="30" name="Line 18">
+                <a:extLst>
+                  <a:ext uri="{FF2B5EF4-FFF2-40B4-BE49-F238E27FC236}">
+                    <a16:creationId xmlns:a16="http://schemas.microsoft.com/office/drawing/2014/main" id="{CF8B3CFC-84DB-37C8-A613-E21E74C6D762}"/>
+                  </a:ext>
+                </a:extLst>
+              </p:cNvPr>
+              <p:cNvSpPr>
+                <a:spLocks noChangeAspect="1" noChangeShapeType="1"/>
+              </p:cNvSpPr>
+              <p:nvPr/>
+            </p:nvSpPr>
+            <p:spPr bwMode="auto">
+              <a:xfrm flipV="1">
+                <a:off x="3459" y="2343"/>
+                <a:ext cx="1" cy="800"/>
+              </a:xfrm>
+              <a:prstGeom prst="line">
+                <a:avLst/>
+              </a:prstGeom>
+              <a:noFill/>
+              <a:ln w="25400">
+                <a:solidFill>
+                  <a:srgbClr val="000000"/>
+                </a:solidFill>
+                <a:round/>
+                <a:headEnd/>
+                <a:tailEnd/>
+              </a:ln>
+              <a:extLst>
+                <a:ext uri="{909E8E84-426E-40DD-AFC4-6F175D3DCCD1}">
+                  <a14:hiddenFill xmlns:a14="http://schemas.microsoft.com/office/drawing/2010/main">
+                    <a:noFill/>
+                  </a14:hiddenFill>
+                </a:ext>
+              </a:extLst>
+            </p:spPr>
+            <p:txBody>
+              <a:bodyPr/>
+              <a:lstStyle/>
+              <a:p>
+                <a:endParaRPr lang="en-GB"/>
+              </a:p>
+            </p:txBody>
+          </p:sp>
+          <p:sp>
+            <p:nvSpPr>
+              <p:cNvPr id="31" name="Line 19">
+                <a:extLst>
+                  <a:ext uri="{FF2B5EF4-FFF2-40B4-BE49-F238E27FC236}">
+                    <a16:creationId xmlns:a16="http://schemas.microsoft.com/office/drawing/2014/main" id="{A287F3FE-8EF0-26DD-4D40-402350878C2C}"/>
+                  </a:ext>
+                </a:extLst>
+              </p:cNvPr>
+              <p:cNvSpPr>
+                <a:spLocks noChangeAspect="1" noChangeShapeType="1"/>
+              </p:cNvSpPr>
+              <p:nvPr/>
+            </p:nvSpPr>
+            <p:spPr bwMode="auto">
+              <a:xfrm>
+                <a:off x="3459" y="2749"/>
+                <a:ext cx="730" cy="1"/>
+              </a:xfrm>
+              <a:prstGeom prst="line">
+                <a:avLst/>
+              </a:prstGeom>
+              <a:noFill/>
+              <a:ln w="25400">
+                <a:solidFill>
+                  <a:srgbClr val="000000"/>
+                </a:solidFill>
+                <a:round/>
+                <a:headEnd/>
+                <a:tailEnd/>
+              </a:ln>
+              <a:extLst>
+                <a:ext uri="{909E8E84-426E-40DD-AFC4-6F175D3DCCD1}">
+                  <a14:hiddenFill xmlns:a14="http://schemas.microsoft.com/office/drawing/2010/main">
+                    <a:noFill/>
+                  </a14:hiddenFill>
+                </a:ext>
+              </a:extLst>
+            </p:spPr>
+            <p:txBody>
+              <a:bodyPr/>
+              <a:lstStyle/>
+              <a:p>
+                <a:endParaRPr lang="en-GB"/>
+              </a:p>
+            </p:txBody>
+          </p:sp>
+          <p:sp>
+            <p:nvSpPr>
+              <p:cNvPr id="34" name="Line 20">
+                <a:extLst>
+                  <a:ext uri="{FF2B5EF4-FFF2-40B4-BE49-F238E27FC236}">
+                    <a16:creationId xmlns:a16="http://schemas.microsoft.com/office/drawing/2014/main" id="{A77334BD-255C-AD51-F7A7-C0B6EC8C6BEA}"/>
+                  </a:ext>
+                </a:extLst>
+              </p:cNvPr>
+              <p:cNvSpPr>
+                <a:spLocks noChangeAspect="1" noChangeShapeType="1"/>
+              </p:cNvSpPr>
+              <p:nvPr/>
+            </p:nvSpPr>
+            <p:spPr bwMode="auto">
+              <a:xfrm>
+                <a:off x="3348" y="1552"/>
+                <a:ext cx="841" cy="0"/>
+              </a:xfrm>
+              <a:prstGeom prst="line">
+                <a:avLst/>
+              </a:prstGeom>
+              <a:noFill/>
+              <a:ln w="25400">
+                <a:solidFill>
+                  <a:srgbClr val="000000"/>
+                </a:solidFill>
+                <a:round/>
+                <a:headEnd/>
+                <a:tailEnd/>
+              </a:ln>
+              <a:extLst>
+                <a:ext uri="{909E8E84-426E-40DD-AFC4-6F175D3DCCD1}">
+                  <a14:hiddenFill xmlns:a14="http://schemas.microsoft.com/office/drawing/2010/main">
+                    <a:noFill/>
+                  </a14:hiddenFill>
+                </a:ext>
+              </a:extLst>
+            </p:spPr>
+            <p:txBody>
+              <a:bodyPr/>
+              <a:lstStyle/>
+              <a:p>
+                <a:endParaRPr lang="en-GB"/>
+              </a:p>
+            </p:txBody>
+          </p:sp>
+          <p:sp>
+            <p:nvSpPr>
+              <p:cNvPr id="36" name="Line 21">
+                <a:extLst>
+                  <a:ext uri="{FF2B5EF4-FFF2-40B4-BE49-F238E27FC236}">
+                    <a16:creationId xmlns:a16="http://schemas.microsoft.com/office/drawing/2014/main" id="{7C40ABFA-34E0-FE80-A262-E58E1DC75A5C}"/>
+                  </a:ext>
+                </a:extLst>
+              </p:cNvPr>
+              <p:cNvSpPr>
+                <a:spLocks noChangeAspect="1" noChangeShapeType="1"/>
+              </p:cNvSpPr>
+              <p:nvPr/>
+            </p:nvSpPr>
+            <p:spPr bwMode="auto">
+              <a:xfrm flipV="1">
+                <a:off x="4189" y="1552"/>
+                <a:ext cx="1" cy="1197"/>
+              </a:xfrm>
+              <a:prstGeom prst="line">
+                <a:avLst/>
+              </a:prstGeom>
+              <a:noFill/>
+              <a:ln w="25400">
+                <a:solidFill>
+                  <a:srgbClr val="000000"/>
+                </a:solidFill>
+                <a:round/>
+                <a:headEnd/>
+                <a:tailEnd/>
+              </a:ln>
+              <a:extLst>
+                <a:ext uri="{909E8E84-426E-40DD-AFC4-6F175D3DCCD1}">
+                  <a14:hiddenFill xmlns:a14="http://schemas.microsoft.com/office/drawing/2010/main">
+                    <a:noFill/>
+                  </a14:hiddenFill>
+                </a:ext>
+              </a:extLst>
+            </p:spPr>
+            <p:txBody>
+              <a:bodyPr/>
+              <a:lstStyle/>
+              <a:p>
+                <a:endParaRPr lang="en-GB"/>
+              </a:p>
+            </p:txBody>
+          </p:sp>
+          <p:sp>
+            <p:nvSpPr>
+              <p:cNvPr id="38" name="Line 22">
+                <a:extLst>
+                  <a:ext uri="{FF2B5EF4-FFF2-40B4-BE49-F238E27FC236}">
+                    <a16:creationId xmlns:a16="http://schemas.microsoft.com/office/drawing/2014/main" id="{7D995E14-EE3F-EA40-9E3A-A284DED29183}"/>
+                  </a:ext>
+                </a:extLst>
+              </p:cNvPr>
+              <p:cNvSpPr>
+                <a:spLocks noChangeAspect="1" noChangeShapeType="1"/>
+              </p:cNvSpPr>
+              <p:nvPr/>
+            </p:nvSpPr>
+            <p:spPr bwMode="auto">
+              <a:xfrm>
+                <a:off x="4189" y="2145"/>
+                <a:ext cx="1072" cy="1"/>
+              </a:xfrm>
+              <a:prstGeom prst="line">
+                <a:avLst/>
+              </a:prstGeom>
+              <a:noFill/>
+              <a:ln w="25400">
+                <a:solidFill>
+                  <a:srgbClr val="000000"/>
+                </a:solidFill>
+                <a:round/>
+                <a:headEnd/>
+                <a:tailEnd/>
+              </a:ln>
+              <a:extLst>
+                <a:ext uri="{909E8E84-426E-40DD-AFC4-6F175D3DCCD1}">
+                  <a14:hiddenFill xmlns:a14="http://schemas.microsoft.com/office/drawing/2010/main">
+                    <a:noFill/>
+                  </a14:hiddenFill>
+                </a:ext>
+              </a:extLst>
+            </p:spPr>
+            <p:txBody>
+              <a:bodyPr/>
+              <a:lstStyle/>
+              <a:p>
+                <a:endParaRPr lang="en-GB"/>
+              </a:p>
+            </p:txBody>
+          </p:sp>
+          <p:sp>
+            <p:nvSpPr>
+              <p:cNvPr id="39" name="Line 23">
+                <a:extLst>
+                  <a:ext uri="{FF2B5EF4-FFF2-40B4-BE49-F238E27FC236}">
+                    <a16:creationId xmlns:a16="http://schemas.microsoft.com/office/drawing/2014/main" id="{7BD8CAEF-23D8-29DA-AAA9-17A7A448B779}"/>
+                  </a:ext>
+                </a:extLst>
+              </p:cNvPr>
+              <p:cNvSpPr>
+                <a:spLocks noChangeAspect="1" noChangeShapeType="1"/>
+              </p:cNvSpPr>
+              <p:nvPr/>
+            </p:nvSpPr>
+            <p:spPr bwMode="auto">
+              <a:xfrm>
+                <a:off x="3348" y="750"/>
+                <a:ext cx="1913" cy="1"/>
+              </a:xfrm>
+              <a:prstGeom prst="line">
+                <a:avLst/>
+              </a:prstGeom>
+              <a:noFill/>
+              <a:ln w="25400">
+                <a:solidFill>
+                  <a:srgbClr val="000000"/>
+                </a:solidFill>
+                <a:round/>
+                <a:headEnd/>
+                <a:tailEnd/>
+              </a:ln>
+              <a:extLst>
+                <a:ext uri="{909E8E84-426E-40DD-AFC4-6F175D3DCCD1}">
+                  <a14:hiddenFill xmlns:a14="http://schemas.microsoft.com/office/drawing/2010/main">
+                    <a:noFill/>
+                  </a14:hiddenFill>
+                </a:ext>
+              </a:extLst>
+            </p:spPr>
+            <p:txBody>
+              <a:bodyPr/>
+              <a:lstStyle/>
+              <a:p>
+                <a:endParaRPr lang="en-GB"/>
+              </a:p>
+            </p:txBody>
+          </p:sp>
+          <p:sp>
+            <p:nvSpPr>
+              <p:cNvPr id="40" name="Line 24">
+                <a:extLst>
+                  <a:ext uri="{FF2B5EF4-FFF2-40B4-BE49-F238E27FC236}">
+                    <a16:creationId xmlns:a16="http://schemas.microsoft.com/office/drawing/2014/main" id="{3A9A062A-801A-554A-0261-D4AFAFFC93F1}"/>
+                  </a:ext>
+                </a:extLst>
+              </p:cNvPr>
+              <p:cNvSpPr>
+                <a:spLocks noChangeAspect="1" noChangeShapeType="1"/>
+              </p:cNvSpPr>
+              <p:nvPr/>
+            </p:nvSpPr>
+            <p:spPr bwMode="auto">
+              <a:xfrm flipV="1">
+                <a:off x="5261" y="750"/>
+                <a:ext cx="1" cy="1395"/>
+              </a:xfrm>
+              <a:prstGeom prst="line">
+                <a:avLst/>
+              </a:prstGeom>
+              <a:noFill/>
+              <a:ln w="25400">
+                <a:solidFill>
+                  <a:srgbClr val="000000"/>
+                </a:solidFill>
+                <a:round/>
+                <a:headEnd/>
+                <a:tailEnd/>
+              </a:ln>
+              <a:extLst>
+                <a:ext uri="{909E8E84-426E-40DD-AFC4-6F175D3DCCD1}">
+                  <a14:hiddenFill xmlns:a14="http://schemas.microsoft.com/office/drawing/2010/main">
+                    <a:noFill/>
+                  </a14:hiddenFill>
+                </a:ext>
+              </a:extLst>
+            </p:spPr>
+            <p:txBody>
+              <a:bodyPr/>
+              <a:lstStyle/>
+              <a:p>
+                <a:endParaRPr lang="en-GB"/>
+              </a:p>
+            </p:txBody>
+          </p:sp>
+          <p:sp>
+            <p:nvSpPr>
+              <p:cNvPr id="41" name="Line 25">
+                <a:extLst>
+                  <a:ext uri="{FF2B5EF4-FFF2-40B4-BE49-F238E27FC236}">
+                    <a16:creationId xmlns:a16="http://schemas.microsoft.com/office/drawing/2014/main" id="{D4FB2552-0F96-ECCF-6E6E-34404D52B4BE}"/>
+                  </a:ext>
+                </a:extLst>
+              </p:cNvPr>
+              <p:cNvSpPr>
+                <a:spLocks noChangeAspect="1" noChangeShapeType="1"/>
+              </p:cNvSpPr>
+              <p:nvPr/>
+            </p:nvSpPr>
+            <p:spPr bwMode="auto">
+              <a:xfrm>
+                <a:off x="5266" y="1470"/>
+                <a:ext cx="118" cy="0"/>
+              </a:xfrm>
+              <a:prstGeom prst="line">
+                <a:avLst/>
+              </a:prstGeom>
+              <a:noFill/>
+              <a:ln w="25400">
+                <a:solidFill>
+                  <a:srgbClr val="000000"/>
+                </a:solidFill>
+                <a:round/>
+                <a:headEnd/>
+                <a:tailEnd/>
+              </a:ln>
+              <a:extLst>
+                <a:ext uri="{909E8E84-426E-40DD-AFC4-6F175D3DCCD1}">
+                  <a14:hiddenFill xmlns:a14="http://schemas.microsoft.com/office/drawing/2010/main">
+                    <a:noFill/>
+                  </a14:hiddenFill>
+                </a:ext>
+              </a:extLst>
+            </p:spPr>
+            <p:txBody>
+              <a:bodyPr/>
+              <a:lstStyle/>
+              <a:p>
+                <a:endParaRPr lang="en-GB"/>
+              </a:p>
+            </p:txBody>
+          </p:sp>
+        </p:grpSp>
+      </p:grpSp>
+      <p:sp>
+        <p:nvSpPr>
+          <p:cNvPr id="43" name="Google Shape;99;p21">
             <a:extLst>
               <a:ext uri="{FF2B5EF4-FFF2-40B4-BE49-F238E27FC236}">
-                <a16:creationId xmlns:a16="http://schemas.microsoft.com/office/drawing/2014/main" id="{F62AD512-5ED0-45D3-43D2-20172CED8A15}"/>
-              </a:ext>
-            </a:extLst>
-          </p:cNvPr>
-          <p:cNvPicPr>
-            <a:picLocks noChangeAspect="1"/>
-          </p:cNvPicPr>
-          <p:nvPr/>
-        </p:nvPicPr>
-        <p:blipFill>
-          <a:blip r:embed="rId3"/>
-          <a:stretch>
-            <a:fillRect/>
-          </a:stretch>
-        </p:blipFill>
-        <p:spPr>
-          <a:xfrm>
-            <a:off x="1712703" y="3911391"/>
-            <a:ext cx="2488156" cy="700989"/>
-          </a:xfrm>
-          <a:prstGeom prst="rect">
-            <a:avLst/>
-          </a:prstGeom>
-        </p:spPr>
-      </p:pic>
-      <p:sp>
-        <p:nvSpPr>
-          <p:cNvPr id="14" name="TextBox 13">
-            <a:extLst>
-              <a:ext uri="{FF2B5EF4-FFF2-40B4-BE49-F238E27FC236}">
-                <a16:creationId xmlns:a16="http://schemas.microsoft.com/office/drawing/2014/main" id="{73F2BCC6-47FB-1CF3-912B-A2D6F16C3A51}"/>
+                <a16:creationId xmlns:a16="http://schemas.microsoft.com/office/drawing/2014/main" id="{D6053237-6BFA-1303-12C3-671EFECD31E7}"/>
               </a:ext>
             </a:extLst>
           </p:cNvPr>
@@ -6405,432 +9029,67 @@
         </p:nvSpPr>
         <p:spPr>
           <a:xfrm>
-            <a:off x="2810735" y="5959883"/>
-            <a:ext cx="2083268" cy="369332"/>
+            <a:off x="7814676" y="3073996"/>
+            <a:ext cx="4058217" cy="2400627"/>
           </a:xfrm>
           <a:prstGeom prst="rect">
             <a:avLst/>
           </a:prstGeom>
           <a:noFill/>
+          <a:ln>
+            <a:noFill/>
+          </a:ln>
         </p:spPr>
         <p:txBody>
-          <a:bodyPr wrap="square">
+          <a:bodyPr spcFirstLastPara="1" wrap="square" lIns="91425" tIns="91425" rIns="91425" bIns="91425" anchor="t" anchorCtr="0">
             <a:spAutoFit/>
           </a:bodyPr>
           <a:lstStyle/>
           <a:p>
+            <a:pPr marL="457200" lvl="0" indent="-381000" algn="l" rtl="0">
+              <a:spcBef>
+                <a:spcPts val="0"/>
+              </a:spcBef>
+              <a:spcAft>
+                <a:spcPts val="0"/>
+              </a:spcAft>
+              <a:buSzPts val="2400"/>
+              <a:buChar char="-"/>
+            </a:pPr>
             <a:r>
-              <a:rPr lang="en-AU" dirty="0"/>
-              <a:t>David Guijo Rubio</a:t>
+              <a:rPr lang="en" sz="2400" dirty="0"/>
+              <a:t>Group time series that are similar into the same cluster</a:t>
             </a:r>
-            <a:endParaRPr lang="en-GB" dirty="0"/>
-          </a:p>
-        </p:txBody>
-      </p:sp>
-      <p:sp>
-        <p:nvSpPr>
-          <p:cNvPr id="15" name="TextBox 14">
-            <a:extLst>
-              <a:ext uri="{FF2B5EF4-FFF2-40B4-BE49-F238E27FC236}">
-                <a16:creationId xmlns:a16="http://schemas.microsoft.com/office/drawing/2014/main" id="{FBC28AC4-3916-6445-E443-14C2671739AE}"/>
-              </a:ext>
-            </a:extLst>
-          </p:cNvPr>
-          <p:cNvSpPr txBox="1"/>
-          <p:nvPr/>
-        </p:nvSpPr>
-        <p:spPr>
-          <a:xfrm>
-            <a:off x="7965468" y="4427714"/>
-            <a:ext cx="2648529" cy="369332"/>
-          </a:xfrm>
-          <a:prstGeom prst="rect">
-            <a:avLst/>
-          </a:prstGeom>
-          <a:noFill/>
-        </p:spPr>
-        <p:txBody>
-          <a:bodyPr wrap="square">
-            <a:spAutoFit/>
-          </a:bodyPr>
-          <a:lstStyle/>
-          <a:p>
+          </a:p>
+          <a:p>
+            <a:pPr marL="457200" lvl="0" indent="-381000" algn="l" rtl="0">
+              <a:spcBef>
+                <a:spcPts val="0"/>
+              </a:spcBef>
+              <a:spcAft>
+                <a:spcPts val="0"/>
+              </a:spcAft>
+              <a:buSzPts val="2400"/>
+              <a:buChar char="-"/>
+            </a:pPr>
+            <a:endParaRPr lang="en" sz="2400" dirty="0"/>
+          </a:p>
+          <a:p>
+            <a:pPr marL="457200" lvl="0" indent="-381000" algn="l" rtl="0">
+              <a:spcBef>
+                <a:spcPts val="0"/>
+              </a:spcBef>
+              <a:spcAft>
+                <a:spcPts val="0"/>
+              </a:spcAft>
+              <a:buSzPts val="2400"/>
+              <a:buChar char="-"/>
+            </a:pPr>
             <a:r>
-              <a:rPr lang="en-AU" dirty="0"/>
-              <a:t>Matthew Middlehurst</a:t>
+              <a:rPr lang="en" sz="2400" dirty="0"/>
+              <a:t>Keep dissimilar series in different clusters</a:t>
             </a:r>
-            <a:endParaRPr lang="en-GB" dirty="0"/>
-          </a:p>
-        </p:txBody>
-      </p:sp>
-      <p:sp>
-        <p:nvSpPr>
-          <p:cNvPr id="18" name="TextBox 17">
-            <a:extLst>
-              <a:ext uri="{FF2B5EF4-FFF2-40B4-BE49-F238E27FC236}">
-                <a16:creationId xmlns:a16="http://schemas.microsoft.com/office/drawing/2014/main" id="{4F42B2A0-3C45-27FC-6761-F84314CE7264}"/>
-              </a:ext>
-            </a:extLst>
-          </p:cNvPr>
-          <p:cNvSpPr txBox="1"/>
-          <p:nvPr/>
-        </p:nvSpPr>
-        <p:spPr>
-          <a:xfrm>
-            <a:off x="2131891" y="3659711"/>
-            <a:ext cx="2177982" cy="369332"/>
-          </a:xfrm>
-          <a:prstGeom prst="rect">
-            <a:avLst/>
-          </a:prstGeom>
-          <a:noFill/>
-        </p:spPr>
-        <p:txBody>
-          <a:bodyPr wrap="square">
-            <a:spAutoFit/>
-          </a:bodyPr>
-          <a:lstStyle/>
-          <a:p>
-            <a:r>
-              <a:rPr lang="en-AU" dirty="0"/>
-              <a:t>Germain Forestier</a:t>
-            </a:r>
-            <a:endParaRPr lang="en-GB" dirty="0"/>
-          </a:p>
-        </p:txBody>
-      </p:sp>
-      <p:sp>
-        <p:nvSpPr>
-          <p:cNvPr id="19" name="TextBox 18">
-            <a:extLst>
-              <a:ext uri="{FF2B5EF4-FFF2-40B4-BE49-F238E27FC236}">
-                <a16:creationId xmlns:a16="http://schemas.microsoft.com/office/drawing/2014/main" id="{BB205787-0271-4002-F2EC-BE04CE30244E}"/>
-              </a:ext>
-            </a:extLst>
-          </p:cNvPr>
-          <p:cNvSpPr txBox="1"/>
-          <p:nvPr/>
-        </p:nvSpPr>
-        <p:spPr>
-          <a:xfrm>
-            <a:off x="2206325" y="4450156"/>
-            <a:ext cx="2083267" cy="369332"/>
-          </a:xfrm>
-          <a:prstGeom prst="rect">
-            <a:avLst/>
-          </a:prstGeom>
-          <a:noFill/>
-        </p:spPr>
-        <p:txBody>
-          <a:bodyPr wrap="square">
-            <a:spAutoFit/>
-          </a:bodyPr>
-          <a:lstStyle/>
-          <a:p>
-            <a:r>
-              <a:rPr lang="en-AU" dirty="0"/>
-              <a:t>Ali Ismail-Fawaz</a:t>
-            </a:r>
-            <a:endParaRPr lang="en-GB" dirty="0"/>
-          </a:p>
-        </p:txBody>
-      </p:sp>
-      <p:pic>
-        <p:nvPicPr>
-          <p:cNvPr id="22" name="Picture 21">
-            <a:extLst>
-              <a:ext uri="{FF2B5EF4-FFF2-40B4-BE49-F238E27FC236}">
-                <a16:creationId xmlns:a16="http://schemas.microsoft.com/office/drawing/2014/main" id="{FF85F8BD-EECA-3CEC-F9EC-C2ECC967BC6A}"/>
-              </a:ext>
-            </a:extLst>
-          </p:cNvPr>
-          <p:cNvPicPr>
-            <a:picLocks noChangeAspect="1"/>
-          </p:cNvPicPr>
-          <p:nvPr/>
-        </p:nvPicPr>
-        <p:blipFill>
-          <a:blip r:embed="rId4"/>
-          <a:stretch>
-            <a:fillRect/>
-          </a:stretch>
-        </p:blipFill>
-        <p:spPr>
-          <a:xfrm>
-            <a:off x="3170855" y="4993280"/>
-            <a:ext cx="1236265" cy="879835"/>
-          </a:xfrm>
-          <a:prstGeom prst="rect">
-            <a:avLst/>
-          </a:prstGeom>
-        </p:spPr>
-      </p:pic>
-      <p:pic>
-        <p:nvPicPr>
-          <p:cNvPr id="24" name="Picture 23">
-            <a:extLst>
-              <a:ext uri="{FF2B5EF4-FFF2-40B4-BE49-F238E27FC236}">
-                <a16:creationId xmlns:a16="http://schemas.microsoft.com/office/drawing/2014/main" id="{68D6C686-D6E6-EBBF-071A-66DBB75E689D}"/>
-              </a:ext>
-            </a:extLst>
-          </p:cNvPr>
-          <p:cNvPicPr>
-            <a:picLocks noChangeAspect="1"/>
-          </p:cNvPicPr>
-          <p:nvPr/>
-        </p:nvPicPr>
-        <p:blipFill>
-          <a:blip r:embed="rId5"/>
-          <a:stretch>
-            <a:fillRect/>
-          </a:stretch>
-        </p:blipFill>
-        <p:spPr>
-          <a:xfrm>
-            <a:off x="6782013" y="3834768"/>
-            <a:ext cx="827405" cy="868482"/>
-          </a:xfrm>
-          <a:prstGeom prst="rect">
-            <a:avLst/>
-          </a:prstGeom>
-        </p:spPr>
-      </p:pic>
-      <p:pic>
-        <p:nvPicPr>
-          <p:cNvPr id="28" name="Picture 27">
-            <a:extLst>
-              <a:ext uri="{FF2B5EF4-FFF2-40B4-BE49-F238E27FC236}">
-                <a16:creationId xmlns:a16="http://schemas.microsoft.com/office/drawing/2014/main" id="{5AD284E2-0227-0BF6-D1F6-4D84118038C5}"/>
-              </a:ext>
-            </a:extLst>
-          </p:cNvPr>
-          <p:cNvPicPr>
-            <a:picLocks noChangeAspect="1"/>
-          </p:cNvPicPr>
-          <p:nvPr/>
-        </p:nvPicPr>
-        <p:blipFill>
-          <a:blip r:embed="rId6"/>
-          <a:stretch>
-            <a:fillRect/>
-          </a:stretch>
-        </p:blipFill>
-        <p:spPr>
-          <a:xfrm>
-            <a:off x="10385734" y="3888013"/>
-            <a:ext cx="903930" cy="761991"/>
-          </a:xfrm>
-          <a:prstGeom prst="rect">
-            <a:avLst/>
-          </a:prstGeom>
-        </p:spPr>
-      </p:pic>
-      <p:sp>
-        <p:nvSpPr>
-          <p:cNvPr id="29" name="TextBox 28">
-            <a:extLst>
-              <a:ext uri="{FF2B5EF4-FFF2-40B4-BE49-F238E27FC236}">
-                <a16:creationId xmlns:a16="http://schemas.microsoft.com/office/drawing/2014/main" id="{C51134A1-43CC-F45B-2D71-25926C662851}"/>
-              </a:ext>
-            </a:extLst>
-          </p:cNvPr>
-          <p:cNvSpPr txBox="1"/>
-          <p:nvPr/>
-        </p:nvSpPr>
-        <p:spPr>
-          <a:xfrm>
-            <a:off x="8333827" y="3613995"/>
-            <a:ext cx="1911812" cy="369332"/>
-          </a:xfrm>
-          <a:prstGeom prst="rect">
-            <a:avLst/>
-          </a:prstGeom>
-          <a:noFill/>
-        </p:spPr>
-        <p:txBody>
-          <a:bodyPr wrap="square">
-            <a:spAutoFit/>
-          </a:bodyPr>
-          <a:lstStyle/>
-          <a:p>
-            <a:r>
-              <a:rPr lang="en-AU" dirty="0"/>
-              <a:t>Tony Bagnall</a:t>
-            </a:r>
-            <a:endParaRPr lang="en-GB" dirty="0"/>
-          </a:p>
-        </p:txBody>
-      </p:sp>
-      <p:pic>
-        <p:nvPicPr>
-          <p:cNvPr id="32" name="Picture 31">
-            <a:extLst>
-              <a:ext uri="{FF2B5EF4-FFF2-40B4-BE49-F238E27FC236}">
-                <a16:creationId xmlns:a16="http://schemas.microsoft.com/office/drawing/2014/main" id="{951A5CB3-B5CD-B5F1-9FD1-88FC77B04A6A}"/>
-              </a:ext>
-            </a:extLst>
-          </p:cNvPr>
-          <p:cNvPicPr>
-            <a:picLocks noChangeAspect="1"/>
-          </p:cNvPicPr>
-          <p:nvPr/>
-        </p:nvPicPr>
-        <p:blipFill>
-          <a:blip r:embed="rId7"/>
-          <a:stretch>
-            <a:fillRect/>
-          </a:stretch>
-        </p:blipFill>
-        <p:spPr>
-          <a:xfrm>
-            <a:off x="902336" y="3754986"/>
-            <a:ext cx="752801" cy="879836"/>
-          </a:xfrm>
-          <a:prstGeom prst="rect">
-            <a:avLst/>
-          </a:prstGeom>
-        </p:spPr>
-      </p:pic>
-      <p:pic>
-        <p:nvPicPr>
-          <p:cNvPr id="33" name="Picture 32">
-            <a:extLst>
-              <a:ext uri="{FF2B5EF4-FFF2-40B4-BE49-F238E27FC236}">
-                <a16:creationId xmlns:a16="http://schemas.microsoft.com/office/drawing/2014/main" id="{5C1EC5ED-F869-8236-83E0-18A5227AA3B7}"/>
-              </a:ext>
-            </a:extLst>
-          </p:cNvPr>
-          <p:cNvPicPr>
-            <a:picLocks noChangeAspect="1"/>
-          </p:cNvPicPr>
-          <p:nvPr/>
-        </p:nvPicPr>
-        <p:blipFill>
-          <a:blip r:embed="rId8"/>
-          <a:stretch>
-            <a:fillRect/>
-          </a:stretch>
-        </p:blipFill>
-        <p:spPr>
-          <a:xfrm>
-            <a:off x="4289792" y="3818318"/>
-            <a:ext cx="912545" cy="922760"/>
-          </a:xfrm>
-          <a:prstGeom prst="rect">
-            <a:avLst/>
-          </a:prstGeom>
-        </p:spPr>
-      </p:pic>
-      <p:pic>
-        <p:nvPicPr>
-          <p:cNvPr id="35" name="Picture 34">
-            <a:extLst>
-              <a:ext uri="{FF2B5EF4-FFF2-40B4-BE49-F238E27FC236}">
-                <a16:creationId xmlns:a16="http://schemas.microsoft.com/office/drawing/2014/main" id="{367B0233-F696-F9D2-E00E-54C85C5FB618}"/>
-              </a:ext>
-            </a:extLst>
-          </p:cNvPr>
-          <p:cNvPicPr>
-            <a:picLocks noChangeAspect="1"/>
-          </p:cNvPicPr>
-          <p:nvPr/>
-        </p:nvPicPr>
-        <p:blipFill>
-          <a:blip r:embed="rId9"/>
-          <a:stretch>
-            <a:fillRect/>
-          </a:stretch>
-        </p:blipFill>
-        <p:spPr>
-          <a:xfrm>
-            <a:off x="6391032" y="5126779"/>
-            <a:ext cx="2177983" cy="642354"/>
-          </a:xfrm>
-          <a:prstGeom prst="rect">
-            <a:avLst/>
-          </a:prstGeom>
-        </p:spPr>
-      </p:pic>
-      <p:sp>
-        <p:nvSpPr>
-          <p:cNvPr id="37" name="TextBox 36">
-            <a:extLst>
-              <a:ext uri="{FF2B5EF4-FFF2-40B4-BE49-F238E27FC236}">
-                <a16:creationId xmlns:a16="http://schemas.microsoft.com/office/drawing/2014/main" id="{96888FC4-6AE5-99C2-BE8C-467AC77E9281}"/>
-              </a:ext>
-            </a:extLst>
-          </p:cNvPr>
-          <p:cNvSpPr txBox="1"/>
-          <p:nvPr/>
-        </p:nvSpPr>
-        <p:spPr>
-          <a:xfrm>
-            <a:off x="6450249" y="5921419"/>
-            <a:ext cx="2059547" cy="369332"/>
-          </a:xfrm>
-          <a:prstGeom prst="rect">
-            <a:avLst/>
-          </a:prstGeom>
-          <a:noFill/>
-        </p:spPr>
-        <p:txBody>
-          <a:bodyPr wrap="square">
-            <a:spAutoFit/>
-          </a:bodyPr>
-          <a:lstStyle/>
-          <a:p>
-            <a:r>
-              <a:rPr lang="en-GB" b="0" i="0" dirty="0">
-                <a:solidFill>
-                  <a:srgbClr val="1F2328"/>
-                </a:solidFill>
-                <a:effectLst/>
-                <a:highlight>
-                  <a:srgbClr val="FFFFFF"/>
-                </a:highlight>
-                <a:latin typeface="-apple-system"/>
-              </a:rPr>
-              <a:t> Antoine Guillaume </a:t>
-            </a:r>
-            <a:endParaRPr lang="en-GB" dirty="0"/>
-          </a:p>
-        </p:txBody>
-      </p:sp>
-      <p:sp>
-        <p:nvSpPr>
-          <p:cNvPr id="3" name="TextBox 2">
-            <a:extLst>
-              <a:ext uri="{FF2B5EF4-FFF2-40B4-BE49-F238E27FC236}">
-                <a16:creationId xmlns:a16="http://schemas.microsoft.com/office/drawing/2014/main" id="{412879DB-681D-5D62-E5B2-87B78D6E45F6}"/>
-              </a:ext>
-            </a:extLst>
-          </p:cNvPr>
-          <p:cNvSpPr txBox="1"/>
-          <p:nvPr/>
-        </p:nvSpPr>
-        <p:spPr>
-          <a:xfrm>
-            <a:off x="3333497" y="6373457"/>
-            <a:ext cx="6912142" cy="369332"/>
-          </a:xfrm>
-          <a:prstGeom prst="rect">
-            <a:avLst/>
-          </a:prstGeom>
-          <a:noFill/>
-        </p:spPr>
-        <p:txBody>
-          <a:bodyPr wrap="square">
-            <a:spAutoFit/>
-          </a:bodyPr>
-          <a:lstStyle/>
-          <a:p>
-            <a:r>
-              <a:rPr lang="en-GB" dirty="0">
-                <a:hlinkClick r:id="rId10"/>
-              </a:rPr>
-              <a:t>https://aeon-tutorials.github.io/KDD-2024/</a:t>
-            </a:r>
-            <a:endParaRPr lang="en-GB" dirty="0"/>
+            <a:endParaRPr sz="2400" dirty="0"/>
           </a:p>
         </p:txBody>
       </p:sp>
@@ -6844,84 +9103,6 @@
   <p:clrMapOvr>
     <a:masterClrMapping/>
   </p:clrMapOvr>
-  <p:timing>
-    <p:tnLst>
-      <p:par>
-        <p:cTn id="1" dur="indefinite" restart="never" nodeType="tmRoot">
-          <p:childTnLst>
-            <p:seq concurrent="1" nextAc="seek">
-              <p:cTn id="2" dur="indefinite" nodeType="mainSeq">
-                <p:childTnLst>
-                  <p:par>
-                    <p:cTn id="3" fill="hold">
-                      <p:stCondLst>
-                        <p:cond delay="indefinite"/>
-                        <p:cond evt="onBegin" delay="0">
-                          <p:tn val="2"/>
-                        </p:cond>
-                      </p:stCondLst>
-                      <p:childTnLst>
-                        <p:par>
-                          <p:cTn id="4" fill="hold">
-                            <p:stCondLst>
-                              <p:cond delay="0"/>
-                            </p:stCondLst>
-                            <p:childTnLst>
-                              <p:par>
-                                <p:cTn id="5" presetID="1" presetClass="entr" presetSubtype="0" fill="hold" nodeType="withEffect">
-                                  <p:stCondLst>
-                                    <p:cond delay="0"/>
-                                  </p:stCondLst>
-                                  <p:childTnLst>
-                                    <p:set>
-                                      <p:cBhvr>
-                                        <p:cTn id="6" dur="1" fill="hold">
-                                          <p:stCondLst>
-                                            <p:cond delay="0"/>
-                                          </p:stCondLst>
-                                        </p:cTn>
-                                        <p:tgtEl>
-                                          <p:spTgt spid="33"/>
-                                        </p:tgtEl>
-                                        <p:attrNameLst>
-                                          <p:attrName>style.visibility</p:attrName>
-                                        </p:attrNameLst>
-                                      </p:cBhvr>
-                                      <p:to>
-                                        <p:strVal val="visible"/>
-                                      </p:to>
-                                    </p:set>
-                                  </p:childTnLst>
-                                </p:cTn>
-                              </p:par>
-                            </p:childTnLst>
-                          </p:cTn>
-                        </p:par>
-                      </p:childTnLst>
-                    </p:cTn>
-                  </p:par>
-                </p:childTnLst>
-              </p:cTn>
-              <p:prevCondLst>
-                <p:cond evt="onPrev" delay="0">
-                  <p:tgtEl>
-                    <p:sldTgt/>
-                  </p:tgtEl>
-                </p:cond>
-              </p:prevCondLst>
-              <p:nextCondLst>
-                <p:cond evt="onNext" delay="0">
-                  <p:tgtEl>
-                    <p:sldTgt/>
-                  </p:tgtEl>
-                </p:cond>
-              </p:nextCondLst>
-            </p:seq>
-          </p:childTnLst>
-        </p:cTn>
-      </p:par>
-    </p:tnLst>
-  </p:timing>
 </p:sld>
 </file>
 
@@ -6942,1969 +9123,12 @@
           <a:chExt cx="0" cy="0"/>
         </a:xfrm>
       </p:grpSpPr>
-      <p:sp>
-        <p:nvSpPr>
-          <p:cNvPr id="2" name="Title 1">
+      <p:pic>
+        <p:nvPicPr>
+          <p:cNvPr id="25" name="Picture 24">
             <a:extLst>
               <a:ext uri="{FF2B5EF4-FFF2-40B4-BE49-F238E27FC236}">
-                <a16:creationId xmlns:a16="http://schemas.microsoft.com/office/drawing/2014/main" id="{C1D0E459-2535-5082-B64B-176F4F745EE9}"/>
-              </a:ext>
-            </a:extLst>
-          </p:cNvPr>
-          <p:cNvSpPr>
-            <a:spLocks noGrp="1"/>
-          </p:cNvSpPr>
-          <p:nvPr>
-            <p:ph type="ctrTitle"/>
-          </p:nvPr>
-        </p:nvSpPr>
-        <p:spPr>
-          <a:xfrm>
-            <a:off x="343423" y="83815"/>
-            <a:ext cx="11107885" cy="922760"/>
-          </a:xfrm>
-        </p:spPr>
-        <p:txBody>
-          <a:bodyPr>
-            <a:normAutofit/>
-          </a:bodyPr>
-          <a:lstStyle/>
-          <a:p>
-            <a:r>
-              <a:rPr lang="en-US" sz="4000" dirty="0"/>
-              <a:t>Time Series Classification and Regression</a:t>
-            </a:r>
-            <a:endParaRPr lang="en-AU" sz="4000" dirty="0"/>
-          </a:p>
-        </p:txBody>
-      </p:sp>
-      <p:grpSp>
-        <p:nvGrpSpPr>
-          <p:cNvPr id="3" name="Group 2">
-            <a:extLst>
-              <a:ext uri="{FF2B5EF4-FFF2-40B4-BE49-F238E27FC236}">
-                <a16:creationId xmlns:a16="http://schemas.microsoft.com/office/drawing/2014/main" id="{8A34F361-364D-9A4F-579A-56C4DE264A1F}"/>
-              </a:ext>
-            </a:extLst>
-          </p:cNvPr>
-          <p:cNvGrpSpPr/>
-          <p:nvPr/>
-        </p:nvGrpSpPr>
-        <p:grpSpPr>
-          <a:xfrm>
-            <a:off x="428907" y="1092859"/>
-            <a:ext cx="5468458" cy="2924337"/>
-            <a:chOff x="844159" y="1082506"/>
-            <a:chExt cx="7116472" cy="3236069"/>
-          </a:xfrm>
-        </p:grpSpPr>
-        <p:sp>
-          <p:nvSpPr>
-            <p:cNvPr id="5" name="Content Placeholder 2">
-              <a:extLst>
-                <a:ext uri="{FF2B5EF4-FFF2-40B4-BE49-F238E27FC236}">
-                  <a16:creationId xmlns:a16="http://schemas.microsoft.com/office/drawing/2014/main" id="{5C06206F-6F00-A322-5F1A-18377B5D81F2}"/>
-                </a:ext>
-              </a:extLst>
-            </p:cNvPr>
-            <p:cNvSpPr txBox="1">
-              <a:spLocks/>
-            </p:cNvSpPr>
-            <p:nvPr/>
-          </p:nvSpPr>
-          <p:spPr>
-            <a:xfrm>
-              <a:off x="4291764" y="3090836"/>
-              <a:ext cx="2139736" cy="581990"/>
-            </a:xfrm>
-            <a:prstGeom prst="rect">
-              <a:avLst/>
-            </a:prstGeom>
-          </p:spPr>
-          <p:txBody>
-            <a:bodyPr lIns="0" tIns="0" rIns="0" bIns="0"/>
-            <a:lstStyle>
-              <a:defPPr>
-                <a:defRPr lang="en-US"/>
-              </a:defPPr>
-              <a:lvl1pPr marL="0" algn="l" defTabSz="914400" rtl="0" eaLnBrk="1" latinLnBrk="0" hangingPunct="1">
-                <a:defRPr sz="1800" kern="1200">
-                  <a:solidFill>
-                    <a:schemeClr val="tx1"/>
-                  </a:solidFill>
-                  <a:latin typeface="+mn-lt"/>
-                  <a:ea typeface="+mn-ea"/>
-                  <a:cs typeface="+mn-cs"/>
-                </a:defRPr>
-              </a:lvl1pPr>
-              <a:lvl2pPr marL="457200" algn="l" defTabSz="914400" rtl="0" eaLnBrk="1" latinLnBrk="0" hangingPunct="1">
-                <a:defRPr sz="1800" kern="1200">
-                  <a:solidFill>
-                    <a:schemeClr val="tx1"/>
-                  </a:solidFill>
-                  <a:latin typeface="+mn-lt"/>
-                  <a:ea typeface="+mn-ea"/>
-                  <a:cs typeface="+mn-cs"/>
-                </a:defRPr>
-              </a:lvl2pPr>
-              <a:lvl3pPr marL="914400" algn="l" defTabSz="914400" rtl="0" eaLnBrk="1" latinLnBrk="0" hangingPunct="1">
-                <a:defRPr sz="1800" kern="1200">
-                  <a:solidFill>
-                    <a:schemeClr val="tx1"/>
-                  </a:solidFill>
-                  <a:latin typeface="+mn-lt"/>
-                  <a:ea typeface="+mn-ea"/>
-                  <a:cs typeface="+mn-cs"/>
-                </a:defRPr>
-              </a:lvl3pPr>
-              <a:lvl4pPr marL="1371600" algn="l" defTabSz="914400" rtl="0" eaLnBrk="1" latinLnBrk="0" hangingPunct="1">
-                <a:defRPr sz="1800" kern="1200">
-                  <a:solidFill>
-                    <a:schemeClr val="tx1"/>
-                  </a:solidFill>
-                  <a:latin typeface="+mn-lt"/>
-                  <a:ea typeface="+mn-ea"/>
-                  <a:cs typeface="+mn-cs"/>
-                </a:defRPr>
-              </a:lvl4pPr>
-              <a:lvl5pPr marL="1828800" algn="l" defTabSz="914400" rtl="0" eaLnBrk="1" latinLnBrk="0" hangingPunct="1">
-                <a:defRPr sz="1800" kern="1200">
-                  <a:solidFill>
-                    <a:schemeClr val="tx1"/>
-                  </a:solidFill>
-                  <a:latin typeface="+mn-lt"/>
-                  <a:ea typeface="+mn-ea"/>
-                  <a:cs typeface="+mn-cs"/>
-                </a:defRPr>
-              </a:lvl5pPr>
-              <a:lvl6pPr marL="2286000" algn="l" defTabSz="914400" rtl="0" eaLnBrk="1" latinLnBrk="0" hangingPunct="1">
-                <a:defRPr sz="1800" kern="1200">
-                  <a:solidFill>
-                    <a:schemeClr val="tx1"/>
-                  </a:solidFill>
-                  <a:latin typeface="+mn-lt"/>
-                  <a:ea typeface="+mn-ea"/>
-                  <a:cs typeface="+mn-cs"/>
-                </a:defRPr>
-              </a:lvl6pPr>
-              <a:lvl7pPr marL="2743200" algn="l" defTabSz="914400" rtl="0" eaLnBrk="1" latinLnBrk="0" hangingPunct="1">
-                <a:defRPr sz="1800" kern="1200">
-                  <a:solidFill>
-                    <a:schemeClr val="tx1"/>
-                  </a:solidFill>
-                  <a:latin typeface="+mn-lt"/>
-                  <a:ea typeface="+mn-ea"/>
-                  <a:cs typeface="+mn-cs"/>
-                </a:defRPr>
-              </a:lvl7pPr>
-              <a:lvl8pPr marL="3200400" algn="l" defTabSz="914400" rtl="0" eaLnBrk="1" latinLnBrk="0" hangingPunct="1">
-                <a:defRPr sz="1800" kern="1200">
-                  <a:solidFill>
-                    <a:schemeClr val="tx1"/>
-                  </a:solidFill>
-                  <a:latin typeface="+mn-lt"/>
-                  <a:ea typeface="+mn-ea"/>
-                  <a:cs typeface="+mn-cs"/>
-                </a:defRPr>
-              </a:lvl8pPr>
-              <a:lvl9pPr marL="3657600" algn="l" defTabSz="914400" rtl="0" eaLnBrk="1" latinLnBrk="0" hangingPunct="1">
-                <a:defRPr sz="1800" kern="1200">
-                  <a:solidFill>
-                    <a:schemeClr val="tx1"/>
-                  </a:solidFill>
-                  <a:latin typeface="+mn-lt"/>
-                  <a:ea typeface="+mn-ea"/>
-                  <a:cs typeface="+mn-cs"/>
-                </a:defRPr>
-              </a:lvl9pPr>
-            </a:lstStyle>
-            <a:p>
-              <a:pPr algn="ctr">
-                <a:buSzPct val="100000"/>
-              </a:pPr>
-              <a:r>
-                <a:rPr lang="en-GB" sz="1600" i="1" dirty="0"/>
-                <a:t>Classify </a:t>
-              </a:r>
-              <a:br>
-                <a:rPr lang="en-GB" sz="1600" i="1" dirty="0"/>
-              </a:br>
-              <a:r>
-                <a:rPr lang="en-GB" sz="1600" i="1" dirty="0"/>
-                <a:t>unlabelled series</a:t>
-              </a:r>
-              <a:endParaRPr lang="en-US" sz="1600" dirty="0"/>
-            </a:p>
-          </p:txBody>
-        </p:sp>
-        <p:sp>
-          <p:nvSpPr>
-            <p:cNvPr id="6" name="Freeform 17">
-              <a:extLst>
-                <a:ext uri="{FF2B5EF4-FFF2-40B4-BE49-F238E27FC236}">
-                  <a16:creationId xmlns:a16="http://schemas.microsoft.com/office/drawing/2014/main" id="{91907404-F45F-EFE1-F088-8F46AA89B322}"/>
-                </a:ext>
-              </a:extLst>
-            </p:cNvPr>
-            <p:cNvSpPr/>
-            <p:nvPr/>
-          </p:nvSpPr>
-          <p:spPr>
-            <a:xfrm rot="423803">
-              <a:off x="912354" y="3240473"/>
-              <a:ext cx="6312861" cy="790184"/>
-            </a:xfrm>
-            <a:custGeom>
-              <a:avLst/>
-              <a:gdLst>
-                <a:gd name="connsiteX0" fmla="*/ 0 w 8288594"/>
-                <a:gd name="connsiteY0" fmla="*/ 1386577 h 1503118"/>
-                <a:gd name="connsiteX1" fmla="*/ 2064775 w 8288594"/>
-                <a:gd name="connsiteY1" fmla="*/ 228 h 1503118"/>
-                <a:gd name="connsiteX2" fmla="*/ 3952568 w 8288594"/>
-                <a:gd name="connsiteY2" fmla="*/ 1475067 h 1503118"/>
-                <a:gd name="connsiteX3" fmla="*/ 8288594 w 8288594"/>
-                <a:gd name="connsiteY3" fmla="*/ 826138 h 1503118"/>
-              </a:gdLst>
-              <a:ahLst/>
-              <a:cxnLst>
-                <a:cxn ang="0">
-                  <a:pos x="connsiteX0" y="connsiteY0"/>
-                </a:cxn>
-                <a:cxn ang="0">
-                  <a:pos x="connsiteX1" y="connsiteY1"/>
-                </a:cxn>
-                <a:cxn ang="0">
-                  <a:pos x="connsiteX2" y="connsiteY2"/>
-                </a:cxn>
-                <a:cxn ang="0">
-                  <a:pos x="connsiteX3" y="connsiteY3"/>
-                </a:cxn>
-              </a:cxnLst>
-              <a:rect l="l" t="t" r="r" b="b"/>
-              <a:pathLst>
-                <a:path w="8288594" h="1503118">
-                  <a:moveTo>
-                    <a:pt x="0" y="1386577"/>
-                  </a:moveTo>
-                  <a:cubicBezTo>
-                    <a:pt x="703007" y="686028"/>
-                    <a:pt x="1406014" y="-14520"/>
-                    <a:pt x="2064775" y="228"/>
-                  </a:cubicBezTo>
-                  <a:cubicBezTo>
-                    <a:pt x="2723536" y="14976"/>
-                    <a:pt x="2915265" y="1337415"/>
-                    <a:pt x="3952568" y="1475067"/>
-                  </a:cubicBezTo>
-                  <a:cubicBezTo>
-                    <a:pt x="4989871" y="1612719"/>
-                    <a:pt x="6639232" y="1219428"/>
-                    <a:pt x="8288594" y="826138"/>
-                  </a:cubicBezTo>
-                </a:path>
-              </a:pathLst>
-            </a:custGeom>
-            <a:ln w="63500" cap="rnd">
-              <a:solidFill>
-                <a:schemeClr val="bg1">
-                  <a:lumMod val="50000"/>
-                </a:schemeClr>
-              </a:solidFill>
-            </a:ln>
-          </p:spPr>
-          <p:style>
-            <a:lnRef idx="1">
-              <a:schemeClr val="accent2"/>
-            </a:lnRef>
-            <a:fillRef idx="0">
-              <a:schemeClr val="accent2"/>
-            </a:fillRef>
-            <a:effectRef idx="0">
-              <a:schemeClr val="accent2"/>
-            </a:effectRef>
-            <a:fontRef idx="minor">
-              <a:schemeClr val="tx1"/>
-            </a:fontRef>
-          </p:style>
-          <p:txBody>
-            <a:bodyPr rtlCol="0" anchor="ctr"/>
-            <a:lstStyle>
-              <a:defPPr>
-                <a:defRPr lang="en-US"/>
-              </a:defPPr>
-              <a:lvl1pPr marL="0" algn="l" defTabSz="914400" rtl="0" eaLnBrk="1" latinLnBrk="0" hangingPunct="1">
-                <a:defRPr sz="1800" kern="1200">
-                  <a:solidFill>
-                    <a:schemeClr val="tx1"/>
-                  </a:solidFill>
-                  <a:latin typeface="+mn-lt"/>
-                  <a:ea typeface="+mn-ea"/>
-                  <a:cs typeface="+mn-cs"/>
-                </a:defRPr>
-              </a:lvl1pPr>
-              <a:lvl2pPr marL="457200" algn="l" defTabSz="914400" rtl="0" eaLnBrk="1" latinLnBrk="0" hangingPunct="1">
-                <a:defRPr sz="1800" kern="1200">
-                  <a:solidFill>
-                    <a:schemeClr val="tx1"/>
-                  </a:solidFill>
-                  <a:latin typeface="+mn-lt"/>
-                  <a:ea typeface="+mn-ea"/>
-                  <a:cs typeface="+mn-cs"/>
-                </a:defRPr>
-              </a:lvl2pPr>
-              <a:lvl3pPr marL="914400" algn="l" defTabSz="914400" rtl="0" eaLnBrk="1" latinLnBrk="0" hangingPunct="1">
-                <a:defRPr sz="1800" kern="1200">
-                  <a:solidFill>
-                    <a:schemeClr val="tx1"/>
-                  </a:solidFill>
-                  <a:latin typeface="+mn-lt"/>
-                  <a:ea typeface="+mn-ea"/>
-                  <a:cs typeface="+mn-cs"/>
-                </a:defRPr>
-              </a:lvl3pPr>
-              <a:lvl4pPr marL="1371600" algn="l" defTabSz="914400" rtl="0" eaLnBrk="1" latinLnBrk="0" hangingPunct="1">
-                <a:defRPr sz="1800" kern="1200">
-                  <a:solidFill>
-                    <a:schemeClr val="tx1"/>
-                  </a:solidFill>
-                  <a:latin typeface="+mn-lt"/>
-                  <a:ea typeface="+mn-ea"/>
-                  <a:cs typeface="+mn-cs"/>
-                </a:defRPr>
-              </a:lvl4pPr>
-              <a:lvl5pPr marL="1828800" algn="l" defTabSz="914400" rtl="0" eaLnBrk="1" latinLnBrk="0" hangingPunct="1">
-                <a:defRPr sz="1800" kern="1200">
-                  <a:solidFill>
-                    <a:schemeClr val="tx1"/>
-                  </a:solidFill>
-                  <a:latin typeface="+mn-lt"/>
-                  <a:ea typeface="+mn-ea"/>
-                  <a:cs typeface="+mn-cs"/>
-                </a:defRPr>
-              </a:lvl5pPr>
-              <a:lvl6pPr marL="2286000" algn="l" defTabSz="914400" rtl="0" eaLnBrk="1" latinLnBrk="0" hangingPunct="1">
-                <a:defRPr sz="1800" kern="1200">
-                  <a:solidFill>
-                    <a:schemeClr val="tx1"/>
-                  </a:solidFill>
-                  <a:latin typeface="+mn-lt"/>
-                  <a:ea typeface="+mn-ea"/>
-                  <a:cs typeface="+mn-cs"/>
-                </a:defRPr>
-              </a:lvl6pPr>
-              <a:lvl7pPr marL="2743200" algn="l" defTabSz="914400" rtl="0" eaLnBrk="1" latinLnBrk="0" hangingPunct="1">
-                <a:defRPr sz="1800" kern="1200">
-                  <a:solidFill>
-                    <a:schemeClr val="tx1"/>
-                  </a:solidFill>
-                  <a:latin typeface="+mn-lt"/>
-                  <a:ea typeface="+mn-ea"/>
-                  <a:cs typeface="+mn-cs"/>
-                </a:defRPr>
-              </a:lvl7pPr>
-              <a:lvl8pPr marL="3200400" algn="l" defTabSz="914400" rtl="0" eaLnBrk="1" latinLnBrk="0" hangingPunct="1">
-                <a:defRPr sz="1800" kern="1200">
-                  <a:solidFill>
-                    <a:schemeClr val="tx1"/>
-                  </a:solidFill>
-                  <a:latin typeface="+mn-lt"/>
-                  <a:ea typeface="+mn-ea"/>
-                  <a:cs typeface="+mn-cs"/>
-                </a:defRPr>
-              </a:lvl8pPr>
-              <a:lvl9pPr marL="3657600" algn="l" defTabSz="914400" rtl="0" eaLnBrk="1" latinLnBrk="0" hangingPunct="1">
-                <a:defRPr sz="1800" kern="1200">
-                  <a:solidFill>
-                    <a:schemeClr val="tx1"/>
-                  </a:solidFill>
-                  <a:latin typeface="+mn-lt"/>
-                  <a:ea typeface="+mn-ea"/>
-                  <a:cs typeface="+mn-cs"/>
-                </a:defRPr>
-              </a:lvl9pPr>
-            </a:lstStyle>
-            <a:p>
-              <a:pPr algn="ctr">
-                <a:buSzPct val="100000"/>
-              </a:pPr>
-              <a:endParaRPr lang="en-US" sz="1600"/>
-            </a:p>
-          </p:txBody>
-        </p:sp>
-        <p:sp>
-          <p:nvSpPr>
-            <p:cNvPr id="7" name="Freeform: Shape 6">
-              <a:extLst>
-                <a:ext uri="{FF2B5EF4-FFF2-40B4-BE49-F238E27FC236}">
-                  <a16:creationId xmlns:a16="http://schemas.microsoft.com/office/drawing/2014/main" id="{0043B3CB-2A9F-871C-E5AA-3BCA05E29FF2}"/>
-                </a:ext>
-              </a:extLst>
-            </p:cNvPr>
-            <p:cNvSpPr/>
-            <p:nvPr/>
-          </p:nvSpPr>
-          <p:spPr>
-            <a:xfrm rot="8625883">
-              <a:off x="6194794" y="3046362"/>
-              <a:ext cx="537160" cy="437015"/>
-            </a:xfrm>
-            <a:custGeom>
-              <a:avLst/>
-              <a:gdLst>
-                <a:gd name="connsiteX0" fmla="*/ 3910 w 450950"/>
-                <a:gd name="connsiteY0" fmla="*/ 0 h 660400"/>
-                <a:gd name="connsiteX1" fmla="*/ 64870 w 450950"/>
-                <a:gd name="connsiteY1" fmla="*/ 538480 h 660400"/>
-                <a:gd name="connsiteX2" fmla="*/ 450950 w 450950"/>
-                <a:gd name="connsiteY2" fmla="*/ 660400 h 660400"/>
-              </a:gdLst>
-              <a:ahLst/>
-              <a:cxnLst>
-                <a:cxn ang="0">
-                  <a:pos x="connsiteX0" y="connsiteY0"/>
-                </a:cxn>
-                <a:cxn ang="0">
-                  <a:pos x="connsiteX1" y="connsiteY1"/>
-                </a:cxn>
-                <a:cxn ang="0">
-                  <a:pos x="connsiteX2" y="connsiteY2"/>
-                </a:cxn>
-              </a:cxnLst>
-              <a:rect l="l" t="t" r="r" b="b"/>
-              <a:pathLst>
-                <a:path w="450950" h="660400">
-                  <a:moveTo>
-                    <a:pt x="3910" y="0"/>
-                  </a:moveTo>
-                  <a:cubicBezTo>
-                    <a:pt x="-2864" y="214206"/>
-                    <a:pt x="-9637" y="428413"/>
-                    <a:pt x="64870" y="538480"/>
-                  </a:cubicBezTo>
-                  <a:cubicBezTo>
-                    <a:pt x="139377" y="648547"/>
-                    <a:pt x="295163" y="654473"/>
-                    <a:pt x="450950" y="660400"/>
-                  </a:cubicBezTo>
-                </a:path>
-              </a:pathLst>
-            </a:custGeom>
-            <a:noFill/>
-            <a:ln w="38100">
-              <a:solidFill>
-                <a:schemeClr val="tx1"/>
-              </a:solidFill>
-              <a:headEnd type="triangle" w="lg" len="lg"/>
-              <a:tailEnd type="none"/>
-            </a:ln>
-          </p:spPr>
-          <p:style>
-            <a:lnRef idx="2">
-              <a:schemeClr val="accent1">
-                <a:shade val="50000"/>
-              </a:schemeClr>
-            </a:lnRef>
-            <a:fillRef idx="1">
-              <a:schemeClr val="accent1"/>
-            </a:fillRef>
-            <a:effectRef idx="0">
-              <a:schemeClr val="accent1"/>
-            </a:effectRef>
-            <a:fontRef idx="minor">
-              <a:schemeClr val="lt1"/>
-            </a:fontRef>
-          </p:style>
-          <p:txBody>
-            <a:bodyPr rtlCol="0" anchor="ctr"/>
-            <a:lstStyle>
-              <a:defPPr>
-                <a:defRPr lang="en-US"/>
-              </a:defPPr>
-              <a:lvl1pPr marL="0" algn="l" defTabSz="914400" rtl="0" eaLnBrk="1" latinLnBrk="0" hangingPunct="1">
-                <a:defRPr sz="1800" kern="1200">
-                  <a:solidFill>
-                    <a:schemeClr val="lt1"/>
-                  </a:solidFill>
-                  <a:latin typeface="+mn-lt"/>
-                  <a:ea typeface="+mn-ea"/>
-                  <a:cs typeface="+mn-cs"/>
-                </a:defRPr>
-              </a:lvl1pPr>
-              <a:lvl2pPr marL="457200" algn="l" defTabSz="914400" rtl="0" eaLnBrk="1" latinLnBrk="0" hangingPunct="1">
-                <a:defRPr sz="1800" kern="1200">
-                  <a:solidFill>
-                    <a:schemeClr val="lt1"/>
-                  </a:solidFill>
-                  <a:latin typeface="+mn-lt"/>
-                  <a:ea typeface="+mn-ea"/>
-                  <a:cs typeface="+mn-cs"/>
-                </a:defRPr>
-              </a:lvl2pPr>
-              <a:lvl3pPr marL="914400" algn="l" defTabSz="914400" rtl="0" eaLnBrk="1" latinLnBrk="0" hangingPunct="1">
-                <a:defRPr sz="1800" kern="1200">
-                  <a:solidFill>
-                    <a:schemeClr val="lt1"/>
-                  </a:solidFill>
-                  <a:latin typeface="+mn-lt"/>
-                  <a:ea typeface="+mn-ea"/>
-                  <a:cs typeface="+mn-cs"/>
-                </a:defRPr>
-              </a:lvl3pPr>
-              <a:lvl4pPr marL="1371600" algn="l" defTabSz="914400" rtl="0" eaLnBrk="1" latinLnBrk="0" hangingPunct="1">
-                <a:defRPr sz="1800" kern="1200">
-                  <a:solidFill>
-                    <a:schemeClr val="lt1"/>
-                  </a:solidFill>
-                  <a:latin typeface="+mn-lt"/>
-                  <a:ea typeface="+mn-ea"/>
-                  <a:cs typeface="+mn-cs"/>
-                </a:defRPr>
-              </a:lvl4pPr>
-              <a:lvl5pPr marL="1828800" algn="l" defTabSz="914400" rtl="0" eaLnBrk="1" latinLnBrk="0" hangingPunct="1">
-                <a:defRPr sz="1800" kern="1200">
-                  <a:solidFill>
-                    <a:schemeClr val="lt1"/>
-                  </a:solidFill>
-                  <a:latin typeface="+mn-lt"/>
-                  <a:ea typeface="+mn-ea"/>
-                  <a:cs typeface="+mn-cs"/>
-                </a:defRPr>
-              </a:lvl5pPr>
-              <a:lvl6pPr marL="2286000" algn="l" defTabSz="914400" rtl="0" eaLnBrk="1" latinLnBrk="0" hangingPunct="1">
-                <a:defRPr sz="1800" kern="1200">
-                  <a:solidFill>
-                    <a:schemeClr val="lt1"/>
-                  </a:solidFill>
-                  <a:latin typeface="+mn-lt"/>
-                  <a:ea typeface="+mn-ea"/>
-                  <a:cs typeface="+mn-cs"/>
-                </a:defRPr>
-              </a:lvl6pPr>
-              <a:lvl7pPr marL="2743200" algn="l" defTabSz="914400" rtl="0" eaLnBrk="1" latinLnBrk="0" hangingPunct="1">
-                <a:defRPr sz="1800" kern="1200">
-                  <a:solidFill>
-                    <a:schemeClr val="lt1"/>
-                  </a:solidFill>
-                  <a:latin typeface="+mn-lt"/>
-                  <a:ea typeface="+mn-ea"/>
-                  <a:cs typeface="+mn-cs"/>
-                </a:defRPr>
-              </a:lvl7pPr>
-              <a:lvl8pPr marL="3200400" algn="l" defTabSz="914400" rtl="0" eaLnBrk="1" latinLnBrk="0" hangingPunct="1">
-                <a:defRPr sz="1800" kern="1200">
-                  <a:solidFill>
-                    <a:schemeClr val="lt1"/>
-                  </a:solidFill>
-                  <a:latin typeface="+mn-lt"/>
-                  <a:ea typeface="+mn-ea"/>
-                  <a:cs typeface="+mn-cs"/>
-                </a:defRPr>
-              </a:lvl8pPr>
-              <a:lvl9pPr marL="3657600" algn="l" defTabSz="914400" rtl="0" eaLnBrk="1" latinLnBrk="0" hangingPunct="1">
-                <a:defRPr sz="1800" kern="1200">
-                  <a:solidFill>
-                    <a:schemeClr val="lt1"/>
-                  </a:solidFill>
-                  <a:latin typeface="+mn-lt"/>
-                  <a:ea typeface="+mn-ea"/>
-                  <a:cs typeface="+mn-cs"/>
-                </a:defRPr>
-              </a:lvl9pPr>
-            </a:lstStyle>
-            <a:p>
-              <a:pPr algn="ctr">
-                <a:buSzPct val="100000"/>
-              </a:pPr>
-              <a:endParaRPr lang="en-GB" sz="1600"/>
-            </a:p>
-          </p:txBody>
-        </p:sp>
-        <p:sp>
-          <p:nvSpPr>
-            <p:cNvPr id="8" name="Freeform 8">
-              <a:extLst>
-                <a:ext uri="{FF2B5EF4-FFF2-40B4-BE49-F238E27FC236}">
-                  <a16:creationId xmlns:a16="http://schemas.microsoft.com/office/drawing/2014/main" id="{29EC99A8-C065-A7E3-E657-F96BD9FD7D2B}"/>
-                </a:ext>
-              </a:extLst>
-            </p:cNvPr>
-            <p:cNvSpPr/>
-            <p:nvPr/>
-          </p:nvSpPr>
-          <p:spPr>
-            <a:xfrm>
-              <a:off x="881009" y="1601092"/>
-              <a:ext cx="6313494" cy="790941"/>
-            </a:xfrm>
-            <a:custGeom>
-              <a:avLst/>
-              <a:gdLst>
-                <a:gd name="connsiteX0" fmla="*/ 0 w 4214191"/>
-                <a:gd name="connsiteY0" fmla="*/ 2346183 h 2671025"/>
-                <a:gd name="connsiteX1" fmla="*/ 1113183 w 4214191"/>
-                <a:gd name="connsiteY1" fmla="*/ 549 h 2671025"/>
-                <a:gd name="connsiteX2" fmla="*/ 2206487 w 4214191"/>
-                <a:gd name="connsiteY2" fmla="*/ 2525088 h 2671025"/>
-                <a:gd name="connsiteX3" fmla="*/ 4214191 w 4214191"/>
-                <a:gd name="connsiteY3" fmla="*/ 2147401 h 2671025"/>
-              </a:gdLst>
-              <a:ahLst/>
-              <a:cxnLst>
-                <a:cxn ang="0">
-                  <a:pos x="connsiteX0" y="connsiteY0"/>
-                </a:cxn>
-                <a:cxn ang="0">
-                  <a:pos x="connsiteX1" y="connsiteY1"/>
-                </a:cxn>
-                <a:cxn ang="0">
-                  <a:pos x="connsiteX2" y="connsiteY2"/>
-                </a:cxn>
-                <a:cxn ang="0">
-                  <a:pos x="connsiteX3" y="connsiteY3"/>
-                </a:cxn>
-              </a:cxnLst>
-              <a:rect l="l" t="t" r="r" b="b"/>
-              <a:pathLst>
-                <a:path w="4214191" h="2671025">
-                  <a:moveTo>
-                    <a:pt x="0" y="2346183"/>
-                  </a:moveTo>
-                  <a:cubicBezTo>
-                    <a:pt x="372717" y="1158457"/>
-                    <a:pt x="745435" y="-29268"/>
-                    <a:pt x="1113183" y="549"/>
-                  </a:cubicBezTo>
-                  <a:cubicBezTo>
-                    <a:pt x="1480931" y="30366"/>
-                    <a:pt x="1689652" y="2167279"/>
-                    <a:pt x="2206487" y="2525088"/>
-                  </a:cubicBezTo>
-                  <a:cubicBezTo>
-                    <a:pt x="2723322" y="2882897"/>
-                    <a:pt x="3468756" y="2515149"/>
-                    <a:pt x="4214191" y="2147401"/>
-                  </a:cubicBezTo>
-                </a:path>
-              </a:pathLst>
-            </a:custGeom>
-            <a:ln w="63500" cap="rnd">
-              <a:solidFill>
-                <a:srgbClr val="0070C0"/>
-              </a:solidFill>
-              <a:headEnd type="none" w="sm" len="sm"/>
-              <a:tailEnd type="none"/>
-            </a:ln>
-          </p:spPr>
-          <p:style>
-            <a:lnRef idx="1">
-              <a:schemeClr val="accent1"/>
-            </a:lnRef>
-            <a:fillRef idx="0">
-              <a:schemeClr val="accent1"/>
-            </a:fillRef>
-            <a:effectRef idx="0">
-              <a:schemeClr val="accent1"/>
-            </a:effectRef>
-            <a:fontRef idx="minor">
-              <a:schemeClr val="tx1"/>
-            </a:fontRef>
-          </p:style>
-          <p:txBody>
-            <a:bodyPr rtlCol="0" anchor="ctr"/>
-            <a:lstStyle>
-              <a:defPPr>
-                <a:defRPr lang="en-US"/>
-              </a:defPPr>
-              <a:lvl1pPr marL="0" algn="l" defTabSz="914400" rtl="0" eaLnBrk="1" latinLnBrk="0" hangingPunct="1">
-                <a:defRPr sz="1800" kern="1200">
-                  <a:solidFill>
-                    <a:schemeClr val="tx1"/>
-                  </a:solidFill>
-                  <a:latin typeface="+mn-lt"/>
-                  <a:ea typeface="+mn-ea"/>
-                  <a:cs typeface="+mn-cs"/>
-                </a:defRPr>
-              </a:lvl1pPr>
-              <a:lvl2pPr marL="457200" algn="l" defTabSz="914400" rtl="0" eaLnBrk="1" latinLnBrk="0" hangingPunct="1">
-                <a:defRPr sz="1800" kern="1200">
-                  <a:solidFill>
-                    <a:schemeClr val="tx1"/>
-                  </a:solidFill>
-                  <a:latin typeface="+mn-lt"/>
-                  <a:ea typeface="+mn-ea"/>
-                  <a:cs typeface="+mn-cs"/>
-                </a:defRPr>
-              </a:lvl2pPr>
-              <a:lvl3pPr marL="914400" algn="l" defTabSz="914400" rtl="0" eaLnBrk="1" latinLnBrk="0" hangingPunct="1">
-                <a:defRPr sz="1800" kern="1200">
-                  <a:solidFill>
-                    <a:schemeClr val="tx1"/>
-                  </a:solidFill>
-                  <a:latin typeface="+mn-lt"/>
-                  <a:ea typeface="+mn-ea"/>
-                  <a:cs typeface="+mn-cs"/>
-                </a:defRPr>
-              </a:lvl3pPr>
-              <a:lvl4pPr marL="1371600" algn="l" defTabSz="914400" rtl="0" eaLnBrk="1" latinLnBrk="0" hangingPunct="1">
-                <a:defRPr sz="1800" kern="1200">
-                  <a:solidFill>
-                    <a:schemeClr val="tx1"/>
-                  </a:solidFill>
-                  <a:latin typeface="+mn-lt"/>
-                  <a:ea typeface="+mn-ea"/>
-                  <a:cs typeface="+mn-cs"/>
-                </a:defRPr>
-              </a:lvl4pPr>
-              <a:lvl5pPr marL="1828800" algn="l" defTabSz="914400" rtl="0" eaLnBrk="1" latinLnBrk="0" hangingPunct="1">
-                <a:defRPr sz="1800" kern="1200">
-                  <a:solidFill>
-                    <a:schemeClr val="tx1"/>
-                  </a:solidFill>
-                  <a:latin typeface="+mn-lt"/>
-                  <a:ea typeface="+mn-ea"/>
-                  <a:cs typeface="+mn-cs"/>
-                </a:defRPr>
-              </a:lvl5pPr>
-              <a:lvl6pPr marL="2286000" algn="l" defTabSz="914400" rtl="0" eaLnBrk="1" latinLnBrk="0" hangingPunct="1">
-                <a:defRPr sz="1800" kern="1200">
-                  <a:solidFill>
-                    <a:schemeClr val="tx1"/>
-                  </a:solidFill>
-                  <a:latin typeface="+mn-lt"/>
-                  <a:ea typeface="+mn-ea"/>
-                  <a:cs typeface="+mn-cs"/>
-                </a:defRPr>
-              </a:lvl6pPr>
-              <a:lvl7pPr marL="2743200" algn="l" defTabSz="914400" rtl="0" eaLnBrk="1" latinLnBrk="0" hangingPunct="1">
-                <a:defRPr sz="1800" kern="1200">
-                  <a:solidFill>
-                    <a:schemeClr val="tx1"/>
-                  </a:solidFill>
-                  <a:latin typeface="+mn-lt"/>
-                  <a:ea typeface="+mn-ea"/>
-                  <a:cs typeface="+mn-cs"/>
-                </a:defRPr>
-              </a:lvl7pPr>
-              <a:lvl8pPr marL="3200400" algn="l" defTabSz="914400" rtl="0" eaLnBrk="1" latinLnBrk="0" hangingPunct="1">
-                <a:defRPr sz="1800" kern="1200">
-                  <a:solidFill>
-                    <a:schemeClr val="tx1"/>
-                  </a:solidFill>
-                  <a:latin typeface="+mn-lt"/>
-                  <a:ea typeface="+mn-ea"/>
-                  <a:cs typeface="+mn-cs"/>
-                </a:defRPr>
-              </a:lvl8pPr>
-              <a:lvl9pPr marL="3657600" algn="l" defTabSz="914400" rtl="0" eaLnBrk="1" latinLnBrk="0" hangingPunct="1">
-                <a:defRPr sz="1800" kern="1200">
-                  <a:solidFill>
-                    <a:schemeClr val="tx1"/>
-                  </a:solidFill>
-                  <a:latin typeface="+mn-lt"/>
-                  <a:ea typeface="+mn-ea"/>
-                  <a:cs typeface="+mn-cs"/>
-                </a:defRPr>
-              </a:lvl9pPr>
-            </a:lstStyle>
-            <a:p>
-              <a:pPr algn="ctr">
-                <a:buSzPct val="100000"/>
-              </a:pPr>
-              <a:endParaRPr lang="en-US" sz="1600"/>
-            </a:p>
-          </p:txBody>
-        </p:sp>
-        <p:sp>
-          <p:nvSpPr>
-            <p:cNvPr id="9" name="Freeform 9">
-              <a:extLst>
-                <a:ext uri="{FF2B5EF4-FFF2-40B4-BE49-F238E27FC236}">
-                  <a16:creationId xmlns:a16="http://schemas.microsoft.com/office/drawing/2014/main" id="{64D865BB-0880-3C10-43CC-FD4A53E42A6F}"/>
-                </a:ext>
-              </a:extLst>
-            </p:cNvPr>
-            <p:cNvSpPr/>
-            <p:nvPr/>
-          </p:nvSpPr>
-          <p:spPr>
-            <a:xfrm rot="21446373">
-              <a:off x="869957" y="1701640"/>
-              <a:ext cx="6251817" cy="856319"/>
-            </a:xfrm>
-            <a:custGeom>
-              <a:avLst/>
-              <a:gdLst>
-                <a:gd name="connsiteX0" fmla="*/ 0 w 8082116"/>
-                <a:gd name="connsiteY0" fmla="*/ 619447 h 1628922"/>
-                <a:gd name="connsiteX1" fmla="*/ 1091381 w 8082116"/>
-                <a:gd name="connsiteY1" fmla="*/ 1445357 h 1628922"/>
-                <a:gd name="connsiteX2" fmla="*/ 4984955 w 8082116"/>
-                <a:gd name="connsiteY2" fmla="*/ 15 h 1628922"/>
-                <a:gd name="connsiteX3" fmla="*/ 6843252 w 8082116"/>
-                <a:gd name="connsiteY3" fmla="*/ 1415860 h 1628922"/>
-                <a:gd name="connsiteX4" fmla="*/ 7905135 w 8082116"/>
-                <a:gd name="connsiteY4" fmla="*/ 1622338 h 1628922"/>
-                <a:gd name="connsiteX5" fmla="*/ 7905135 w 8082116"/>
-                <a:gd name="connsiteY5" fmla="*/ 1622338 h 1628922"/>
-                <a:gd name="connsiteX6" fmla="*/ 8082116 w 8082116"/>
-                <a:gd name="connsiteY6" fmla="*/ 1622338 h 1628922"/>
-              </a:gdLst>
-              <a:ahLst/>
-              <a:cxnLst>
-                <a:cxn ang="0">
-                  <a:pos x="connsiteX0" y="connsiteY0"/>
-                </a:cxn>
-                <a:cxn ang="0">
-                  <a:pos x="connsiteX1" y="connsiteY1"/>
-                </a:cxn>
-                <a:cxn ang="0">
-                  <a:pos x="connsiteX2" y="connsiteY2"/>
-                </a:cxn>
-                <a:cxn ang="0">
-                  <a:pos x="connsiteX3" y="connsiteY3"/>
-                </a:cxn>
-                <a:cxn ang="0">
-                  <a:pos x="connsiteX4" y="connsiteY4"/>
-                </a:cxn>
-                <a:cxn ang="0">
-                  <a:pos x="connsiteX5" y="connsiteY5"/>
-                </a:cxn>
-                <a:cxn ang="0">
-                  <a:pos x="connsiteX6" y="connsiteY6"/>
-                </a:cxn>
-              </a:cxnLst>
-              <a:rect l="l" t="t" r="r" b="b"/>
-              <a:pathLst>
-                <a:path w="8082116" h="1628922">
-                  <a:moveTo>
-                    <a:pt x="0" y="619447"/>
-                  </a:moveTo>
-                  <a:cubicBezTo>
-                    <a:pt x="130277" y="1084021"/>
-                    <a:pt x="260555" y="1548596"/>
-                    <a:pt x="1091381" y="1445357"/>
-                  </a:cubicBezTo>
-                  <a:cubicBezTo>
-                    <a:pt x="1922207" y="1342118"/>
-                    <a:pt x="4026310" y="4931"/>
-                    <a:pt x="4984955" y="15"/>
-                  </a:cubicBezTo>
-                  <a:cubicBezTo>
-                    <a:pt x="5943600" y="-4901"/>
-                    <a:pt x="6356555" y="1145473"/>
-                    <a:pt x="6843252" y="1415860"/>
-                  </a:cubicBezTo>
-                  <a:cubicBezTo>
-                    <a:pt x="7329949" y="1686247"/>
-                    <a:pt x="7905135" y="1622338"/>
-                    <a:pt x="7905135" y="1622338"/>
-                  </a:cubicBezTo>
-                  <a:lnTo>
-                    <a:pt x="7905135" y="1622338"/>
-                  </a:lnTo>
-                  <a:lnTo>
-                    <a:pt x="8082116" y="1622338"/>
-                  </a:lnTo>
-                </a:path>
-              </a:pathLst>
-            </a:custGeom>
-            <a:ln w="63500" cap="rnd">
-              <a:solidFill>
-                <a:srgbClr val="FF0000"/>
-              </a:solidFill>
-            </a:ln>
-          </p:spPr>
-          <p:style>
-            <a:lnRef idx="1">
-              <a:schemeClr val="dk1"/>
-            </a:lnRef>
-            <a:fillRef idx="0">
-              <a:schemeClr val="dk1"/>
-            </a:fillRef>
-            <a:effectRef idx="0">
-              <a:schemeClr val="dk1"/>
-            </a:effectRef>
-            <a:fontRef idx="minor">
-              <a:schemeClr val="tx1"/>
-            </a:fontRef>
-          </p:style>
-          <p:txBody>
-            <a:bodyPr rtlCol="0" anchor="ctr"/>
-            <a:lstStyle>
-              <a:defPPr>
-                <a:defRPr lang="en-US"/>
-              </a:defPPr>
-              <a:lvl1pPr marL="0" algn="l" defTabSz="914400" rtl="0" eaLnBrk="1" latinLnBrk="0" hangingPunct="1">
-                <a:defRPr sz="1800" kern="1200">
-                  <a:solidFill>
-                    <a:schemeClr val="tx1"/>
-                  </a:solidFill>
-                  <a:latin typeface="+mn-lt"/>
-                  <a:ea typeface="+mn-ea"/>
-                  <a:cs typeface="+mn-cs"/>
-                </a:defRPr>
-              </a:lvl1pPr>
-              <a:lvl2pPr marL="457200" algn="l" defTabSz="914400" rtl="0" eaLnBrk="1" latinLnBrk="0" hangingPunct="1">
-                <a:defRPr sz="1800" kern="1200">
-                  <a:solidFill>
-                    <a:schemeClr val="tx1"/>
-                  </a:solidFill>
-                  <a:latin typeface="+mn-lt"/>
-                  <a:ea typeface="+mn-ea"/>
-                  <a:cs typeface="+mn-cs"/>
-                </a:defRPr>
-              </a:lvl2pPr>
-              <a:lvl3pPr marL="914400" algn="l" defTabSz="914400" rtl="0" eaLnBrk="1" latinLnBrk="0" hangingPunct="1">
-                <a:defRPr sz="1800" kern="1200">
-                  <a:solidFill>
-                    <a:schemeClr val="tx1"/>
-                  </a:solidFill>
-                  <a:latin typeface="+mn-lt"/>
-                  <a:ea typeface="+mn-ea"/>
-                  <a:cs typeface="+mn-cs"/>
-                </a:defRPr>
-              </a:lvl3pPr>
-              <a:lvl4pPr marL="1371600" algn="l" defTabSz="914400" rtl="0" eaLnBrk="1" latinLnBrk="0" hangingPunct="1">
-                <a:defRPr sz="1800" kern="1200">
-                  <a:solidFill>
-                    <a:schemeClr val="tx1"/>
-                  </a:solidFill>
-                  <a:latin typeface="+mn-lt"/>
-                  <a:ea typeface="+mn-ea"/>
-                  <a:cs typeface="+mn-cs"/>
-                </a:defRPr>
-              </a:lvl4pPr>
-              <a:lvl5pPr marL="1828800" algn="l" defTabSz="914400" rtl="0" eaLnBrk="1" latinLnBrk="0" hangingPunct="1">
-                <a:defRPr sz="1800" kern="1200">
-                  <a:solidFill>
-                    <a:schemeClr val="tx1"/>
-                  </a:solidFill>
-                  <a:latin typeface="+mn-lt"/>
-                  <a:ea typeface="+mn-ea"/>
-                  <a:cs typeface="+mn-cs"/>
-                </a:defRPr>
-              </a:lvl5pPr>
-              <a:lvl6pPr marL="2286000" algn="l" defTabSz="914400" rtl="0" eaLnBrk="1" latinLnBrk="0" hangingPunct="1">
-                <a:defRPr sz="1800" kern="1200">
-                  <a:solidFill>
-                    <a:schemeClr val="tx1"/>
-                  </a:solidFill>
-                  <a:latin typeface="+mn-lt"/>
-                  <a:ea typeface="+mn-ea"/>
-                  <a:cs typeface="+mn-cs"/>
-                </a:defRPr>
-              </a:lvl6pPr>
-              <a:lvl7pPr marL="2743200" algn="l" defTabSz="914400" rtl="0" eaLnBrk="1" latinLnBrk="0" hangingPunct="1">
-                <a:defRPr sz="1800" kern="1200">
-                  <a:solidFill>
-                    <a:schemeClr val="tx1"/>
-                  </a:solidFill>
-                  <a:latin typeface="+mn-lt"/>
-                  <a:ea typeface="+mn-ea"/>
-                  <a:cs typeface="+mn-cs"/>
-                </a:defRPr>
-              </a:lvl7pPr>
-              <a:lvl8pPr marL="3200400" algn="l" defTabSz="914400" rtl="0" eaLnBrk="1" latinLnBrk="0" hangingPunct="1">
-                <a:defRPr sz="1800" kern="1200">
-                  <a:solidFill>
-                    <a:schemeClr val="tx1"/>
-                  </a:solidFill>
-                  <a:latin typeface="+mn-lt"/>
-                  <a:ea typeface="+mn-ea"/>
-                  <a:cs typeface="+mn-cs"/>
-                </a:defRPr>
-              </a:lvl8pPr>
-              <a:lvl9pPr marL="3657600" algn="l" defTabSz="914400" rtl="0" eaLnBrk="1" latinLnBrk="0" hangingPunct="1">
-                <a:defRPr sz="1800" kern="1200">
-                  <a:solidFill>
-                    <a:schemeClr val="tx1"/>
-                  </a:solidFill>
-                  <a:latin typeface="+mn-lt"/>
-                  <a:ea typeface="+mn-ea"/>
-                  <a:cs typeface="+mn-cs"/>
-                </a:defRPr>
-              </a:lvl9pPr>
-            </a:lstStyle>
-            <a:p>
-              <a:pPr algn="ctr">
-                <a:buSzPct val="100000"/>
-              </a:pPr>
-              <a:endParaRPr lang="en-US" sz="1600" dirty="0"/>
-            </a:p>
-          </p:txBody>
-        </p:sp>
-        <p:cxnSp>
-          <p:nvCxnSpPr>
-            <p:cNvPr id="10" name="Straight Arrow Connector 9">
-              <a:extLst>
-                <a:ext uri="{FF2B5EF4-FFF2-40B4-BE49-F238E27FC236}">
-                  <a16:creationId xmlns:a16="http://schemas.microsoft.com/office/drawing/2014/main" id="{905F25ED-22F8-80F2-D7C5-1638CFF265B8}"/>
-                </a:ext>
-              </a:extLst>
-            </p:cNvPr>
-            <p:cNvCxnSpPr>
-              <a:cxnSpLocks/>
-            </p:cNvCxnSpPr>
-            <p:nvPr/>
-          </p:nvCxnSpPr>
-          <p:spPr>
-            <a:xfrm>
-              <a:off x="844159" y="2662760"/>
-              <a:ext cx="6962071" cy="0"/>
-            </a:xfrm>
-            <a:prstGeom prst="straightConnector1">
-              <a:avLst/>
-            </a:prstGeom>
-            <a:ln w="50800">
-              <a:solidFill>
-                <a:schemeClr val="tx1"/>
-              </a:solidFill>
-              <a:headEnd w="lg" len="lg"/>
-              <a:tailEnd type="triangle" w="lg" len="lg"/>
-            </a:ln>
-          </p:spPr>
-          <p:style>
-            <a:lnRef idx="1">
-              <a:schemeClr val="accent1"/>
-            </a:lnRef>
-            <a:fillRef idx="0">
-              <a:schemeClr val="accent1"/>
-            </a:fillRef>
-            <a:effectRef idx="0">
-              <a:schemeClr val="accent1"/>
-            </a:effectRef>
-            <a:fontRef idx="minor">
-              <a:schemeClr val="tx1"/>
-            </a:fontRef>
-          </p:style>
-        </p:cxnSp>
-        <p:sp>
-          <p:nvSpPr>
-            <p:cNvPr id="11" name="Freeform 11">
-              <a:extLst>
-                <a:ext uri="{FF2B5EF4-FFF2-40B4-BE49-F238E27FC236}">
-                  <a16:creationId xmlns:a16="http://schemas.microsoft.com/office/drawing/2014/main" id="{9C8A85F9-7478-2C73-E5A7-58B3CCF48119}"/>
-                </a:ext>
-              </a:extLst>
-            </p:cNvPr>
-            <p:cNvSpPr/>
-            <p:nvPr/>
-          </p:nvSpPr>
-          <p:spPr>
-            <a:xfrm>
-              <a:off x="864186" y="1478694"/>
-              <a:ext cx="6313495" cy="856319"/>
-            </a:xfrm>
-            <a:custGeom>
-              <a:avLst/>
-              <a:gdLst>
-                <a:gd name="connsiteX0" fmla="*/ 0 w 8082116"/>
-                <a:gd name="connsiteY0" fmla="*/ 619447 h 1628922"/>
-                <a:gd name="connsiteX1" fmla="*/ 1091381 w 8082116"/>
-                <a:gd name="connsiteY1" fmla="*/ 1445357 h 1628922"/>
-                <a:gd name="connsiteX2" fmla="*/ 4984955 w 8082116"/>
-                <a:gd name="connsiteY2" fmla="*/ 15 h 1628922"/>
-                <a:gd name="connsiteX3" fmla="*/ 6843252 w 8082116"/>
-                <a:gd name="connsiteY3" fmla="*/ 1415860 h 1628922"/>
-                <a:gd name="connsiteX4" fmla="*/ 7905135 w 8082116"/>
-                <a:gd name="connsiteY4" fmla="*/ 1622338 h 1628922"/>
-                <a:gd name="connsiteX5" fmla="*/ 7905135 w 8082116"/>
-                <a:gd name="connsiteY5" fmla="*/ 1622338 h 1628922"/>
-                <a:gd name="connsiteX6" fmla="*/ 8082116 w 8082116"/>
-                <a:gd name="connsiteY6" fmla="*/ 1622338 h 1628922"/>
-              </a:gdLst>
-              <a:ahLst/>
-              <a:cxnLst>
-                <a:cxn ang="0">
-                  <a:pos x="connsiteX0" y="connsiteY0"/>
-                </a:cxn>
-                <a:cxn ang="0">
-                  <a:pos x="connsiteX1" y="connsiteY1"/>
-                </a:cxn>
-                <a:cxn ang="0">
-                  <a:pos x="connsiteX2" y="connsiteY2"/>
-                </a:cxn>
-                <a:cxn ang="0">
-                  <a:pos x="connsiteX3" y="connsiteY3"/>
-                </a:cxn>
-                <a:cxn ang="0">
-                  <a:pos x="connsiteX4" y="connsiteY4"/>
-                </a:cxn>
-                <a:cxn ang="0">
-                  <a:pos x="connsiteX5" y="connsiteY5"/>
-                </a:cxn>
-                <a:cxn ang="0">
-                  <a:pos x="connsiteX6" y="connsiteY6"/>
-                </a:cxn>
-              </a:cxnLst>
-              <a:rect l="l" t="t" r="r" b="b"/>
-              <a:pathLst>
-                <a:path w="8082116" h="1628922">
-                  <a:moveTo>
-                    <a:pt x="0" y="619447"/>
-                  </a:moveTo>
-                  <a:cubicBezTo>
-                    <a:pt x="130277" y="1084021"/>
-                    <a:pt x="260555" y="1548596"/>
-                    <a:pt x="1091381" y="1445357"/>
-                  </a:cubicBezTo>
-                  <a:cubicBezTo>
-                    <a:pt x="1922207" y="1342118"/>
-                    <a:pt x="4026310" y="4931"/>
-                    <a:pt x="4984955" y="15"/>
-                  </a:cubicBezTo>
-                  <a:cubicBezTo>
-                    <a:pt x="5943600" y="-4901"/>
-                    <a:pt x="6356555" y="1145473"/>
-                    <a:pt x="6843252" y="1415860"/>
-                  </a:cubicBezTo>
-                  <a:cubicBezTo>
-                    <a:pt x="7329949" y="1686247"/>
-                    <a:pt x="7905135" y="1622338"/>
-                    <a:pt x="7905135" y="1622338"/>
-                  </a:cubicBezTo>
-                  <a:lnTo>
-                    <a:pt x="7905135" y="1622338"/>
-                  </a:lnTo>
-                  <a:lnTo>
-                    <a:pt x="8082116" y="1622338"/>
-                  </a:lnTo>
-                </a:path>
-              </a:pathLst>
-            </a:custGeom>
-            <a:ln w="63500" cap="rnd">
-              <a:solidFill>
-                <a:srgbClr val="FF0000"/>
-              </a:solidFill>
-            </a:ln>
-          </p:spPr>
-          <p:style>
-            <a:lnRef idx="1">
-              <a:schemeClr val="dk1"/>
-            </a:lnRef>
-            <a:fillRef idx="0">
-              <a:schemeClr val="dk1"/>
-            </a:fillRef>
-            <a:effectRef idx="0">
-              <a:schemeClr val="dk1"/>
-            </a:effectRef>
-            <a:fontRef idx="minor">
-              <a:schemeClr val="tx1"/>
-            </a:fontRef>
-          </p:style>
-          <p:txBody>
-            <a:bodyPr rtlCol="0" anchor="ctr"/>
-            <a:lstStyle>
-              <a:defPPr>
-                <a:defRPr lang="en-US"/>
-              </a:defPPr>
-              <a:lvl1pPr marL="0" algn="l" defTabSz="914400" rtl="0" eaLnBrk="1" latinLnBrk="0" hangingPunct="1">
-                <a:defRPr sz="1800" kern="1200">
-                  <a:solidFill>
-                    <a:schemeClr val="tx1"/>
-                  </a:solidFill>
-                  <a:latin typeface="+mn-lt"/>
-                  <a:ea typeface="+mn-ea"/>
-                  <a:cs typeface="+mn-cs"/>
-                </a:defRPr>
-              </a:lvl1pPr>
-              <a:lvl2pPr marL="457200" algn="l" defTabSz="914400" rtl="0" eaLnBrk="1" latinLnBrk="0" hangingPunct="1">
-                <a:defRPr sz="1800" kern="1200">
-                  <a:solidFill>
-                    <a:schemeClr val="tx1"/>
-                  </a:solidFill>
-                  <a:latin typeface="+mn-lt"/>
-                  <a:ea typeface="+mn-ea"/>
-                  <a:cs typeface="+mn-cs"/>
-                </a:defRPr>
-              </a:lvl2pPr>
-              <a:lvl3pPr marL="914400" algn="l" defTabSz="914400" rtl="0" eaLnBrk="1" latinLnBrk="0" hangingPunct="1">
-                <a:defRPr sz="1800" kern="1200">
-                  <a:solidFill>
-                    <a:schemeClr val="tx1"/>
-                  </a:solidFill>
-                  <a:latin typeface="+mn-lt"/>
-                  <a:ea typeface="+mn-ea"/>
-                  <a:cs typeface="+mn-cs"/>
-                </a:defRPr>
-              </a:lvl3pPr>
-              <a:lvl4pPr marL="1371600" algn="l" defTabSz="914400" rtl="0" eaLnBrk="1" latinLnBrk="0" hangingPunct="1">
-                <a:defRPr sz="1800" kern="1200">
-                  <a:solidFill>
-                    <a:schemeClr val="tx1"/>
-                  </a:solidFill>
-                  <a:latin typeface="+mn-lt"/>
-                  <a:ea typeface="+mn-ea"/>
-                  <a:cs typeface="+mn-cs"/>
-                </a:defRPr>
-              </a:lvl4pPr>
-              <a:lvl5pPr marL="1828800" algn="l" defTabSz="914400" rtl="0" eaLnBrk="1" latinLnBrk="0" hangingPunct="1">
-                <a:defRPr sz="1800" kern="1200">
-                  <a:solidFill>
-                    <a:schemeClr val="tx1"/>
-                  </a:solidFill>
-                  <a:latin typeface="+mn-lt"/>
-                  <a:ea typeface="+mn-ea"/>
-                  <a:cs typeface="+mn-cs"/>
-                </a:defRPr>
-              </a:lvl5pPr>
-              <a:lvl6pPr marL="2286000" algn="l" defTabSz="914400" rtl="0" eaLnBrk="1" latinLnBrk="0" hangingPunct="1">
-                <a:defRPr sz="1800" kern="1200">
-                  <a:solidFill>
-                    <a:schemeClr val="tx1"/>
-                  </a:solidFill>
-                  <a:latin typeface="+mn-lt"/>
-                  <a:ea typeface="+mn-ea"/>
-                  <a:cs typeface="+mn-cs"/>
-                </a:defRPr>
-              </a:lvl6pPr>
-              <a:lvl7pPr marL="2743200" algn="l" defTabSz="914400" rtl="0" eaLnBrk="1" latinLnBrk="0" hangingPunct="1">
-                <a:defRPr sz="1800" kern="1200">
-                  <a:solidFill>
-                    <a:schemeClr val="tx1"/>
-                  </a:solidFill>
-                  <a:latin typeface="+mn-lt"/>
-                  <a:ea typeface="+mn-ea"/>
-                  <a:cs typeface="+mn-cs"/>
-                </a:defRPr>
-              </a:lvl7pPr>
-              <a:lvl8pPr marL="3200400" algn="l" defTabSz="914400" rtl="0" eaLnBrk="1" latinLnBrk="0" hangingPunct="1">
-                <a:defRPr sz="1800" kern="1200">
-                  <a:solidFill>
-                    <a:schemeClr val="tx1"/>
-                  </a:solidFill>
-                  <a:latin typeface="+mn-lt"/>
-                  <a:ea typeface="+mn-ea"/>
-                  <a:cs typeface="+mn-cs"/>
-                </a:defRPr>
-              </a:lvl8pPr>
-              <a:lvl9pPr marL="3657600" algn="l" defTabSz="914400" rtl="0" eaLnBrk="1" latinLnBrk="0" hangingPunct="1">
-                <a:defRPr sz="1800" kern="1200">
-                  <a:solidFill>
-                    <a:schemeClr val="tx1"/>
-                  </a:solidFill>
-                  <a:latin typeface="+mn-lt"/>
-                  <a:ea typeface="+mn-ea"/>
-                  <a:cs typeface="+mn-cs"/>
-                </a:defRPr>
-              </a:lvl9pPr>
-            </a:lstStyle>
-            <a:p>
-              <a:pPr algn="ctr">
-                <a:buSzPct val="100000"/>
-              </a:pPr>
-              <a:endParaRPr lang="en-US" sz="1600" dirty="0"/>
-            </a:p>
-          </p:txBody>
-        </p:sp>
-        <p:cxnSp>
-          <p:nvCxnSpPr>
-            <p:cNvPr id="12" name="Straight Arrow Connector 11">
-              <a:extLst>
-                <a:ext uri="{FF2B5EF4-FFF2-40B4-BE49-F238E27FC236}">
-                  <a16:creationId xmlns:a16="http://schemas.microsoft.com/office/drawing/2014/main" id="{7F8AFFA6-009C-C422-449E-7CFAFE4F11CB}"/>
-                </a:ext>
-              </a:extLst>
-            </p:cNvPr>
-            <p:cNvCxnSpPr>
-              <a:cxnSpLocks/>
-            </p:cNvCxnSpPr>
-            <p:nvPr/>
-          </p:nvCxnSpPr>
-          <p:spPr>
-            <a:xfrm>
-              <a:off x="864186" y="4318574"/>
-              <a:ext cx="6962071" cy="0"/>
-            </a:xfrm>
-            <a:prstGeom prst="straightConnector1">
-              <a:avLst/>
-            </a:prstGeom>
-            <a:ln w="50800">
-              <a:solidFill>
-                <a:schemeClr val="tx1"/>
-              </a:solidFill>
-              <a:headEnd w="lg" len="lg"/>
-              <a:tailEnd type="triangle" w="lg" len="lg"/>
-            </a:ln>
-          </p:spPr>
-          <p:style>
-            <a:lnRef idx="1">
-              <a:schemeClr val="accent1"/>
-            </a:lnRef>
-            <a:fillRef idx="0">
-              <a:schemeClr val="accent1"/>
-            </a:fillRef>
-            <a:effectRef idx="0">
-              <a:schemeClr val="accent1"/>
-            </a:effectRef>
-            <a:fontRef idx="minor">
-              <a:schemeClr val="tx1"/>
-            </a:fontRef>
-          </p:style>
-        </p:cxnSp>
-        <p:cxnSp>
-          <p:nvCxnSpPr>
-            <p:cNvPr id="13" name="Straight Arrow Connector 12">
-              <a:extLst>
-                <a:ext uri="{FF2B5EF4-FFF2-40B4-BE49-F238E27FC236}">
-                  <a16:creationId xmlns:a16="http://schemas.microsoft.com/office/drawing/2014/main" id="{BD0FF2CA-12CF-D7A8-8707-E61892AE421A}"/>
-                </a:ext>
-              </a:extLst>
-            </p:cNvPr>
-            <p:cNvCxnSpPr>
-              <a:cxnSpLocks/>
-            </p:cNvCxnSpPr>
-            <p:nvPr/>
-          </p:nvCxnSpPr>
-          <p:spPr>
-            <a:xfrm flipH="1" flipV="1">
-              <a:off x="864186" y="2956294"/>
-              <a:ext cx="20027" cy="1362281"/>
-            </a:xfrm>
-            <a:prstGeom prst="straightConnector1">
-              <a:avLst/>
-            </a:prstGeom>
-            <a:ln w="50800">
-              <a:solidFill>
-                <a:schemeClr val="tx1"/>
-              </a:solidFill>
-              <a:headEnd w="lg" len="lg"/>
-              <a:tailEnd type="triangle" w="lg" len="lg"/>
-            </a:ln>
-          </p:spPr>
-          <p:style>
-            <a:lnRef idx="1">
-              <a:schemeClr val="accent1"/>
-            </a:lnRef>
-            <a:fillRef idx="0">
-              <a:schemeClr val="accent1"/>
-            </a:fillRef>
-            <a:effectRef idx="0">
-              <a:schemeClr val="accent1"/>
-            </a:effectRef>
-            <a:fontRef idx="minor">
-              <a:schemeClr val="tx1"/>
-            </a:fontRef>
-          </p:style>
-        </p:cxnSp>
-        <p:sp>
-          <p:nvSpPr>
-            <p:cNvPr id="14" name="TextBox 20">
-              <a:extLst>
-                <a:ext uri="{FF2B5EF4-FFF2-40B4-BE49-F238E27FC236}">
-                  <a16:creationId xmlns:a16="http://schemas.microsoft.com/office/drawing/2014/main" id="{24FA6460-C575-E323-8401-A0ACDD910A47}"/>
-                </a:ext>
-              </a:extLst>
-            </p:cNvPr>
-            <p:cNvSpPr txBox="1"/>
-            <p:nvPr/>
-          </p:nvSpPr>
-          <p:spPr>
-            <a:xfrm>
-              <a:off x="6983435" y="3126638"/>
-              <a:ext cx="917550" cy="546690"/>
-            </a:xfrm>
-            <a:prstGeom prst="rect">
-              <a:avLst/>
-            </a:prstGeom>
-            <a:noFill/>
-          </p:spPr>
-          <p:txBody>
-            <a:bodyPr wrap="square" rtlCol="0">
-              <a:noAutofit/>
-            </a:bodyPr>
-            <a:lstStyle>
-              <a:defPPr>
-                <a:defRPr lang="en-US"/>
-              </a:defPPr>
-              <a:lvl1pPr marL="0" algn="l" defTabSz="914400" rtl="0" eaLnBrk="1" latinLnBrk="0" hangingPunct="1">
-                <a:defRPr sz="1800" kern="1200">
-                  <a:solidFill>
-                    <a:schemeClr val="tx1"/>
-                  </a:solidFill>
-                  <a:latin typeface="+mn-lt"/>
-                  <a:ea typeface="+mn-ea"/>
-                  <a:cs typeface="+mn-cs"/>
-                </a:defRPr>
-              </a:lvl1pPr>
-              <a:lvl2pPr marL="457200" algn="l" defTabSz="914400" rtl="0" eaLnBrk="1" latinLnBrk="0" hangingPunct="1">
-                <a:defRPr sz="1800" kern="1200">
-                  <a:solidFill>
-                    <a:schemeClr val="tx1"/>
-                  </a:solidFill>
-                  <a:latin typeface="+mn-lt"/>
-                  <a:ea typeface="+mn-ea"/>
-                  <a:cs typeface="+mn-cs"/>
-                </a:defRPr>
-              </a:lvl2pPr>
-              <a:lvl3pPr marL="914400" algn="l" defTabSz="914400" rtl="0" eaLnBrk="1" latinLnBrk="0" hangingPunct="1">
-                <a:defRPr sz="1800" kern="1200">
-                  <a:solidFill>
-                    <a:schemeClr val="tx1"/>
-                  </a:solidFill>
-                  <a:latin typeface="+mn-lt"/>
-                  <a:ea typeface="+mn-ea"/>
-                  <a:cs typeface="+mn-cs"/>
-                </a:defRPr>
-              </a:lvl3pPr>
-              <a:lvl4pPr marL="1371600" algn="l" defTabSz="914400" rtl="0" eaLnBrk="1" latinLnBrk="0" hangingPunct="1">
-                <a:defRPr sz="1800" kern="1200">
-                  <a:solidFill>
-                    <a:schemeClr val="tx1"/>
-                  </a:solidFill>
-                  <a:latin typeface="+mn-lt"/>
-                  <a:ea typeface="+mn-ea"/>
-                  <a:cs typeface="+mn-cs"/>
-                </a:defRPr>
-              </a:lvl4pPr>
-              <a:lvl5pPr marL="1828800" algn="l" defTabSz="914400" rtl="0" eaLnBrk="1" latinLnBrk="0" hangingPunct="1">
-                <a:defRPr sz="1800" kern="1200">
-                  <a:solidFill>
-                    <a:schemeClr val="tx1"/>
-                  </a:solidFill>
-                  <a:latin typeface="+mn-lt"/>
-                  <a:ea typeface="+mn-ea"/>
-                  <a:cs typeface="+mn-cs"/>
-                </a:defRPr>
-              </a:lvl5pPr>
-              <a:lvl6pPr marL="2286000" algn="l" defTabSz="914400" rtl="0" eaLnBrk="1" latinLnBrk="0" hangingPunct="1">
-                <a:defRPr sz="1800" kern="1200">
-                  <a:solidFill>
-                    <a:schemeClr val="tx1"/>
-                  </a:solidFill>
-                  <a:latin typeface="+mn-lt"/>
-                  <a:ea typeface="+mn-ea"/>
-                  <a:cs typeface="+mn-cs"/>
-                </a:defRPr>
-              </a:lvl6pPr>
-              <a:lvl7pPr marL="2743200" algn="l" defTabSz="914400" rtl="0" eaLnBrk="1" latinLnBrk="0" hangingPunct="1">
-                <a:defRPr sz="1800" kern="1200">
-                  <a:solidFill>
-                    <a:schemeClr val="tx1"/>
-                  </a:solidFill>
-                  <a:latin typeface="+mn-lt"/>
-                  <a:ea typeface="+mn-ea"/>
-                  <a:cs typeface="+mn-cs"/>
-                </a:defRPr>
-              </a:lvl7pPr>
-              <a:lvl8pPr marL="3200400" algn="l" defTabSz="914400" rtl="0" eaLnBrk="1" latinLnBrk="0" hangingPunct="1">
-                <a:defRPr sz="1800" kern="1200">
-                  <a:solidFill>
-                    <a:schemeClr val="tx1"/>
-                  </a:solidFill>
-                  <a:latin typeface="+mn-lt"/>
-                  <a:ea typeface="+mn-ea"/>
-                  <a:cs typeface="+mn-cs"/>
-                </a:defRPr>
-              </a:lvl8pPr>
-              <a:lvl9pPr marL="3657600" algn="l" defTabSz="914400" rtl="0" eaLnBrk="1" latinLnBrk="0" hangingPunct="1">
-                <a:defRPr sz="1800" kern="1200">
-                  <a:solidFill>
-                    <a:schemeClr val="tx1"/>
-                  </a:solidFill>
-                  <a:latin typeface="+mn-lt"/>
-                  <a:ea typeface="+mn-ea"/>
-                  <a:cs typeface="+mn-cs"/>
-                </a:defRPr>
-              </a:lvl9pPr>
-            </a:lstStyle>
-            <a:p>
-              <a:pPr>
-                <a:buSzPct val="100000"/>
-              </a:pPr>
-              <a:r>
-                <a:rPr lang="en-GB" sz="1600" b="1" dirty="0"/>
-                <a:t>?</a:t>
-              </a:r>
-            </a:p>
-          </p:txBody>
-        </p:sp>
-        <p:sp>
-          <p:nvSpPr>
-            <p:cNvPr id="15" name="Content Placeholder 2">
-              <a:extLst>
-                <a:ext uri="{FF2B5EF4-FFF2-40B4-BE49-F238E27FC236}">
-                  <a16:creationId xmlns:a16="http://schemas.microsoft.com/office/drawing/2014/main" id="{95F7ED46-8BDC-86FB-AAA8-742E0BF71D2A}"/>
-                </a:ext>
-              </a:extLst>
-            </p:cNvPr>
-            <p:cNvSpPr txBox="1">
-              <a:spLocks/>
-            </p:cNvSpPr>
-            <p:nvPr/>
-          </p:nvSpPr>
-          <p:spPr>
-            <a:xfrm>
-              <a:off x="5886574" y="1082506"/>
-              <a:ext cx="2074057" cy="525304"/>
-            </a:xfrm>
-            <a:prstGeom prst="rect">
-              <a:avLst/>
-            </a:prstGeom>
-          </p:spPr>
-          <p:txBody>
-            <a:bodyPr lIns="0" tIns="0" rIns="0" bIns="0"/>
-            <a:lstStyle>
-              <a:defPPr>
-                <a:defRPr lang="en-US"/>
-              </a:defPPr>
-              <a:lvl1pPr marL="0" algn="l" defTabSz="914400" rtl="0" eaLnBrk="1" latinLnBrk="0" hangingPunct="1">
-                <a:defRPr sz="1800" kern="1200">
-                  <a:solidFill>
-                    <a:schemeClr val="tx1"/>
-                  </a:solidFill>
-                  <a:latin typeface="+mn-lt"/>
-                  <a:ea typeface="+mn-ea"/>
-                  <a:cs typeface="+mn-cs"/>
-                </a:defRPr>
-              </a:lvl1pPr>
-              <a:lvl2pPr marL="457200" algn="l" defTabSz="914400" rtl="0" eaLnBrk="1" latinLnBrk="0" hangingPunct="1">
-                <a:defRPr sz="1800" kern="1200">
-                  <a:solidFill>
-                    <a:schemeClr val="tx1"/>
-                  </a:solidFill>
-                  <a:latin typeface="+mn-lt"/>
-                  <a:ea typeface="+mn-ea"/>
-                  <a:cs typeface="+mn-cs"/>
-                </a:defRPr>
-              </a:lvl2pPr>
-              <a:lvl3pPr marL="914400" algn="l" defTabSz="914400" rtl="0" eaLnBrk="1" latinLnBrk="0" hangingPunct="1">
-                <a:defRPr sz="1800" kern="1200">
-                  <a:solidFill>
-                    <a:schemeClr val="tx1"/>
-                  </a:solidFill>
-                  <a:latin typeface="+mn-lt"/>
-                  <a:ea typeface="+mn-ea"/>
-                  <a:cs typeface="+mn-cs"/>
-                </a:defRPr>
-              </a:lvl3pPr>
-              <a:lvl4pPr marL="1371600" algn="l" defTabSz="914400" rtl="0" eaLnBrk="1" latinLnBrk="0" hangingPunct="1">
-                <a:defRPr sz="1800" kern="1200">
-                  <a:solidFill>
-                    <a:schemeClr val="tx1"/>
-                  </a:solidFill>
-                  <a:latin typeface="+mn-lt"/>
-                  <a:ea typeface="+mn-ea"/>
-                  <a:cs typeface="+mn-cs"/>
-                </a:defRPr>
-              </a:lvl4pPr>
-              <a:lvl5pPr marL="1828800" algn="l" defTabSz="914400" rtl="0" eaLnBrk="1" latinLnBrk="0" hangingPunct="1">
-                <a:defRPr sz="1800" kern="1200">
-                  <a:solidFill>
-                    <a:schemeClr val="tx1"/>
-                  </a:solidFill>
-                  <a:latin typeface="+mn-lt"/>
-                  <a:ea typeface="+mn-ea"/>
-                  <a:cs typeface="+mn-cs"/>
-                </a:defRPr>
-              </a:lvl5pPr>
-              <a:lvl6pPr marL="2286000" algn="l" defTabSz="914400" rtl="0" eaLnBrk="1" latinLnBrk="0" hangingPunct="1">
-                <a:defRPr sz="1800" kern="1200">
-                  <a:solidFill>
-                    <a:schemeClr val="tx1"/>
-                  </a:solidFill>
-                  <a:latin typeface="+mn-lt"/>
-                  <a:ea typeface="+mn-ea"/>
-                  <a:cs typeface="+mn-cs"/>
-                </a:defRPr>
-              </a:lvl6pPr>
-              <a:lvl7pPr marL="2743200" algn="l" defTabSz="914400" rtl="0" eaLnBrk="1" latinLnBrk="0" hangingPunct="1">
-                <a:defRPr sz="1800" kern="1200">
-                  <a:solidFill>
-                    <a:schemeClr val="tx1"/>
-                  </a:solidFill>
-                  <a:latin typeface="+mn-lt"/>
-                  <a:ea typeface="+mn-ea"/>
-                  <a:cs typeface="+mn-cs"/>
-                </a:defRPr>
-              </a:lvl7pPr>
-              <a:lvl8pPr marL="3200400" algn="l" defTabSz="914400" rtl="0" eaLnBrk="1" latinLnBrk="0" hangingPunct="1">
-                <a:defRPr sz="1800" kern="1200">
-                  <a:solidFill>
-                    <a:schemeClr val="tx1"/>
-                  </a:solidFill>
-                  <a:latin typeface="+mn-lt"/>
-                  <a:ea typeface="+mn-ea"/>
-                  <a:cs typeface="+mn-cs"/>
-                </a:defRPr>
-              </a:lvl8pPr>
-              <a:lvl9pPr marL="3657600" algn="l" defTabSz="914400" rtl="0" eaLnBrk="1" latinLnBrk="0" hangingPunct="1">
-                <a:defRPr sz="1800" kern="1200">
-                  <a:solidFill>
-                    <a:schemeClr val="tx1"/>
-                  </a:solidFill>
-                  <a:latin typeface="+mn-lt"/>
-                  <a:ea typeface="+mn-ea"/>
-                  <a:cs typeface="+mn-cs"/>
-                </a:defRPr>
-              </a:lvl9pPr>
-            </a:lstStyle>
-            <a:p>
-              <a:pPr algn="ctr">
-                <a:buSzPct val="100000"/>
-              </a:pPr>
-              <a:r>
-                <a:rPr lang="en-US" sz="1600" i="1" dirty="0"/>
-                <a:t>Labelled training series</a:t>
-              </a:r>
-            </a:p>
-          </p:txBody>
-        </p:sp>
-        <p:sp>
-          <p:nvSpPr>
-            <p:cNvPr id="16" name="Oval 15">
-              <a:extLst>
-                <a:ext uri="{FF2B5EF4-FFF2-40B4-BE49-F238E27FC236}">
-                  <a16:creationId xmlns:a16="http://schemas.microsoft.com/office/drawing/2014/main" id="{61712E3B-D1BF-C775-AB79-B0925CE167E3}"/>
-                </a:ext>
-              </a:extLst>
-            </p:cNvPr>
-            <p:cNvSpPr>
-              <a:spLocks/>
-            </p:cNvSpPr>
-            <p:nvPr/>
-          </p:nvSpPr>
-          <p:spPr>
-            <a:xfrm>
-              <a:off x="7533663" y="3468700"/>
-              <a:ext cx="360000" cy="360000"/>
-            </a:xfrm>
-            <a:prstGeom prst="ellipse">
-              <a:avLst/>
-            </a:prstGeom>
-            <a:solidFill>
-              <a:srgbClr val="0070C0"/>
-            </a:solidFill>
-            <a:ln>
-              <a:solidFill>
-                <a:srgbClr val="0070C0"/>
-              </a:solidFill>
-            </a:ln>
-          </p:spPr>
-          <p:style>
-            <a:lnRef idx="2">
-              <a:schemeClr val="accent1">
-                <a:shade val="50000"/>
-              </a:schemeClr>
-            </a:lnRef>
-            <a:fillRef idx="1">
-              <a:schemeClr val="accent1"/>
-            </a:fillRef>
-            <a:effectRef idx="0">
-              <a:schemeClr val="accent1"/>
-            </a:effectRef>
-            <a:fontRef idx="minor">
-              <a:schemeClr val="lt1"/>
-            </a:fontRef>
-          </p:style>
-          <p:txBody>
-            <a:bodyPr rtlCol="0" anchor="ctr"/>
-            <a:lstStyle>
-              <a:defPPr>
-                <a:defRPr lang="en-US"/>
-              </a:defPPr>
-              <a:lvl1pPr marL="0" algn="l" defTabSz="914400" rtl="0" eaLnBrk="1" latinLnBrk="0" hangingPunct="1">
-                <a:defRPr sz="1800" kern="1200">
-                  <a:solidFill>
-                    <a:schemeClr val="lt1"/>
-                  </a:solidFill>
-                  <a:latin typeface="+mn-lt"/>
-                  <a:ea typeface="+mn-ea"/>
-                  <a:cs typeface="+mn-cs"/>
-                </a:defRPr>
-              </a:lvl1pPr>
-              <a:lvl2pPr marL="457200" algn="l" defTabSz="914400" rtl="0" eaLnBrk="1" latinLnBrk="0" hangingPunct="1">
-                <a:defRPr sz="1800" kern="1200">
-                  <a:solidFill>
-                    <a:schemeClr val="lt1"/>
-                  </a:solidFill>
-                  <a:latin typeface="+mn-lt"/>
-                  <a:ea typeface="+mn-ea"/>
-                  <a:cs typeface="+mn-cs"/>
-                </a:defRPr>
-              </a:lvl2pPr>
-              <a:lvl3pPr marL="914400" algn="l" defTabSz="914400" rtl="0" eaLnBrk="1" latinLnBrk="0" hangingPunct="1">
-                <a:defRPr sz="1800" kern="1200">
-                  <a:solidFill>
-                    <a:schemeClr val="lt1"/>
-                  </a:solidFill>
-                  <a:latin typeface="+mn-lt"/>
-                  <a:ea typeface="+mn-ea"/>
-                  <a:cs typeface="+mn-cs"/>
-                </a:defRPr>
-              </a:lvl3pPr>
-              <a:lvl4pPr marL="1371600" algn="l" defTabSz="914400" rtl="0" eaLnBrk="1" latinLnBrk="0" hangingPunct="1">
-                <a:defRPr sz="1800" kern="1200">
-                  <a:solidFill>
-                    <a:schemeClr val="lt1"/>
-                  </a:solidFill>
-                  <a:latin typeface="+mn-lt"/>
-                  <a:ea typeface="+mn-ea"/>
-                  <a:cs typeface="+mn-cs"/>
-                </a:defRPr>
-              </a:lvl4pPr>
-              <a:lvl5pPr marL="1828800" algn="l" defTabSz="914400" rtl="0" eaLnBrk="1" latinLnBrk="0" hangingPunct="1">
-                <a:defRPr sz="1800" kern="1200">
-                  <a:solidFill>
-                    <a:schemeClr val="lt1"/>
-                  </a:solidFill>
-                  <a:latin typeface="+mn-lt"/>
-                  <a:ea typeface="+mn-ea"/>
-                  <a:cs typeface="+mn-cs"/>
-                </a:defRPr>
-              </a:lvl5pPr>
-              <a:lvl6pPr marL="2286000" algn="l" defTabSz="914400" rtl="0" eaLnBrk="1" latinLnBrk="0" hangingPunct="1">
-                <a:defRPr sz="1800" kern="1200">
-                  <a:solidFill>
-                    <a:schemeClr val="lt1"/>
-                  </a:solidFill>
-                  <a:latin typeface="+mn-lt"/>
-                  <a:ea typeface="+mn-ea"/>
-                  <a:cs typeface="+mn-cs"/>
-                </a:defRPr>
-              </a:lvl6pPr>
-              <a:lvl7pPr marL="2743200" algn="l" defTabSz="914400" rtl="0" eaLnBrk="1" latinLnBrk="0" hangingPunct="1">
-                <a:defRPr sz="1800" kern="1200">
-                  <a:solidFill>
-                    <a:schemeClr val="lt1"/>
-                  </a:solidFill>
-                  <a:latin typeface="+mn-lt"/>
-                  <a:ea typeface="+mn-ea"/>
-                  <a:cs typeface="+mn-cs"/>
-                </a:defRPr>
-              </a:lvl7pPr>
-              <a:lvl8pPr marL="3200400" algn="l" defTabSz="914400" rtl="0" eaLnBrk="1" latinLnBrk="0" hangingPunct="1">
-                <a:defRPr sz="1800" kern="1200">
-                  <a:solidFill>
-                    <a:schemeClr val="lt1"/>
-                  </a:solidFill>
-                  <a:latin typeface="+mn-lt"/>
-                  <a:ea typeface="+mn-ea"/>
-                  <a:cs typeface="+mn-cs"/>
-                </a:defRPr>
-              </a:lvl8pPr>
-              <a:lvl9pPr marL="3657600" algn="l" defTabSz="914400" rtl="0" eaLnBrk="1" latinLnBrk="0" hangingPunct="1">
-                <a:defRPr sz="1800" kern="1200">
-                  <a:solidFill>
-                    <a:schemeClr val="lt1"/>
-                  </a:solidFill>
-                  <a:latin typeface="+mn-lt"/>
-                  <a:ea typeface="+mn-ea"/>
-                  <a:cs typeface="+mn-cs"/>
-                </a:defRPr>
-              </a:lvl9pPr>
-            </a:lstStyle>
-            <a:p>
-              <a:pPr algn="ctr">
-                <a:buSzPct val="100000"/>
-              </a:pPr>
-              <a:endParaRPr lang="en-GB" sz="1600"/>
-            </a:p>
-          </p:txBody>
-        </p:sp>
-        <p:cxnSp>
-          <p:nvCxnSpPr>
-            <p:cNvPr id="17" name="Straight Arrow Connector 16">
-              <a:extLst>
-                <a:ext uri="{FF2B5EF4-FFF2-40B4-BE49-F238E27FC236}">
-                  <a16:creationId xmlns:a16="http://schemas.microsoft.com/office/drawing/2014/main" id="{B8F34B0A-03F5-7AD2-4270-9E5B4C04EBCD}"/>
-                </a:ext>
-              </a:extLst>
-            </p:cNvPr>
-            <p:cNvCxnSpPr>
-              <a:cxnSpLocks/>
-            </p:cNvCxnSpPr>
-            <p:nvPr/>
-          </p:nvCxnSpPr>
-          <p:spPr>
-            <a:xfrm flipH="1" flipV="1">
-              <a:off x="844159" y="1300480"/>
-              <a:ext cx="20027" cy="1362281"/>
-            </a:xfrm>
-            <a:prstGeom prst="straightConnector1">
-              <a:avLst/>
-            </a:prstGeom>
-            <a:ln w="50800">
-              <a:solidFill>
-                <a:schemeClr val="tx1"/>
-              </a:solidFill>
-              <a:headEnd w="lg" len="lg"/>
-              <a:tailEnd type="triangle" w="lg" len="lg"/>
-            </a:ln>
-          </p:spPr>
-          <p:style>
-            <a:lnRef idx="1">
-              <a:schemeClr val="accent1"/>
-            </a:lnRef>
-            <a:fillRef idx="0">
-              <a:schemeClr val="accent1"/>
-            </a:fillRef>
-            <a:effectRef idx="0">
-              <a:schemeClr val="accent1"/>
-            </a:effectRef>
-            <a:fontRef idx="minor">
-              <a:schemeClr val="tx1"/>
-            </a:fontRef>
-          </p:style>
-        </p:cxnSp>
-        <p:sp>
-          <p:nvSpPr>
-            <p:cNvPr id="18" name="Oval 17">
-              <a:extLst>
-                <a:ext uri="{FF2B5EF4-FFF2-40B4-BE49-F238E27FC236}">
-                  <a16:creationId xmlns:a16="http://schemas.microsoft.com/office/drawing/2014/main" id="{F8238CE6-5769-D38D-73D4-37DB93F73A57}"/>
-                </a:ext>
-              </a:extLst>
-            </p:cNvPr>
-            <p:cNvSpPr/>
-            <p:nvPr/>
-          </p:nvSpPr>
-          <p:spPr>
-            <a:xfrm>
-              <a:off x="7533663" y="3027797"/>
-              <a:ext cx="360000" cy="360000"/>
-            </a:xfrm>
-            <a:prstGeom prst="ellipse">
-              <a:avLst/>
-            </a:prstGeom>
-            <a:solidFill>
-              <a:srgbClr val="FF0000"/>
-            </a:solidFill>
-            <a:ln>
-              <a:solidFill>
-                <a:srgbClr val="FF0000"/>
-              </a:solidFill>
-            </a:ln>
-          </p:spPr>
-          <p:style>
-            <a:lnRef idx="2">
-              <a:schemeClr val="accent1">
-                <a:shade val="50000"/>
-              </a:schemeClr>
-            </a:lnRef>
-            <a:fillRef idx="1">
-              <a:schemeClr val="accent1"/>
-            </a:fillRef>
-            <a:effectRef idx="0">
-              <a:schemeClr val="accent1"/>
-            </a:effectRef>
-            <a:fontRef idx="minor">
-              <a:schemeClr val="lt1"/>
-            </a:fontRef>
-          </p:style>
-          <p:txBody>
-            <a:bodyPr rtlCol="0" anchor="ctr"/>
-            <a:lstStyle>
-              <a:defPPr>
-                <a:defRPr lang="en-US"/>
-              </a:defPPr>
-              <a:lvl1pPr marL="0" algn="l" defTabSz="914400" rtl="0" eaLnBrk="1" latinLnBrk="0" hangingPunct="1">
-                <a:defRPr sz="1800" kern="1200">
-                  <a:solidFill>
-                    <a:schemeClr val="lt1"/>
-                  </a:solidFill>
-                  <a:latin typeface="+mn-lt"/>
-                  <a:ea typeface="+mn-ea"/>
-                  <a:cs typeface="+mn-cs"/>
-                </a:defRPr>
-              </a:lvl1pPr>
-              <a:lvl2pPr marL="457200" algn="l" defTabSz="914400" rtl="0" eaLnBrk="1" latinLnBrk="0" hangingPunct="1">
-                <a:defRPr sz="1800" kern="1200">
-                  <a:solidFill>
-                    <a:schemeClr val="lt1"/>
-                  </a:solidFill>
-                  <a:latin typeface="+mn-lt"/>
-                  <a:ea typeface="+mn-ea"/>
-                  <a:cs typeface="+mn-cs"/>
-                </a:defRPr>
-              </a:lvl2pPr>
-              <a:lvl3pPr marL="914400" algn="l" defTabSz="914400" rtl="0" eaLnBrk="1" latinLnBrk="0" hangingPunct="1">
-                <a:defRPr sz="1800" kern="1200">
-                  <a:solidFill>
-                    <a:schemeClr val="lt1"/>
-                  </a:solidFill>
-                  <a:latin typeface="+mn-lt"/>
-                  <a:ea typeface="+mn-ea"/>
-                  <a:cs typeface="+mn-cs"/>
-                </a:defRPr>
-              </a:lvl3pPr>
-              <a:lvl4pPr marL="1371600" algn="l" defTabSz="914400" rtl="0" eaLnBrk="1" latinLnBrk="0" hangingPunct="1">
-                <a:defRPr sz="1800" kern="1200">
-                  <a:solidFill>
-                    <a:schemeClr val="lt1"/>
-                  </a:solidFill>
-                  <a:latin typeface="+mn-lt"/>
-                  <a:ea typeface="+mn-ea"/>
-                  <a:cs typeface="+mn-cs"/>
-                </a:defRPr>
-              </a:lvl4pPr>
-              <a:lvl5pPr marL="1828800" algn="l" defTabSz="914400" rtl="0" eaLnBrk="1" latinLnBrk="0" hangingPunct="1">
-                <a:defRPr sz="1800" kern="1200">
-                  <a:solidFill>
-                    <a:schemeClr val="lt1"/>
-                  </a:solidFill>
-                  <a:latin typeface="+mn-lt"/>
-                  <a:ea typeface="+mn-ea"/>
-                  <a:cs typeface="+mn-cs"/>
-                </a:defRPr>
-              </a:lvl5pPr>
-              <a:lvl6pPr marL="2286000" algn="l" defTabSz="914400" rtl="0" eaLnBrk="1" latinLnBrk="0" hangingPunct="1">
-                <a:defRPr sz="1800" kern="1200">
-                  <a:solidFill>
-                    <a:schemeClr val="lt1"/>
-                  </a:solidFill>
-                  <a:latin typeface="+mn-lt"/>
-                  <a:ea typeface="+mn-ea"/>
-                  <a:cs typeface="+mn-cs"/>
-                </a:defRPr>
-              </a:lvl6pPr>
-              <a:lvl7pPr marL="2743200" algn="l" defTabSz="914400" rtl="0" eaLnBrk="1" latinLnBrk="0" hangingPunct="1">
-                <a:defRPr sz="1800" kern="1200">
-                  <a:solidFill>
-                    <a:schemeClr val="lt1"/>
-                  </a:solidFill>
-                  <a:latin typeface="+mn-lt"/>
-                  <a:ea typeface="+mn-ea"/>
-                  <a:cs typeface="+mn-cs"/>
-                </a:defRPr>
-              </a:lvl7pPr>
-              <a:lvl8pPr marL="3200400" algn="l" defTabSz="914400" rtl="0" eaLnBrk="1" latinLnBrk="0" hangingPunct="1">
-                <a:defRPr sz="1800" kern="1200">
-                  <a:solidFill>
-                    <a:schemeClr val="lt1"/>
-                  </a:solidFill>
-                  <a:latin typeface="+mn-lt"/>
-                  <a:ea typeface="+mn-ea"/>
-                  <a:cs typeface="+mn-cs"/>
-                </a:defRPr>
-              </a:lvl8pPr>
-              <a:lvl9pPr marL="3657600" algn="l" defTabSz="914400" rtl="0" eaLnBrk="1" latinLnBrk="0" hangingPunct="1">
-                <a:defRPr sz="1800" kern="1200">
-                  <a:solidFill>
-                    <a:schemeClr val="lt1"/>
-                  </a:solidFill>
-                  <a:latin typeface="+mn-lt"/>
-                  <a:ea typeface="+mn-ea"/>
-                  <a:cs typeface="+mn-cs"/>
-                </a:defRPr>
-              </a:lvl9pPr>
-            </a:lstStyle>
-            <a:p>
-              <a:pPr algn="ctr">
-                <a:buSzPct val="100000"/>
-              </a:pPr>
-              <a:endParaRPr lang="en-GB" sz="1600"/>
-            </a:p>
-          </p:txBody>
-        </p:sp>
-      </p:grpSp>
-      <p:pic>
-        <p:nvPicPr>
-          <p:cNvPr id="19" name="Picture 18" descr="A graph of different colored lines&#10;&#10;Description automatically generated">
-            <a:extLst>
-              <a:ext uri="{FF2B5EF4-FFF2-40B4-BE49-F238E27FC236}">
-                <a16:creationId xmlns:a16="http://schemas.microsoft.com/office/drawing/2014/main" id="{BFF49FB7-70ED-1B6B-3972-D8332594EB7D}"/>
+                <a16:creationId xmlns:a16="http://schemas.microsoft.com/office/drawing/2014/main" id="{3D20A7CE-1F1A-4494-A8A2-35485E7FF717}"/>
               </a:ext>
             </a:extLst>
           </p:cNvPr>
@@ -8921,178 +9145,14 @@
         </p:blipFill>
         <p:spPr>
           <a:xfrm>
-            <a:off x="6202838" y="913484"/>
-            <a:ext cx="6166518" cy="3515026"/>
+            <a:off x="0" y="175710"/>
+            <a:ext cx="12192000" cy="6506579"/>
           </a:xfrm>
           <a:prstGeom prst="rect">
             <a:avLst/>
           </a:prstGeom>
         </p:spPr>
       </p:pic>
-      <p:sp>
-        <p:nvSpPr>
-          <p:cNvPr id="21" name="Title 1">
-            <a:extLst>
-              <a:ext uri="{FF2B5EF4-FFF2-40B4-BE49-F238E27FC236}">
-                <a16:creationId xmlns:a16="http://schemas.microsoft.com/office/drawing/2014/main" id="{0AD60DD8-C3AD-8AF3-8F8C-B7E8E89AE1FA}"/>
-              </a:ext>
-            </a:extLst>
-          </p:cNvPr>
-          <p:cNvSpPr txBox="1">
-            <a:spLocks/>
-          </p:cNvSpPr>
-          <p:nvPr/>
-        </p:nvSpPr>
-        <p:spPr>
-          <a:xfrm>
-            <a:off x="6638160" y="4499612"/>
-            <a:ext cx="4813148" cy="1974787"/>
-          </a:xfrm>
-          <a:prstGeom prst="rect">
-            <a:avLst/>
-          </a:prstGeom>
-          <a:solidFill>
-            <a:schemeClr val="accent5">
-              <a:lumMod val="20000"/>
-              <a:lumOff val="80000"/>
-            </a:schemeClr>
-          </a:solidFill>
-        </p:spPr>
-        <p:txBody>
-          <a:bodyPr vert="horz" lIns="91440" tIns="45720" rIns="91440" bIns="45720" rtlCol="0" anchor="b">
-            <a:noAutofit/>
-          </a:bodyPr>
-          <a:lstStyle>
-            <a:lvl1pPr algn="ctr" defTabSz="914400" rtl="0" eaLnBrk="1" latinLnBrk="0" hangingPunct="1">
-              <a:lnSpc>
-                <a:spcPct val="90000"/>
-              </a:lnSpc>
-              <a:spcBef>
-                <a:spcPct val="0"/>
-              </a:spcBef>
-              <a:buNone/>
-              <a:defRPr sz="6000" kern="1200">
-                <a:solidFill>
-                  <a:schemeClr val="tx1"/>
-                </a:solidFill>
-                <a:latin typeface="+mj-lt"/>
-                <a:ea typeface="+mj-ea"/>
-                <a:cs typeface="+mj-cs"/>
-              </a:defRPr>
-            </a:lvl1pPr>
-          </a:lstStyle>
-          <a:p>
-            <a:pPr algn="l"/>
-            <a:r>
-              <a:rPr lang="en-US" sz="2400" dirty="0"/>
-              <a:t>We do not cover</a:t>
-            </a:r>
-            <a:r>
-              <a:rPr lang="en-AU" sz="2400" dirty="0"/>
-              <a:t> how to deal with unequal length series, missing values or data sampled at different frequencies. We do also not discuss in detail efficiency and scalability</a:t>
-            </a:r>
-            <a:endParaRPr lang="en-US" sz="2400" dirty="0"/>
-          </a:p>
-        </p:txBody>
-      </p:sp>
-      <p:sp>
-        <p:nvSpPr>
-          <p:cNvPr id="22" name="Title 1">
-            <a:extLst>
-              <a:ext uri="{FF2B5EF4-FFF2-40B4-BE49-F238E27FC236}">
-                <a16:creationId xmlns:a16="http://schemas.microsoft.com/office/drawing/2014/main" id="{6FCF7409-1AEA-2B91-4479-BA1AE3E3A76C}"/>
-              </a:ext>
-            </a:extLst>
-          </p:cNvPr>
-          <p:cNvSpPr txBox="1">
-            <a:spLocks/>
-          </p:cNvSpPr>
-          <p:nvPr/>
-        </p:nvSpPr>
-        <p:spPr>
-          <a:xfrm>
-            <a:off x="246232" y="4490705"/>
-            <a:ext cx="5209035" cy="1974791"/>
-          </a:xfrm>
-          <a:prstGeom prst="rect">
-            <a:avLst/>
-          </a:prstGeom>
-          <a:solidFill>
-            <a:schemeClr val="accent5">
-              <a:lumMod val="20000"/>
-              <a:lumOff val="80000"/>
-            </a:schemeClr>
-          </a:solidFill>
-        </p:spPr>
-        <p:txBody>
-          <a:bodyPr vert="horz" lIns="91440" tIns="45720" rIns="91440" bIns="45720" rtlCol="0" anchor="b">
-            <a:noAutofit/>
-          </a:bodyPr>
-          <a:lstStyle>
-            <a:lvl1pPr algn="ctr" defTabSz="914400" rtl="0" eaLnBrk="1" latinLnBrk="0" hangingPunct="1">
-              <a:lnSpc>
-                <a:spcPct val="90000"/>
-              </a:lnSpc>
-              <a:spcBef>
-                <a:spcPct val="0"/>
-              </a:spcBef>
-              <a:buNone/>
-              <a:defRPr sz="6000" kern="1200">
-                <a:solidFill>
-                  <a:schemeClr val="tx1"/>
-                </a:solidFill>
-                <a:latin typeface="+mj-lt"/>
-                <a:ea typeface="+mj-ea"/>
-                <a:cs typeface="+mj-cs"/>
-              </a:defRPr>
-            </a:lvl1pPr>
-          </a:lstStyle>
-          <a:p>
-            <a:pPr algn="l"/>
-            <a:r>
-              <a:rPr lang="en-GB" sz="2400" dirty="0"/>
-              <a:t>Our aim is to give you an overview of recent the algorithmic developments in these fields and an idea about how to uses these algorithms to mine collections of time series</a:t>
-            </a:r>
-            <a:endParaRPr lang="en-US" sz="2400" dirty="0"/>
-          </a:p>
-        </p:txBody>
-      </p:sp>
-      <p:sp>
-        <p:nvSpPr>
-          <p:cNvPr id="20" name="TextBox 19">
-            <a:extLst>
-              <a:ext uri="{FF2B5EF4-FFF2-40B4-BE49-F238E27FC236}">
-                <a16:creationId xmlns:a16="http://schemas.microsoft.com/office/drawing/2014/main" id="{6C8E72D3-7A4E-4FE4-4A83-D165C798BAE2}"/>
-              </a:ext>
-            </a:extLst>
-          </p:cNvPr>
-          <p:cNvSpPr txBox="1"/>
-          <p:nvPr/>
-        </p:nvSpPr>
-        <p:spPr>
-          <a:xfrm>
-            <a:off x="9430026" y="0"/>
-            <a:ext cx="2761974" cy="369332"/>
-          </a:xfrm>
-          <a:prstGeom prst="rect">
-            <a:avLst/>
-          </a:prstGeom>
-          <a:noFill/>
-        </p:spPr>
-        <p:txBody>
-          <a:bodyPr wrap="none" rtlCol="0">
-            <a:spAutoFit/>
-          </a:bodyPr>
-          <a:lstStyle/>
-          <a:p>
-            <a:pPr algn="r"/>
-            <a:r>
-              <a:rPr lang="en-AU" dirty="0"/>
-              <a:t>ECML/PKDD 2024 Tutorial</a:t>
-            </a:r>
-          </a:p>
-        </p:txBody>
-      </p:sp>
     </p:spTree>
     <p:extLst>
       <p:ext uri="{BB962C8B-B14F-4D97-AF65-F5344CB8AC3E}">
